--- a/problema2/soporte/diagrama_general.pptx
+++ b/problema2/soporte/diagrama_general.pptx
@@ -7,6 +7,9 @@
   <p:sldIdLst>
     <p:sldId id="256" r:id="rId2"/>
     <p:sldId id="258" r:id="rId3"/>
+    <p:sldId id="261" r:id="rId4"/>
+    <p:sldId id="259" r:id="rId5"/>
+    <p:sldId id="260" r:id="rId6"/>
   </p:sldIdLst>
   <p:sldSz cx="9144000" cy="6858000" type="screen4x3"/>
   <p:notesSz cx="6858000" cy="9144000"/>
@@ -3176,7 +3179,7 @@
         </p:blipFill>
         <p:spPr bwMode="auto">
           <a:xfrm>
-            <a:off x="6286512" y="6143644"/>
+            <a:off x="6415100" y="6357958"/>
             <a:ext cx="333375" cy="352425"/>
           </a:xfrm>
           <a:prstGeom prst="rect">
@@ -3409,6 +3412,13 @@
               <a:avLst/>
             </a:prstGeom>
             <a:noFill/>
+            <a:ln>
+              <a:solidFill>
+                <a:schemeClr val="bg1">
+                  <a:lumMod val="75000"/>
+                </a:schemeClr>
+              </a:solidFill>
+            </a:ln>
           </p:spPr>
           <p:style>
             <a:lnRef idx="2">
@@ -4136,6 +4146,13 @@
               <a:avLst/>
             </a:prstGeom>
             <a:noFill/>
+            <a:ln>
+              <a:solidFill>
+                <a:schemeClr val="bg1">
+                  <a:lumMod val="75000"/>
+                </a:schemeClr>
+              </a:solidFill>
+            </a:ln>
           </p:spPr>
           <p:style>
             <a:lnRef idx="2">
@@ -4391,7 +4408,7 @@
         </p:nvSpPr>
         <p:spPr>
           <a:xfrm>
-            <a:off x="6557976" y="6191928"/>
+            <a:off x="6686564" y="6406242"/>
             <a:ext cx="2228866" cy="523220"/>
           </a:xfrm>
           <a:prstGeom prst="rect">
@@ -4905,7 +4922,7 @@
         </p:blipFill>
         <p:spPr bwMode="auto">
           <a:xfrm>
-            <a:off x="6215074" y="5715016"/>
+            <a:off x="6343662" y="5929330"/>
             <a:ext cx="571504" cy="452441"/>
           </a:xfrm>
           <a:prstGeom prst="rect">
@@ -4929,7 +4946,7 @@
         </p:nvSpPr>
         <p:spPr>
           <a:xfrm>
-            <a:off x="6710376" y="5857892"/>
+            <a:off x="6838964" y="6072206"/>
             <a:ext cx="2228866" cy="307777"/>
           </a:xfrm>
           <a:prstGeom prst="rect">
@@ -4987,6 +5004,88 @@
           </a:fontRef>
         </p:style>
       </p:cxnSp>
+      <p:sp>
+        <p:nvSpPr>
+          <p:cNvPr id="68" name="67 Rectángulo redondeado"/>
+          <p:cNvSpPr/>
+          <p:nvPr/>
+        </p:nvSpPr>
+        <p:spPr>
+          <a:xfrm>
+            <a:off x="6486538" y="5643578"/>
+            <a:ext cx="357190" cy="285752"/>
+          </a:xfrm>
+          <a:prstGeom prst="roundRect">
+            <a:avLst/>
+          </a:prstGeom>
+          <a:noFill/>
+          <a:ln>
+            <a:solidFill>
+              <a:schemeClr val="bg1">
+                <a:lumMod val="75000"/>
+              </a:schemeClr>
+            </a:solidFill>
+          </a:ln>
+        </p:spPr>
+        <p:style>
+          <a:lnRef idx="2">
+            <a:schemeClr val="accent1">
+              <a:shade val="50000"/>
+            </a:schemeClr>
+          </a:lnRef>
+          <a:fillRef idx="1">
+            <a:schemeClr val="accent1"/>
+          </a:fillRef>
+          <a:effectRef idx="0">
+            <a:schemeClr val="accent1"/>
+          </a:effectRef>
+          <a:fontRef idx="minor">
+            <a:schemeClr val="lt1"/>
+          </a:fontRef>
+        </p:style>
+        <p:txBody>
+          <a:bodyPr rtlCol="0" anchor="ctr"/>
+          <a:lstStyle/>
+          <a:p>
+            <a:pPr algn="ctr"/>
+            <a:endParaRPr lang="es-MX"/>
+          </a:p>
+        </p:txBody>
+      </p:sp>
+      <p:sp>
+        <p:nvSpPr>
+          <p:cNvPr id="69" name="68 CuadroTexto"/>
+          <p:cNvSpPr txBox="1"/>
+          <p:nvPr/>
+        </p:nvSpPr>
+        <p:spPr>
+          <a:xfrm>
+            <a:off x="6915166" y="5621553"/>
+            <a:ext cx="2228866" cy="307777"/>
+          </a:xfrm>
+          <a:prstGeom prst="rect">
+            <a:avLst/>
+          </a:prstGeom>
+          <a:noFill/>
+        </p:spPr>
+        <p:txBody>
+          <a:bodyPr wrap="square" rtlCol="0">
+            <a:spAutoFit/>
+          </a:bodyPr>
+          <a:lstStyle/>
+          <a:p>
+            <a:r>
+              <a:rPr lang="es-MX" sz="1400" i="1" dirty="0" smtClean="0"/>
+              <a:t>Servidor </a:t>
+            </a:r>
+            <a:r>
+              <a:rPr lang="es-MX" sz="1400" i="1" dirty="0" smtClean="0"/>
+              <a:t>Externos</a:t>
+            </a:r>
+            <a:endParaRPr lang="es-MX" sz="1400" i="1" dirty="0"/>
+          </a:p>
+        </p:txBody>
+      </p:sp>
     </p:spTree>
   </p:cSld>
   <p:clrMapOvr>
@@ -5096,39 +5195,6 @@
         <p:spPr bwMode="auto">
           <a:xfrm>
             <a:off x="5715008" y="2071678"/>
-            <a:ext cx="333375" cy="352425"/>
-          </a:xfrm>
-          <a:prstGeom prst="rect">
-            <a:avLst/>
-          </a:prstGeom>
-          <a:noFill/>
-          <a:ln w="9525">
-            <a:noFill/>
-            <a:miter lim="800000"/>
-            <a:headEnd/>
-            <a:tailEnd/>
-          </a:ln>
-          <a:effectLst/>
-        </p:spPr>
-      </p:pic>
-      <p:pic>
-        <p:nvPicPr>
-          <p:cNvPr id="127" name="Picture 11"/>
-          <p:cNvPicPr>
-            <a:picLocks noChangeAspect="1" noChangeArrowheads="1"/>
-          </p:cNvPicPr>
-          <p:nvPr/>
-        </p:nvPicPr>
-        <p:blipFill>
-          <a:blip r:embed="rId2"/>
-          <a:srcRect/>
-          <a:stretch>
-            <a:fillRect/>
-          </a:stretch>
-        </p:blipFill>
-        <p:spPr bwMode="auto">
-          <a:xfrm>
-            <a:off x="6286512" y="6143644"/>
             <a:ext cx="333375" cy="352425"/>
           </a:xfrm>
           <a:prstGeom prst="rect">
@@ -5250,6 +5316,13 @@
               <a:avLst/>
             </a:prstGeom>
             <a:noFill/>
+            <a:ln>
+              <a:solidFill>
+                <a:schemeClr val="bg1">
+                  <a:lumMod val="75000"/>
+                </a:schemeClr>
+              </a:solidFill>
+            </a:ln>
           </p:spPr>
           <p:style>
             <a:lnRef idx="2">
@@ -5997,6 +6070,13 @@
               <a:avLst/>
             </a:prstGeom>
             <a:noFill/>
+            <a:ln>
+              <a:solidFill>
+                <a:schemeClr val="bg1">
+                  <a:lumMod val="75000"/>
+                </a:schemeClr>
+              </a:solidFill>
+            </a:ln>
           </p:spPr>
           <p:style>
             <a:lnRef idx="2">
@@ -6208,68 +6288,6 @@
           <a:effectLst/>
         </p:spPr>
       </p:pic>
-      <p:sp>
-        <p:nvSpPr>
-          <p:cNvPr id="100" name="99 CuadroTexto"/>
-          <p:cNvSpPr txBox="1"/>
-          <p:nvPr/>
-        </p:nvSpPr>
-        <p:spPr>
-          <a:xfrm>
-            <a:off x="6557976" y="6191928"/>
-            <a:ext cx="2228866" cy="523220"/>
-          </a:xfrm>
-          <a:prstGeom prst="rect">
-            <a:avLst/>
-          </a:prstGeom>
-          <a:noFill/>
-        </p:spPr>
-        <p:txBody>
-          <a:bodyPr wrap="square" rtlCol="0">
-            <a:spAutoFit/>
-          </a:bodyPr>
-          <a:lstStyle/>
-          <a:p>
-            <a:r>
-              <a:rPr lang="es-MX" sz="1400" i="1" dirty="0" smtClean="0">
-                <a:solidFill>
-                  <a:srgbClr val="C00000"/>
-                </a:solidFill>
-              </a:rPr>
-              <a:t>Protección con </a:t>
-            </a:r>
-            <a:r>
-              <a:rPr lang="es-MX" sz="1400" i="1" dirty="0" err="1" smtClean="0">
-                <a:solidFill>
-                  <a:srgbClr val="C00000"/>
-                </a:solidFill>
-              </a:rPr>
-              <a:t>https</a:t>
-            </a:r>
-            <a:r>
-              <a:rPr lang="es-MX" sz="1400" i="1" dirty="0" smtClean="0">
-                <a:solidFill>
-                  <a:srgbClr val="C00000"/>
-                </a:solidFill>
-              </a:rPr>
-              <a:t> o </a:t>
-            </a:r>
-            <a:r>
-              <a:rPr lang="es-MX" sz="1400" i="1" dirty="0" err="1" smtClean="0">
-                <a:solidFill>
-                  <a:srgbClr val="C00000"/>
-                </a:solidFill>
-              </a:rPr>
-              <a:t>ssl</a:t>
-            </a:r>
-            <a:endParaRPr lang="es-MX" sz="1400" i="1" dirty="0">
-              <a:solidFill>
-                <a:srgbClr val="C00000"/>
-              </a:solidFill>
-            </a:endParaRPr>
-          </a:p>
-        </p:txBody>
-      </p:sp>
       <p:pic>
         <p:nvPicPr>
           <p:cNvPr id="1030" name="Picture 6"/>
@@ -6782,73 +6800,6 @@
           </a:fontRef>
         </p:style>
       </p:cxnSp>
-      <p:sp>
-        <p:nvSpPr>
-          <p:cNvPr id="57" name="56 CuadroTexto"/>
-          <p:cNvSpPr txBox="1"/>
-          <p:nvPr/>
-        </p:nvSpPr>
-        <p:spPr>
-          <a:xfrm>
-            <a:off x="6710376" y="5857892"/>
-            <a:ext cx="2228866" cy="307777"/>
-          </a:xfrm>
-          <a:prstGeom prst="rect">
-            <a:avLst/>
-          </a:prstGeom>
-          <a:noFill/>
-        </p:spPr>
-        <p:txBody>
-          <a:bodyPr wrap="square" rtlCol="0">
-            <a:spAutoFit/>
-          </a:bodyPr>
-          <a:lstStyle/>
-          <a:p>
-            <a:r>
-              <a:rPr lang="es-MX" sz="1400" i="1" dirty="0" err="1" smtClean="0"/>
-              <a:t>Engine</a:t>
-            </a:r>
-            <a:r>
-              <a:rPr lang="es-MX" sz="1400" i="1" dirty="0" smtClean="0"/>
-              <a:t> interno</a:t>
-            </a:r>
-            <a:endParaRPr lang="es-MX" sz="1400" i="1" dirty="0"/>
-          </a:p>
-        </p:txBody>
-      </p:sp>
-      <p:pic>
-        <p:nvPicPr>
-          <p:cNvPr id="58" name="Picture 2"/>
-          <p:cNvPicPr>
-            <a:picLocks noChangeAspect="1" noChangeArrowheads="1"/>
-          </p:cNvPicPr>
-          <p:nvPr/>
-        </p:nvPicPr>
-        <p:blipFill>
-          <a:blip r:embed="rId9"/>
-          <a:srcRect/>
-          <a:stretch>
-            <a:fillRect/>
-          </a:stretch>
-        </p:blipFill>
-        <p:spPr bwMode="auto">
-          <a:xfrm>
-            <a:off x="6286512" y="5715016"/>
-            <a:ext cx="428628" cy="451187"/>
-          </a:xfrm>
-          <a:prstGeom prst="rect">
-            <a:avLst/>
-          </a:prstGeom>
-          <a:noFill/>
-          <a:ln w="9525">
-            <a:noFill/>
-            <a:miter lim="800000"/>
-            <a:headEnd/>
-            <a:tailEnd/>
-          </a:ln>
-          <a:effectLst/>
-        </p:spPr>
-      </p:pic>
       <p:cxnSp>
         <p:nvCxnSpPr>
           <p:cNvPr id="65" name="64 Conector angular"/>
@@ -6885,6 +6836,7639 @@
           </a:fontRef>
         </p:style>
       </p:cxnSp>
+      <p:pic>
+        <p:nvPicPr>
+          <p:cNvPr id="67" name="Picture 11"/>
+          <p:cNvPicPr>
+            <a:picLocks noChangeAspect="1" noChangeArrowheads="1"/>
+          </p:cNvPicPr>
+          <p:nvPr/>
+        </p:nvPicPr>
+        <p:blipFill>
+          <a:blip r:embed="rId2"/>
+          <a:srcRect/>
+          <a:stretch>
+            <a:fillRect/>
+          </a:stretch>
+        </p:blipFill>
+        <p:spPr bwMode="auto">
+          <a:xfrm>
+            <a:off x="6415100" y="6357958"/>
+            <a:ext cx="333375" cy="352425"/>
+          </a:xfrm>
+          <a:prstGeom prst="rect">
+            <a:avLst/>
+          </a:prstGeom>
+          <a:noFill/>
+          <a:ln w="9525">
+            <a:noFill/>
+            <a:miter lim="800000"/>
+            <a:headEnd/>
+            <a:tailEnd/>
+          </a:ln>
+          <a:effectLst/>
+        </p:spPr>
+      </p:pic>
+      <p:sp>
+        <p:nvSpPr>
+          <p:cNvPr id="68" name="67 CuadroTexto"/>
+          <p:cNvSpPr txBox="1"/>
+          <p:nvPr/>
+        </p:nvSpPr>
+        <p:spPr>
+          <a:xfrm>
+            <a:off x="6686564" y="6406242"/>
+            <a:ext cx="2228866" cy="523220"/>
+          </a:xfrm>
+          <a:prstGeom prst="rect">
+            <a:avLst/>
+          </a:prstGeom>
+          <a:noFill/>
+        </p:spPr>
+        <p:txBody>
+          <a:bodyPr wrap="square" rtlCol="0">
+            <a:spAutoFit/>
+          </a:bodyPr>
+          <a:lstStyle/>
+          <a:p>
+            <a:r>
+              <a:rPr lang="es-MX" sz="1400" i="1" dirty="0" smtClean="0">
+                <a:solidFill>
+                  <a:srgbClr val="C00000"/>
+                </a:solidFill>
+              </a:rPr>
+              <a:t>Protección con </a:t>
+            </a:r>
+            <a:r>
+              <a:rPr lang="es-MX" sz="1400" i="1" dirty="0" err="1" smtClean="0">
+                <a:solidFill>
+                  <a:srgbClr val="C00000"/>
+                </a:solidFill>
+              </a:rPr>
+              <a:t>https</a:t>
+            </a:r>
+            <a:r>
+              <a:rPr lang="es-MX" sz="1400" i="1" dirty="0" smtClean="0">
+                <a:solidFill>
+                  <a:srgbClr val="C00000"/>
+                </a:solidFill>
+              </a:rPr>
+              <a:t> o </a:t>
+            </a:r>
+            <a:r>
+              <a:rPr lang="es-MX" sz="1400" i="1" dirty="0" err="1" smtClean="0">
+                <a:solidFill>
+                  <a:srgbClr val="C00000"/>
+                </a:solidFill>
+              </a:rPr>
+              <a:t>ssl</a:t>
+            </a:r>
+            <a:endParaRPr lang="es-MX" sz="1400" i="1" dirty="0">
+              <a:solidFill>
+                <a:srgbClr val="C00000"/>
+              </a:solidFill>
+            </a:endParaRPr>
+          </a:p>
+        </p:txBody>
+      </p:sp>
+      <p:pic>
+        <p:nvPicPr>
+          <p:cNvPr id="69" name="Picture 12"/>
+          <p:cNvPicPr>
+            <a:picLocks noChangeAspect="1" noChangeArrowheads="1"/>
+          </p:cNvPicPr>
+          <p:nvPr/>
+        </p:nvPicPr>
+        <p:blipFill>
+          <a:blip r:embed="rId10"/>
+          <a:srcRect/>
+          <a:stretch>
+            <a:fillRect/>
+          </a:stretch>
+        </p:blipFill>
+        <p:spPr bwMode="auto">
+          <a:xfrm>
+            <a:off x="6343662" y="5929330"/>
+            <a:ext cx="571504" cy="452441"/>
+          </a:xfrm>
+          <a:prstGeom prst="rect">
+            <a:avLst/>
+          </a:prstGeom>
+          <a:noFill/>
+          <a:ln w="9525">
+            <a:noFill/>
+            <a:miter lim="800000"/>
+            <a:headEnd/>
+            <a:tailEnd/>
+          </a:ln>
+          <a:effectLst/>
+        </p:spPr>
+      </p:pic>
+      <p:sp>
+        <p:nvSpPr>
+          <p:cNvPr id="70" name="69 CuadroTexto"/>
+          <p:cNvSpPr txBox="1"/>
+          <p:nvPr/>
+        </p:nvSpPr>
+        <p:spPr>
+          <a:xfrm>
+            <a:off x="6838964" y="6072206"/>
+            <a:ext cx="2228866" cy="307777"/>
+          </a:xfrm>
+          <a:prstGeom prst="rect">
+            <a:avLst/>
+          </a:prstGeom>
+          <a:noFill/>
+        </p:spPr>
+        <p:txBody>
+          <a:bodyPr wrap="square" rtlCol="0">
+            <a:spAutoFit/>
+          </a:bodyPr>
+          <a:lstStyle/>
+          <a:p>
+            <a:r>
+              <a:rPr lang="es-MX" sz="1400" i="1" dirty="0" smtClean="0"/>
+              <a:t>Servidor Cloud</a:t>
+            </a:r>
+            <a:endParaRPr lang="es-MX" sz="1400" i="1" dirty="0"/>
+          </a:p>
+        </p:txBody>
+      </p:sp>
+      <p:sp>
+        <p:nvSpPr>
+          <p:cNvPr id="71" name="70 Rectángulo redondeado"/>
+          <p:cNvSpPr/>
+          <p:nvPr/>
+        </p:nvSpPr>
+        <p:spPr>
+          <a:xfrm>
+            <a:off x="6486538" y="5643578"/>
+            <a:ext cx="357190" cy="285752"/>
+          </a:xfrm>
+          <a:prstGeom prst="roundRect">
+            <a:avLst/>
+          </a:prstGeom>
+          <a:noFill/>
+          <a:ln>
+            <a:solidFill>
+              <a:schemeClr val="bg1">
+                <a:lumMod val="75000"/>
+              </a:schemeClr>
+            </a:solidFill>
+          </a:ln>
+        </p:spPr>
+        <p:style>
+          <a:lnRef idx="2">
+            <a:schemeClr val="accent1">
+              <a:shade val="50000"/>
+            </a:schemeClr>
+          </a:lnRef>
+          <a:fillRef idx="1">
+            <a:schemeClr val="accent1"/>
+          </a:fillRef>
+          <a:effectRef idx="0">
+            <a:schemeClr val="accent1"/>
+          </a:effectRef>
+          <a:fontRef idx="minor">
+            <a:schemeClr val="lt1"/>
+          </a:fontRef>
+        </p:style>
+        <p:txBody>
+          <a:bodyPr rtlCol="0" anchor="ctr"/>
+          <a:lstStyle/>
+          <a:p>
+            <a:pPr algn="ctr"/>
+            <a:endParaRPr lang="es-MX"/>
+          </a:p>
+        </p:txBody>
+      </p:sp>
+      <p:sp>
+        <p:nvSpPr>
+          <p:cNvPr id="72" name="71 CuadroTexto"/>
+          <p:cNvSpPr txBox="1"/>
+          <p:nvPr/>
+        </p:nvSpPr>
+        <p:spPr>
+          <a:xfrm>
+            <a:off x="6915166" y="5621553"/>
+            <a:ext cx="2228866" cy="307777"/>
+          </a:xfrm>
+          <a:prstGeom prst="rect">
+            <a:avLst/>
+          </a:prstGeom>
+          <a:noFill/>
+        </p:spPr>
+        <p:txBody>
+          <a:bodyPr wrap="square" rtlCol="0">
+            <a:spAutoFit/>
+          </a:bodyPr>
+          <a:lstStyle/>
+          <a:p>
+            <a:r>
+              <a:rPr lang="es-MX" sz="1400" i="1" dirty="0" smtClean="0"/>
+              <a:t>Servidor </a:t>
+            </a:r>
+            <a:r>
+              <a:rPr lang="es-MX" sz="1400" i="1" dirty="0" smtClean="0"/>
+              <a:t>Externos</a:t>
+            </a:r>
+            <a:endParaRPr lang="es-MX" sz="1400" i="1" dirty="0"/>
+          </a:p>
+        </p:txBody>
+      </p:sp>
+    </p:spTree>
+  </p:cSld>
+  <p:clrMapOvr>
+    <a:masterClrMapping/>
+  </p:clrMapOvr>
+</p:sld>
+</file>
+
+<file path=ppt/slides/slide3.xml><?xml version="1.0" encoding="utf-8"?>
+<p:sld xmlns:a="http://schemas.openxmlformats.org/drawingml/2006/main" xmlns:r="http://schemas.openxmlformats.org/officeDocument/2006/relationships" xmlns:p="http://schemas.openxmlformats.org/presentationml/2006/main">
+  <p:cSld>
+    <p:spTree>
+      <p:nvGrpSpPr>
+        <p:cNvPr id="1" name=""/>
+        <p:cNvGrpSpPr/>
+        <p:nvPr/>
+      </p:nvGrpSpPr>
+      <p:grpSpPr>
+        <a:xfrm>
+          <a:off x="0" y="0"/>
+          <a:ext cx="0" cy="0"/>
+          <a:chOff x="0" y="0"/>
+          <a:chExt cx="0" cy="0"/>
+        </a:xfrm>
+      </p:grpSpPr>
+      <p:sp>
+        <p:nvSpPr>
+          <p:cNvPr id="49" name="48 CuadroTexto"/>
+          <p:cNvSpPr txBox="1"/>
+          <p:nvPr/>
+        </p:nvSpPr>
+        <p:spPr>
+          <a:xfrm>
+            <a:off x="4429124" y="1714488"/>
+            <a:ext cx="1643074" cy="307777"/>
+          </a:xfrm>
+          <a:prstGeom prst="rect">
+            <a:avLst/>
+          </a:prstGeom>
+          <a:noFill/>
+        </p:spPr>
+        <p:txBody>
+          <a:bodyPr wrap="square" rtlCol="0">
+            <a:spAutoFit/>
+          </a:bodyPr>
+          <a:lstStyle/>
+          <a:p>
+            <a:r>
+              <a:rPr lang="es-MX" sz="1400" i="1" dirty="0" smtClean="0">
+                <a:solidFill>
+                  <a:schemeClr val="accent6">
+                    <a:lumMod val="75000"/>
+                  </a:schemeClr>
+                </a:solidFill>
+              </a:rPr>
+              <a:t>Verifica existencia</a:t>
+            </a:r>
+            <a:endParaRPr lang="es-MX" sz="1400" i="1" dirty="0">
+              <a:solidFill>
+                <a:schemeClr val="accent6">
+                  <a:lumMod val="75000"/>
+                </a:schemeClr>
+              </a:solidFill>
+            </a:endParaRPr>
+          </a:p>
+        </p:txBody>
+      </p:sp>
+      <p:sp>
+        <p:nvSpPr>
+          <p:cNvPr id="52" name="51 CuadroTexto"/>
+          <p:cNvSpPr txBox="1"/>
+          <p:nvPr/>
+        </p:nvSpPr>
+        <p:spPr>
+          <a:xfrm>
+            <a:off x="4357686" y="2121091"/>
+            <a:ext cx="1643074" cy="307777"/>
+          </a:xfrm>
+          <a:prstGeom prst="rect">
+            <a:avLst/>
+          </a:prstGeom>
+          <a:noFill/>
+        </p:spPr>
+        <p:txBody>
+          <a:bodyPr wrap="square" rtlCol="0">
+            <a:spAutoFit/>
+          </a:bodyPr>
+          <a:lstStyle/>
+          <a:p>
+            <a:r>
+              <a:rPr lang="es-MX" sz="1400" i="1" dirty="0" smtClean="0">
+                <a:solidFill>
+                  <a:schemeClr val="accent6">
+                    <a:lumMod val="75000"/>
+                  </a:schemeClr>
+                </a:solidFill>
+              </a:rPr>
+              <a:t>Regresa existencia</a:t>
+            </a:r>
+            <a:endParaRPr lang="es-MX" sz="1400" i="1" dirty="0">
+              <a:solidFill>
+                <a:schemeClr val="accent6">
+                  <a:lumMod val="75000"/>
+                </a:schemeClr>
+              </a:solidFill>
+            </a:endParaRPr>
+          </a:p>
+        </p:txBody>
+      </p:sp>
+      <p:grpSp>
+        <p:nvGrpSpPr>
+          <p:cNvPr id="2" name="43 Grupo"/>
+          <p:cNvGrpSpPr/>
+          <p:nvPr/>
+        </p:nvGrpSpPr>
+        <p:grpSpPr>
+          <a:xfrm>
+            <a:off x="142844" y="357166"/>
+            <a:ext cx="1428760" cy="857256"/>
+            <a:chOff x="7358082" y="928670"/>
+            <a:chExt cx="1428760" cy="857256"/>
+          </a:xfrm>
+        </p:grpSpPr>
+        <p:sp>
+          <p:nvSpPr>
+            <p:cNvPr id="3" name="2 CuadroTexto"/>
+            <p:cNvSpPr txBox="1"/>
+            <p:nvPr/>
+          </p:nvSpPr>
+          <p:spPr>
+            <a:xfrm>
+              <a:off x="7429520" y="1357298"/>
+              <a:ext cx="1357322" cy="369332"/>
+            </a:xfrm>
+            <a:prstGeom prst="rect">
+              <a:avLst/>
+            </a:prstGeom>
+            <a:noFill/>
+          </p:spPr>
+          <p:txBody>
+            <a:bodyPr wrap="square" rtlCol="0">
+              <a:spAutoFit/>
+            </a:bodyPr>
+            <a:lstStyle/>
+            <a:p>
+              <a:r>
+                <a:rPr lang="es-MX" dirty="0" smtClean="0"/>
+                <a:t>Cliente </a:t>
+              </a:r>
+              <a:endParaRPr lang="es-MX" dirty="0"/>
+            </a:p>
+          </p:txBody>
+        </p:sp>
+        <p:sp>
+          <p:nvSpPr>
+            <p:cNvPr id="4" name="3 Rectángulo redondeado"/>
+            <p:cNvSpPr/>
+            <p:nvPr/>
+          </p:nvSpPr>
+          <p:spPr>
+            <a:xfrm>
+              <a:off x="7358082" y="1285860"/>
+              <a:ext cx="1143008" cy="500066"/>
+            </a:xfrm>
+            <a:prstGeom prst="roundRect">
+              <a:avLst/>
+            </a:prstGeom>
+            <a:noFill/>
+          </p:spPr>
+          <p:style>
+            <a:lnRef idx="2">
+              <a:schemeClr val="accent1">
+                <a:shade val="50000"/>
+              </a:schemeClr>
+            </a:lnRef>
+            <a:fillRef idx="1">
+              <a:schemeClr val="accent1"/>
+            </a:fillRef>
+            <a:effectRef idx="0">
+              <a:schemeClr val="accent1"/>
+            </a:effectRef>
+            <a:fontRef idx="minor">
+              <a:schemeClr val="lt1"/>
+            </a:fontRef>
+          </p:style>
+          <p:txBody>
+            <a:bodyPr rtlCol="0" anchor="ctr"/>
+            <a:lstStyle/>
+            <a:p>
+              <a:pPr algn="r"/>
+              <a:endParaRPr lang="es-MX" dirty="0"/>
+            </a:p>
+          </p:txBody>
+        </p:sp>
+        <p:pic>
+          <p:nvPicPr>
+            <p:cNvPr id="5" name="Picture 2"/>
+            <p:cNvPicPr>
+              <a:picLocks noChangeAspect="1" noChangeArrowheads="1"/>
+            </p:cNvPicPr>
+            <p:nvPr/>
+          </p:nvPicPr>
+          <p:blipFill>
+            <a:blip r:embed="rId2"/>
+            <a:srcRect l="49963" t="35156" r="42350" b="50195"/>
+            <a:stretch>
+              <a:fillRect/>
+            </a:stretch>
+          </p:blipFill>
+          <p:spPr bwMode="auto">
+            <a:xfrm>
+              <a:off x="8143900" y="928670"/>
+              <a:ext cx="509591" cy="545990"/>
+            </a:xfrm>
+            <a:prstGeom prst="rect">
+              <a:avLst/>
+            </a:prstGeom>
+            <a:noFill/>
+            <a:ln w="9525">
+              <a:noFill/>
+              <a:miter lim="800000"/>
+              <a:headEnd/>
+              <a:tailEnd/>
+            </a:ln>
+            <a:effectLst/>
+          </p:spPr>
+        </p:pic>
+      </p:grpSp>
+      <p:cxnSp>
+        <p:nvCxnSpPr>
+          <p:cNvPr id="6" name="5 Conector recto de flecha"/>
+          <p:cNvCxnSpPr/>
+          <p:nvPr/>
+        </p:nvCxnSpPr>
+        <p:spPr>
+          <a:xfrm>
+            <a:off x="928662" y="1643050"/>
+            <a:ext cx="1428760" cy="1588"/>
+          </a:xfrm>
+          <a:prstGeom prst="straightConnector1">
+            <a:avLst/>
+          </a:prstGeom>
+          <a:ln w="28575">
+            <a:headEnd type="none"/>
+            <a:tailEnd type="arrow"/>
+          </a:ln>
+        </p:spPr>
+        <p:style>
+          <a:lnRef idx="1">
+            <a:schemeClr val="accent1"/>
+          </a:lnRef>
+          <a:fillRef idx="0">
+            <a:schemeClr val="accent1"/>
+          </a:fillRef>
+          <a:effectRef idx="0">
+            <a:schemeClr val="accent1"/>
+          </a:effectRef>
+          <a:fontRef idx="minor">
+            <a:schemeClr val="tx1"/>
+          </a:fontRef>
+        </p:style>
+      </p:cxnSp>
+      <p:grpSp>
+        <p:nvGrpSpPr>
+          <p:cNvPr id="7" name="10 Grupo"/>
+          <p:cNvGrpSpPr/>
+          <p:nvPr/>
+        </p:nvGrpSpPr>
+        <p:grpSpPr>
+          <a:xfrm>
+            <a:off x="1643042" y="571480"/>
+            <a:ext cx="1643074" cy="852241"/>
+            <a:chOff x="3643306" y="1714488"/>
+            <a:chExt cx="1643074" cy="852241"/>
+          </a:xfrm>
+        </p:grpSpPr>
+        <p:grpSp>
+          <p:nvGrpSpPr>
+            <p:cNvPr id="11" name="6 Grupo"/>
+            <p:cNvGrpSpPr/>
+            <p:nvPr/>
+          </p:nvGrpSpPr>
+          <p:grpSpPr>
+            <a:xfrm>
+              <a:off x="3857620" y="1714488"/>
+              <a:ext cx="1428760" cy="500066"/>
+              <a:chOff x="3857620" y="1714488"/>
+              <a:chExt cx="1428760" cy="500066"/>
+            </a:xfrm>
+          </p:grpSpPr>
+          <p:sp>
+            <p:nvSpPr>
+              <p:cNvPr id="8" name="7 CuadroTexto"/>
+              <p:cNvSpPr txBox="1"/>
+              <p:nvPr/>
+            </p:nvSpPr>
+            <p:spPr>
+              <a:xfrm>
+                <a:off x="3929058" y="1714488"/>
+                <a:ext cx="1357322" cy="369332"/>
+              </a:xfrm>
+              <a:prstGeom prst="rect">
+                <a:avLst/>
+              </a:prstGeom>
+              <a:noFill/>
+            </p:spPr>
+            <p:txBody>
+              <a:bodyPr wrap="square" rtlCol="0">
+                <a:spAutoFit/>
+              </a:bodyPr>
+              <a:lstStyle/>
+              <a:p>
+                <a:r>
+                  <a:rPr lang="es-MX" dirty="0" smtClean="0"/>
+                  <a:t>Web</a:t>
+                </a:r>
+                <a:endParaRPr lang="es-MX" dirty="0"/>
+              </a:p>
+            </p:txBody>
+          </p:sp>
+          <p:sp>
+            <p:nvSpPr>
+              <p:cNvPr id="9" name="8 Rectángulo redondeado"/>
+              <p:cNvSpPr/>
+              <p:nvPr/>
+            </p:nvSpPr>
+            <p:spPr>
+              <a:xfrm>
+                <a:off x="3857620" y="1714488"/>
+                <a:ext cx="1214446" cy="500066"/>
+              </a:xfrm>
+              <a:prstGeom prst="roundRect">
+                <a:avLst/>
+              </a:prstGeom>
+              <a:noFill/>
+            </p:spPr>
+            <p:style>
+              <a:lnRef idx="2">
+                <a:schemeClr val="accent1">
+                  <a:shade val="50000"/>
+                </a:schemeClr>
+              </a:lnRef>
+              <a:fillRef idx="1">
+                <a:schemeClr val="accent1"/>
+              </a:fillRef>
+              <a:effectRef idx="0">
+                <a:schemeClr val="accent1"/>
+              </a:effectRef>
+              <a:fontRef idx="minor">
+                <a:schemeClr val="lt1"/>
+              </a:fontRef>
+            </p:style>
+            <p:txBody>
+              <a:bodyPr rtlCol="0" anchor="ctr"/>
+              <a:lstStyle/>
+              <a:p>
+                <a:pPr algn="ctr"/>
+                <a:endParaRPr lang="es-MX"/>
+              </a:p>
+            </p:txBody>
+          </p:sp>
+        </p:grpSp>
+        <p:pic>
+          <p:nvPicPr>
+            <p:cNvPr id="10" name="Picture 2"/>
+            <p:cNvPicPr>
+              <a:picLocks noChangeAspect="1" noChangeArrowheads="1"/>
+            </p:cNvPicPr>
+            <p:nvPr/>
+          </p:nvPicPr>
+          <p:blipFill>
+            <a:blip r:embed="rId3"/>
+            <a:srcRect/>
+            <a:stretch>
+              <a:fillRect/>
+            </a:stretch>
+          </p:blipFill>
+          <p:spPr bwMode="auto">
+            <a:xfrm>
+              <a:off x="3643306" y="2000240"/>
+              <a:ext cx="538165" cy="566489"/>
+            </a:xfrm>
+            <a:prstGeom prst="rect">
+              <a:avLst/>
+            </a:prstGeom>
+            <a:noFill/>
+            <a:ln w="9525">
+              <a:noFill/>
+              <a:miter lim="800000"/>
+              <a:headEnd/>
+              <a:tailEnd/>
+            </a:ln>
+            <a:effectLst/>
+          </p:spPr>
+        </p:pic>
+      </p:grpSp>
+      <p:sp>
+        <p:nvSpPr>
+          <p:cNvPr id="16" name="15 CuadroTexto"/>
+          <p:cNvSpPr txBox="1"/>
+          <p:nvPr/>
+        </p:nvSpPr>
+        <p:spPr>
+          <a:xfrm>
+            <a:off x="2285984" y="0"/>
+            <a:ext cx="4435766" cy="369332"/>
+          </a:xfrm>
+          <a:prstGeom prst="rect">
+            <a:avLst/>
+          </a:prstGeom>
+          <a:noFill/>
+        </p:spPr>
+        <p:txBody>
+          <a:bodyPr wrap="none" rtlCol="0">
+            <a:spAutoFit/>
+          </a:bodyPr>
+          <a:lstStyle/>
+          <a:p>
+            <a:r>
+              <a:rPr lang="es-MX" dirty="0" smtClean="0"/>
+              <a:t>Proceso de nuevo pedido – Resultado Exitoso</a:t>
+            </a:r>
+            <a:endParaRPr lang="es-MX" dirty="0"/>
+          </a:p>
+        </p:txBody>
+      </p:sp>
+      <p:sp>
+        <p:nvSpPr>
+          <p:cNvPr id="17" name="16 CuadroTexto"/>
+          <p:cNvSpPr txBox="1"/>
+          <p:nvPr/>
+        </p:nvSpPr>
+        <p:spPr>
+          <a:xfrm>
+            <a:off x="857224" y="1357298"/>
+            <a:ext cx="1643074" cy="307777"/>
+          </a:xfrm>
+          <a:prstGeom prst="rect">
+            <a:avLst/>
+          </a:prstGeom>
+          <a:noFill/>
+        </p:spPr>
+        <p:txBody>
+          <a:bodyPr wrap="square" rtlCol="0">
+            <a:spAutoFit/>
+          </a:bodyPr>
+          <a:lstStyle/>
+          <a:p>
+            <a:r>
+              <a:rPr lang="es-MX" sz="1400" i="1" dirty="0" smtClean="0">
+                <a:solidFill>
+                  <a:schemeClr val="accent6">
+                    <a:lumMod val="75000"/>
+                  </a:schemeClr>
+                </a:solidFill>
+              </a:rPr>
+              <a:t>Carrito</a:t>
+            </a:r>
+            <a:endParaRPr lang="es-MX" sz="1400" i="1" dirty="0">
+              <a:solidFill>
+                <a:schemeClr val="accent6">
+                  <a:lumMod val="75000"/>
+                </a:schemeClr>
+              </a:solidFill>
+            </a:endParaRPr>
+          </a:p>
+        </p:txBody>
+      </p:sp>
+      <p:grpSp>
+        <p:nvGrpSpPr>
+          <p:cNvPr id="12" name="21 Grupo"/>
+          <p:cNvGrpSpPr/>
+          <p:nvPr/>
+        </p:nvGrpSpPr>
+        <p:grpSpPr>
+          <a:xfrm>
+            <a:off x="-2571800" y="2000240"/>
+            <a:ext cx="1643074" cy="307777"/>
+            <a:chOff x="3500430" y="3071810"/>
+            <a:chExt cx="1643074" cy="307777"/>
+          </a:xfrm>
+        </p:grpSpPr>
+        <p:cxnSp>
+          <p:nvCxnSpPr>
+            <p:cNvPr id="20" name="19 Conector recto de flecha"/>
+            <p:cNvCxnSpPr/>
+            <p:nvPr/>
+          </p:nvCxnSpPr>
+          <p:spPr>
+            <a:xfrm>
+              <a:off x="3643306" y="3357562"/>
+              <a:ext cx="1428760" cy="1588"/>
+            </a:xfrm>
+            <a:prstGeom prst="straightConnector1">
+              <a:avLst/>
+            </a:prstGeom>
+            <a:ln w="28575">
+              <a:headEnd type="none"/>
+              <a:tailEnd type="arrow"/>
+            </a:ln>
+          </p:spPr>
+          <p:style>
+            <a:lnRef idx="1">
+              <a:schemeClr val="accent1"/>
+            </a:lnRef>
+            <a:fillRef idx="0">
+              <a:schemeClr val="accent1"/>
+            </a:fillRef>
+            <a:effectRef idx="0">
+              <a:schemeClr val="accent1"/>
+            </a:effectRef>
+            <a:fontRef idx="minor">
+              <a:schemeClr val="tx1"/>
+            </a:fontRef>
+          </p:style>
+        </p:cxnSp>
+        <p:sp>
+          <p:nvSpPr>
+            <p:cNvPr id="21" name="20 CuadroTexto"/>
+            <p:cNvSpPr txBox="1"/>
+            <p:nvPr/>
+          </p:nvSpPr>
+          <p:spPr>
+            <a:xfrm>
+              <a:off x="3500430" y="3071810"/>
+              <a:ext cx="1643074" cy="307777"/>
+            </a:xfrm>
+            <a:prstGeom prst="rect">
+              <a:avLst/>
+            </a:prstGeom>
+            <a:noFill/>
+          </p:spPr>
+          <p:txBody>
+            <a:bodyPr wrap="square" rtlCol="0">
+              <a:spAutoFit/>
+            </a:bodyPr>
+            <a:lstStyle/>
+            <a:p>
+              <a:r>
+                <a:rPr lang="es-MX" sz="1400" i="1" dirty="0" smtClean="0">
+                  <a:solidFill>
+                    <a:schemeClr val="accent6">
+                      <a:lumMod val="75000"/>
+                    </a:schemeClr>
+                  </a:solidFill>
+                </a:rPr>
+                <a:t>Solicita productos</a:t>
+              </a:r>
+              <a:endParaRPr lang="es-MX" sz="1400" i="1" dirty="0">
+                <a:solidFill>
+                  <a:schemeClr val="accent6">
+                    <a:lumMod val="75000"/>
+                  </a:schemeClr>
+                </a:solidFill>
+              </a:endParaRPr>
+            </a:p>
+          </p:txBody>
+        </p:sp>
+      </p:grpSp>
+      <p:grpSp>
+        <p:nvGrpSpPr>
+          <p:cNvPr id="13" name="22 Grupo"/>
+          <p:cNvGrpSpPr/>
+          <p:nvPr/>
+        </p:nvGrpSpPr>
+        <p:grpSpPr>
+          <a:xfrm>
+            <a:off x="-2571800" y="3143248"/>
+            <a:ext cx="1643074" cy="307777"/>
+            <a:chOff x="3500430" y="3071810"/>
+            <a:chExt cx="1643074" cy="307777"/>
+          </a:xfrm>
+        </p:grpSpPr>
+        <p:cxnSp>
+          <p:nvCxnSpPr>
+            <p:cNvPr id="24" name="23 Conector recto de flecha"/>
+            <p:cNvCxnSpPr/>
+            <p:nvPr/>
+          </p:nvCxnSpPr>
+          <p:spPr>
+            <a:xfrm>
+              <a:off x="3571868" y="3357562"/>
+              <a:ext cx="1428760" cy="1588"/>
+            </a:xfrm>
+            <a:prstGeom prst="straightConnector1">
+              <a:avLst/>
+            </a:prstGeom>
+            <a:ln w="28575">
+              <a:headEnd type="triangle"/>
+              <a:tailEnd type="none"/>
+            </a:ln>
+          </p:spPr>
+          <p:style>
+            <a:lnRef idx="1">
+              <a:schemeClr val="accent1"/>
+            </a:lnRef>
+            <a:fillRef idx="0">
+              <a:schemeClr val="accent1"/>
+            </a:fillRef>
+            <a:effectRef idx="0">
+              <a:schemeClr val="accent1"/>
+            </a:effectRef>
+            <a:fontRef idx="minor">
+              <a:schemeClr val="tx1"/>
+            </a:fontRef>
+          </p:style>
+        </p:cxnSp>
+        <p:sp>
+          <p:nvSpPr>
+            <p:cNvPr id="25" name="24 CuadroTexto"/>
+            <p:cNvSpPr txBox="1"/>
+            <p:nvPr/>
+          </p:nvSpPr>
+          <p:spPr>
+            <a:xfrm>
+              <a:off x="3500430" y="3071810"/>
+              <a:ext cx="1643074" cy="307777"/>
+            </a:xfrm>
+            <a:prstGeom prst="rect">
+              <a:avLst/>
+            </a:prstGeom>
+            <a:noFill/>
+          </p:spPr>
+          <p:txBody>
+            <a:bodyPr wrap="square" rtlCol="0">
+              <a:spAutoFit/>
+            </a:bodyPr>
+            <a:lstStyle/>
+            <a:p>
+              <a:r>
+                <a:rPr lang="es-MX" sz="1400" i="1" dirty="0" smtClean="0">
+                  <a:solidFill>
+                    <a:schemeClr val="accent6">
+                      <a:lumMod val="75000"/>
+                    </a:schemeClr>
+                  </a:solidFill>
+                </a:rPr>
+                <a:t>Solicita productos</a:t>
+              </a:r>
+              <a:endParaRPr lang="es-MX" sz="1400" i="1" dirty="0">
+                <a:solidFill>
+                  <a:schemeClr val="accent6">
+                    <a:lumMod val="75000"/>
+                  </a:schemeClr>
+                </a:solidFill>
+              </a:endParaRPr>
+            </a:p>
+          </p:txBody>
+        </p:sp>
+      </p:grpSp>
+      <p:grpSp>
+        <p:nvGrpSpPr>
+          <p:cNvPr id="14" name="29 Grupo"/>
+          <p:cNvGrpSpPr/>
+          <p:nvPr/>
+        </p:nvGrpSpPr>
+        <p:grpSpPr>
+          <a:xfrm>
+            <a:off x="3500430" y="571480"/>
+            <a:ext cx="1643074" cy="852241"/>
+            <a:chOff x="6357950" y="1000108"/>
+            <a:chExt cx="1643074" cy="852241"/>
+          </a:xfrm>
+        </p:grpSpPr>
+        <p:grpSp>
+          <p:nvGrpSpPr>
+            <p:cNvPr id="15" name="31 Grupo"/>
+            <p:cNvGrpSpPr/>
+            <p:nvPr/>
+          </p:nvGrpSpPr>
+          <p:grpSpPr>
+            <a:xfrm>
+              <a:off x="6572264" y="1000108"/>
+              <a:ext cx="1428760" cy="500066"/>
+              <a:chOff x="3786182" y="1785926"/>
+              <a:chExt cx="1428760" cy="697209"/>
+            </a:xfrm>
+          </p:grpSpPr>
+          <p:sp>
+            <p:nvSpPr>
+              <p:cNvPr id="27" name="26 Rectángulo redondeado"/>
+              <p:cNvSpPr/>
+              <p:nvPr/>
+            </p:nvSpPr>
+            <p:spPr>
+              <a:xfrm>
+                <a:off x="3786182" y="1785926"/>
+                <a:ext cx="1143008" cy="697209"/>
+              </a:xfrm>
+              <a:prstGeom prst="roundRect">
+                <a:avLst/>
+              </a:prstGeom>
+              <a:noFill/>
+            </p:spPr>
+            <p:style>
+              <a:lnRef idx="2">
+                <a:schemeClr val="accent1">
+                  <a:shade val="50000"/>
+                </a:schemeClr>
+              </a:lnRef>
+              <a:fillRef idx="1">
+                <a:schemeClr val="accent1"/>
+              </a:fillRef>
+              <a:effectRef idx="0">
+                <a:schemeClr val="accent1"/>
+              </a:effectRef>
+              <a:fontRef idx="minor">
+                <a:schemeClr val="lt1"/>
+              </a:fontRef>
+            </p:style>
+            <p:txBody>
+              <a:bodyPr rtlCol="0" anchor="ctr"/>
+              <a:lstStyle/>
+              <a:p>
+                <a:pPr algn="ctr"/>
+                <a:endParaRPr lang="es-MX"/>
+              </a:p>
+            </p:txBody>
+          </p:sp>
+          <p:sp>
+            <p:nvSpPr>
+              <p:cNvPr id="28" name="27 CuadroTexto"/>
+              <p:cNvSpPr txBox="1"/>
+              <p:nvPr/>
+            </p:nvSpPr>
+            <p:spPr>
+              <a:xfrm>
+                <a:off x="3857620" y="1785926"/>
+                <a:ext cx="1357322" cy="342951"/>
+              </a:xfrm>
+              <a:prstGeom prst="rect">
+                <a:avLst/>
+              </a:prstGeom>
+              <a:noFill/>
+            </p:spPr>
+            <p:txBody>
+              <a:bodyPr wrap="square" rtlCol="0">
+                <a:spAutoFit/>
+              </a:bodyPr>
+              <a:lstStyle/>
+              <a:p>
+                <a:r>
+                  <a:rPr lang="es-MX" dirty="0" smtClean="0"/>
+                  <a:t>Negocio</a:t>
+                </a:r>
+                <a:endParaRPr lang="es-MX" dirty="0"/>
+              </a:p>
+            </p:txBody>
+          </p:sp>
+        </p:grpSp>
+        <p:pic>
+          <p:nvPicPr>
+            <p:cNvPr id="29" name="Picture 2"/>
+            <p:cNvPicPr>
+              <a:picLocks noChangeAspect="1" noChangeArrowheads="1"/>
+            </p:cNvPicPr>
+            <p:nvPr/>
+          </p:nvPicPr>
+          <p:blipFill>
+            <a:blip r:embed="rId3"/>
+            <a:srcRect/>
+            <a:stretch>
+              <a:fillRect/>
+            </a:stretch>
+          </p:blipFill>
+          <p:spPr bwMode="auto">
+            <a:xfrm>
+              <a:off x="6357950" y="1285860"/>
+              <a:ext cx="538165" cy="566489"/>
+            </a:xfrm>
+            <a:prstGeom prst="rect">
+              <a:avLst/>
+            </a:prstGeom>
+            <a:noFill/>
+            <a:ln w="9525">
+              <a:noFill/>
+              <a:miter lim="800000"/>
+              <a:headEnd/>
+              <a:tailEnd/>
+            </a:ln>
+            <a:effectLst/>
+          </p:spPr>
+        </p:pic>
+      </p:grpSp>
+      <p:cxnSp>
+        <p:nvCxnSpPr>
+          <p:cNvPr id="32" name="31 Conector recto"/>
+          <p:cNvCxnSpPr/>
+          <p:nvPr/>
+        </p:nvCxnSpPr>
+        <p:spPr>
+          <a:xfrm rot="5400000">
+            <a:off x="-1892345" y="3964785"/>
+            <a:ext cx="5214180" cy="794"/>
+          </a:xfrm>
+          <a:prstGeom prst="line">
+            <a:avLst/>
+          </a:prstGeom>
+          <a:ln>
+            <a:solidFill>
+              <a:schemeClr val="tx1"/>
+            </a:solidFill>
+            <a:headEnd type="none" w="med" len="med"/>
+            <a:tailEnd type="arrow" w="med" len="med"/>
+          </a:ln>
+        </p:spPr>
+        <p:style>
+          <a:lnRef idx="1">
+            <a:schemeClr val="accent1"/>
+          </a:lnRef>
+          <a:fillRef idx="0">
+            <a:schemeClr val="accent1"/>
+          </a:fillRef>
+          <a:effectRef idx="0">
+            <a:schemeClr val="accent1"/>
+          </a:effectRef>
+          <a:fontRef idx="minor">
+            <a:schemeClr val="tx1"/>
+          </a:fontRef>
+        </p:style>
+      </p:cxnSp>
+      <p:cxnSp>
+        <p:nvCxnSpPr>
+          <p:cNvPr id="33" name="32 Conector recto"/>
+          <p:cNvCxnSpPr/>
+          <p:nvPr/>
+        </p:nvCxnSpPr>
+        <p:spPr>
+          <a:xfrm rot="5400000">
+            <a:off x="-106395" y="3963991"/>
+            <a:ext cx="5214974" cy="1588"/>
+          </a:xfrm>
+          <a:prstGeom prst="line">
+            <a:avLst/>
+          </a:prstGeom>
+          <a:ln>
+            <a:solidFill>
+              <a:schemeClr val="tx1"/>
+            </a:solidFill>
+            <a:headEnd type="none" w="med" len="med"/>
+            <a:tailEnd type="arrow" w="med" len="med"/>
+          </a:ln>
+        </p:spPr>
+        <p:style>
+          <a:lnRef idx="1">
+            <a:schemeClr val="accent1"/>
+          </a:lnRef>
+          <a:fillRef idx="0">
+            <a:schemeClr val="accent1"/>
+          </a:fillRef>
+          <a:effectRef idx="0">
+            <a:schemeClr val="accent1"/>
+          </a:effectRef>
+          <a:fontRef idx="minor">
+            <a:schemeClr val="tx1"/>
+          </a:fontRef>
+        </p:style>
+      </p:cxnSp>
+      <p:cxnSp>
+        <p:nvCxnSpPr>
+          <p:cNvPr id="34" name="33 Conector recto"/>
+          <p:cNvCxnSpPr/>
+          <p:nvPr/>
+        </p:nvCxnSpPr>
+        <p:spPr>
+          <a:xfrm rot="5400000">
+            <a:off x="1572398" y="3928272"/>
+            <a:ext cx="5286412" cy="1588"/>
+          </a:xfrm>
+          <a:prstGeom prst="line">
+            <a:avLst/>
+          </a:prstGeom>
+          <a:ln>
+            <a:solidFill>
+              <a:schemeClr val="tx1"/>
+            </a:solidFill>
+            <a:headEnd type="none" w="med" len="med"/>
+            <a:tailEnd type="arrow" w="med" len="med"/>
+          </a:ln>
+        </p:spPr>
+        <p:style>
+          <a:lnRef idx="1">
+            <a:schemeClr val="accent1"/>
+          </a:lnRef>
+          <a:fillRef idx="0">
+            <a:schemeClr val="accent1"/>
+          </a:fillRef>
+          <a:effectRef idx="0">
+            <a:schemeClr val="accent1"/>
+          </a:effectRef>
+          <a:fontRef idx="minor">
+            <a:schemeClr val="tx1"/>
+          </a:fontRef>
+        </p:style>
+      </p:cxnSp>
+      <p:cxnSp>
+        <p:nvCxnSpPr>
+          <p:cNvPr id="36" name="35 Conector recto"/>
+          <p:cNvCxnSpPr/>
+          <p:nvPr/>
+        </p:nvCxnSpPr>
+        <p:spPr>
+          <a:xfrm rot="5400000">
+            <a:off x="5108579" y="3963991"/>
+            <a:ext cx="5214974" cy="1588"/>
+          </a:xfrm>
+          <a:prstGeom prst="line">
+            <a:avLst/>
+          </a:prstGeom>
+          <a:ln>
+            <a:solidFill>
+              <a:schemeClr val="tx1"/>
+            </a:solidFill>
+            <a:headEnd type="none" w="med" len="med"/>
+            <a:tailEnd type="arrow" w="med" len="med"/>
+          </a:ln>
+        </p:spPr>
+        <p:style>
+          <a:lnRef idx="1">
+            <a:schemeClr val="accent1"/>
+          </a:lnRef>
+          <a:fillRef idx="0">
+            <a:schemeClr val="accent1"/>
+          </a:fillRef>
+          <a:effectRef idx="0">
+            <a:schemeClr val="accent1"/>
+          </a:effectRef>
+          <a:fontRef idx="minor">
+            <a:schemeClr val="tx1"/>
+          </a:fontRef>
+        </p:style>
+      </p:cxnSp>
+      <p:grpSp>
+        <p:nvGrpSpPr>
+          <p:cNvPr id="18" name="42 Grupo"/>
+          <p:cNvGrpSpPr/>
+          <p:nvPr/>
+        </p:nvGrpSpPr>
+        <p:grpSpPr>
+          <a:xfrm>
+            <a:off x="6858016" y="500042"/>
+            <a:ext cx="1571636" cy="785818"/>
+            <a:chOff x="6858016" y="1000108"/>
+            <a:chExt cx="1571636" cy="785818"/>
+          </a:xfrm>
+        </p:grpSpPr>
+        <p:grpSp>
+          <p:nvGrpSpPr>
+            <p:cNvPr id="19" name="31 Grupo"/>
+            <p:cNvGrpSpPr/>
+            <p:nvPr/>
+          </p:nvGrpSpPr>
+          <p:grpSpPr>
+            <a:xfrm>
+              <a:off x="7000892" y="1000108"/>
+              <a:ext cx="1428760" cy="500066"/>
+              <a:chOff x="3786182" y="1785926"/>
+              <a:chExt cx="1428760" cy="697209"/>
+            </a:xfrm>
+          </p:grpSpPr>
+          <p:sp>
+            <p:nvSpPr>
+              <p:cNvPr id="40" name="39 Rectángulo redondeado"/>
+              <p:cNvSpPr/>
+              <p:nvPr/>
+            </p:nvSpPr>
+            <p:spPr>
+              <a:xfrm>
+                <a:off x="3786182" y="1785926"/>
+                <a:ext cx="1143008" cy="697209"/>
+              </a:xfrm>
+              <a:prstGeom prst="roundRect">
+                <a:avLst/>
+              </a:prstGeom>
+              <a:noFill/>
+            </p:spPr>
+            <p:style>
+              <a:lnRef idx="2">
+                <a:schemeClr val="accent1">
+                  <a:shade val="50000"/>
+                </a:schemeClr>
+              </a:lnRef>
+              <a:fillRef idx="1">
+                <a:schemeClr val="accent1"/>
+              </a:fillRef>
+              <a:effectRef idx="0">
+                <a:schemeClr val="accent1"/>
+              </a:effectRef>
+              <a:fontRef idx="minor">
+                <a:schemeClr val="lt1"/>
+              </a:fontRef>
+            </p:style>
+            <p:txBody>
+              <a:bodyPr rtlCol="0" anchor="ctr"/>
+              <a:lstStyle/>
+              <a:p>
+                <a:pPr algn="ctr"/>
+                <a:endParaRPr lang="es-MX"/>
+              </a:p>
+            </p:txBody>
+          </p:sp>
+          <p:sp>
+            <p:nvSpPr>
+              <p:cNvPr id="41" name="40 CuadroTexto"/>
+              <p:cNvSpPr txBox="1"/>
+              <p:nvPr/>
+            </p:nvSpPr>
+            <p:spPr>
+              <a:xfrm>
+                <a:off x="3857620" y="1785926"/>
+                <a:ext cx="1357322" cy="514935"/>
+              </a:xfrm>
+              <a:prstGeom prst="rect">
+                <a:avLst/>
+              </a:prstGeom>
+              <a:noFill/>
+            </p:spPr>
+            <p:txBody>
+              <a:bodyPr wrap="square" rtlCol="0">
+                <a:spAutoFit/>
+              </a:bodyPr>
+              <a:lstStyle/>
+              <a:p>
+                <a:r>
+                  <a:rPr lang="es-MX" dirty="0" smtClean="0"/>
+                  <a:t>Datos</a:t>
+                </a:r>
+                <a:endParaRPr lang="es-MX" dirty="0"/>
+              </a:p>
+            </p:txBody>
+          </p:sp>
+        </p:grpSp>
+        <p:sp>
+          <p:nvSpPr>
+            <p:cNvPr id="42" name="41 Disco magnético"/>
+            <p:cNvSpPr/>
+            <p:nvPr/>
+          </p:nvSpPr>
+          <p:spPr>
+            <a:xfrm>
+              <a:off x="6858016" y="1357298"/>
+              <a:ext cx="428628" cy="428628"/>
+            </a:xfrm>
+            <a:prstGeom prst="flowChartMagneticDisk">
+              <a:avLst/>
+            </a:prstGeom>
+            <a:solidFill>
+              <a:schemeClr val="tx1"/>
+            </a:solidFill>
+            <a:ln>
+              <a:solidFill>
+                <a:schemeClr val="bg1"/>
+              </a:solidFill>
+            </a:ln>
+          </p:spPr>
+          <p:style>
+            <a:lnRef idx="2">
+              <a:schemeClr val="accent1">
+                <a:shade val="50000"/>
+              </a:schemeClr>
+            </a:lnRef>
+            <a:fillRef idx="1">
+              <a:schemeClr val="accent1"/>
+            </a:fillRef>
+            <a:effectRef idx="0">
+              <a:schemeClr val="accent1"/>
+            </a:effectRef>
+            <a:fontRef idx="minor">
+              <a:schemeClr val="lt1"/>
+            </a:fontRef>
+          </p:style>
+          <p:txBody>
+            <a:bodyPr rtlCol="0" anchor="ctr"/>
+            <a:lstStyle/>
+            <a:p>
+              <a:pPr algn="ctr"/>
+              <a:endParaRPr lang="es-MX"/>
+            </a:p>
+          </p:txBody>
+        </p:sp>
+      </p:grpSp>
+      <p:grpSp>
+        <p:nvGrpSpPr>
+          <p:cNvPr id="22" name="43 Grupo"/>
+          <p:cNvGrpSpPr/>
+          <p:nvPr/>
+        </p:nvGrpSpPr>
+        <p:grpSpPr>
+          <a:xfrm>
+            <a:off x="2643174" y="1500174"/>
+            <a:ext cx="1643074" cy="307777"/>
+            <a:chOff x="3500430" y="3071810"/>
+            <a:chExt cx="1643074" cy="307777"/>
+          </a:xfrm>
+        </p:grpSpPr>
+        <p:cxnSp>
+          <p:nvCxnSpPr>
+            <p:cNvPr id="45" name="44 Conector recto de flecha"/>
+            <p:cNvCxnSpPr/>
+            <p:nvPr/>
+          </p:nvCxnSpPr>
+          <p:spPr>
+            <a:xfrm>
+              <a:off x="3571868" y="3357562"/>
+              <a:ext cx="1428760" cy="1588"/>
+            </a:xfrm>
+            <a:prstGeom prst="straightConnector1">
+              <a:avLst/>
+            </a:prstGeom>
+            <a:ln w="28575">
+              <a:headEnd type="none"/>
+              <a:tailEnd type="arrow"/>
+            </a:ln>
+          </p:spPr>
+          <p:style>
+            <a:lnRef idx="1">
+              <a:schemeClr val="accent1"/>
+            </a:lnRef>
+            <a:fillRef idx="0">
+              <a:schemeClr val="accent1"/>
+            </a:fillRef>
+            <a:effectRef idx="0">
+              <a:schemeClr val="accent1"/>
+            </a:effectRef>
+            <a:fontRef idx="minor">
+              <a:schemeClr val="tx1"/>
+            </a:fontRef>
+          </p:style>
+        </p:cxnSp>
+        <p:sp>
+          <p:nvSpPr>
+            <p:cNvPr id="46" name="45 CuadroTexto"/>
+            <p:cNvSpPr txBox="1"/>
+            <p:nvPr/>
+          </p:nvSpPr>
+          <p:spPr>
+            <a:xfrm>
+              <a:off x="3500430" y="3071810"/>
+              <a:ext cx="1643074" cy="307777"/>
+            </a:xfrm>
+            <a:prstGeom prst="rect">
+              <a:avLst/>
+            </a:prstGeom>
+            <a:noFill/>
+          </p:spPr>
+          <p:txBody>
+            <a:bodyPr wrap="square" rtlCol="0">
+              <a:spAutoFit/>
+            </a:bodyPr>
+            <a:lstStyle/>
+            <a:p>
+              <a:r>
+                <a:rPr lang="es-MX" sz="1400" i="1" dirty="0" smtClean="0">
+                  <a:solidFill>
+                    <a:schemeClr val="accent6">
+                      <a:lumMod val="75000"/>
+                    </a:schemeClr>
+                  </a:solidFill>
+                </a:rPr>
+                <a:t>C</a:t>
+              </a:r>
+              <a:r>
+                <a:rPr lang="es-MX" sz="1400" i="1" dirty="0" smtClean="0">
+                  <a:solidFill>
+                    <a:schemeClr val="accent6">
+                      <a:lumMod val="75000"/>
+                    </a:schemeClr>
+                  </a:solidFill>
+                </a:rPr>
+                <a:t>arrito</a:t>
+              </a:r>
+              <a:endParaRPr lang="es-MX" sz="1400" i="1" dirty="0">
+                <a:solidFill>
+                  <a:schemeClr val="accent6">
+                    <a:lumMod val="75000"/>
+                  </a:schemeClr>
+                </a:solidFill>
+              </a:endParaRPr>
+            </a:p>
+          </p:txBody>
+        </p:sp>
+      </p:grpSp>
+      <p:cxnSp>
+        <p:nvCxnSpPr>
+          <p:cNvPr id="48" name="47 Conector recto de flecha"/>
+          <p:cNvCxnSpPr/>
+          <p:nvPr/>
+        </p:nvCxnSpPr>
+        <p:spPr>
+          <a:xfrm>
+            <a:off x="4500562" y="2000240"/>
+            <a:ext cx="3000396" cy="1588"/>
+          </a:xfrm>
+          <a:prstGeom prst="straightConnector1">
+            <a:avLst/>
+          </a:prstGeom>
+          <a:ln w="28575">
+            <a:headEnd type="none"/>
+            <a:tailEnd type="arrow"/>
+          </a:ln>
+        </p:spPr>
+        <p:style>
+          <a:lnRef idx="1">
+            <a:schemeClr val="accent1"/>
+          </a:lnRef>
+          <a:fillRef idx="0">
+            <a:schemeClr val="accent1"/>
+          </a:fillRef>
+          <a:effectRef idx="0">
+            <a:schemeClr val="accent1"/>
+          </a:effectRef>
+          <a:fontRef idx="minor">
+            <a:schemeClr val="tx1"/>
+          </a:fontRef>
+        </p:style>
+      </p:cxnSp>
+      <p:cxnSp>
+        <p:nvCxnSpPr>
+          <p:cNvPr id="51" name="50 Conector recto de flecha"/>
+          <p:cNvCxnSpPr/>
+          <p:nvPr/>
+        </p:nvCxnSpPr>
+        <p:spPr>
+          <a:xfrm>
+            <a:off x="4429124" y="2406843"/>
+            <a:ext cx="3071834" cy="22025"/>
+          </a:xfrm>
+          <a:prstGeom prst="straightConnector1">
+            <a:avLst/>
+          </a:prstGeom>
+          <a:ln w="28575">
+            <a:headEnd type="triangle"/>
+            <a:tailEnd type="none"/>
+          </a:ln>
+        </p:spPr>
+        <p:style>
+          <a:lnRef idx="1">
+            <a:schemeClr val="accent1"/>
+          </a:lnRef>
+          <a:fillRef idx="0">
+            <a:schemeClr val="accent1"/>
+          </a:fillRef>
+          <a:effectRef idx="0">
+            <a:schemeClr val="accent1"/>
+          </a:effectRef>
+          <a:fontRef idx="minor">
+            <a:schemeClr val="tx1"/>
+          </a:fontRef>
+        </p:style>
+      </p:cxnSp>
+      <p:grpSp>
+        <p:nvGrpSpPr>
+          <p:cNvPr id="23" name="52 Grupo"/>
+          <p:cNvGrpSpPr/>
+          <p:nvPr/>
+        </p:nvGrpSpPr>
+        <p:grpSpPr>
+          <a:xfrm>
+            <a:off x="2571736" y="2335405"/>
+            <a:ext cx="1643074" cy="307777"/>
+            <a:chOff x="3500430" y="3071810"/>
+            <a:chExt cx="1643074" cy="307777"/>
+          </a:xfrm>
+        </p:grpSpPr>
+        <p:cxnSp>
+          <p:nvCxnSpPr>
+            <p:cNvPr id="54" name="53 Conector recto de flecha"/>
+            <p:cNvCxnSpPr/>
+            <p:nvPr/>
+          </p:nvCxnSpPr>
+          <p:spPr>
+            <a:xfrm>
+              <a:off x="3571868" y="3357562"/>
+              <a:ext cx="1428760" cy="1588"/>
+            </a:xfrm>
+            <a:prstGeom prst="straightConnector1">
+              <a:avLst/>
+            </a:prstGeom>
+            <a:ln w="28575">
+              <a:headEnd type="triangle"/>
+              <a:tailEnd type="none"/>
+            </a:ln>
+          </p:spPr>
+          <p:style>
+            <a:lnRef idx="1">
+              <a:schemeClr val="accent1"/>
+            </a:lnRef>
+            <a:fillRef idx="0">
+              <a:schemeClr val="accent1"/>
+            </a:fillRef>
+            <a:effectRef idx="0">
+              <a:schemeClr val="accent1"/>
+            </a:effectRef>
+            <a:fontRef idx="minor">
+              <a:schemeClr val="tx1"/>
+            </a:fontRef>
+          </p:style>
+        </p:cxnSp>
+        <p:sp>
+          <p:nvSpPr>
+            <p:cNvPr id="55" name="54 CuadroTexto"/>
+            <p:cNvSpPr txBox="1"/>
+            <p:nvPr/>
+          </p:nvSpPr>
+          <p:spPr>
+            <a:xfrm>
+              <a:off x="3500430" y="3071810"/>
+              <a:ext cx="1643074" cy="307777"/>
+            </a:xfrm>
+            <a:prstGeom prst="rect">
+              <a:avLst/>
+            </a:prstGeom>
+            <a:noFill/>
+          </p:spPr>
+          <p:txBody>
+            <a:bodyPr wrap="square" rtlCol="0">
+              <a:spAutoFit/>
+            </a:bodyPr>
+            <a:lstStyle/>
+            <a:p>
+              <a:r>
+                <a:rPr lang="es-MX" sz="1400" i="1" dirty="0" smtClean="0">
+                  <a:solidFill>
+                    <a:schemeClr val="accent6">
+                      <a:lumMod val="75000"/>
+                    </a:schemeClr>
+                  </a:solidFill>
+                </a:rPr>
+                <a:t>F</a:t>
+              </a:r>
+              <a:r>
+                <a:rPr lang="es-MX" sz="1400" i="1" dirty="0" smtClean="0">
+                  <a:solidFill>
+                    <a:schemeClr val="accent6">
+                      <a:lumMod val="75000"/>
+                    </a:schemeClr>
+                  </a:solidFill>
+                </a:rPr>
+                <a:t>orma pago/envío</a:t>
+              </a:r>
+              <a:endParaRPr lang="es-MX" sz="1400" i="1" dirty="0">
+                <a:solidFill>
+                  <a:schemeClr val="accent6">
+                    <a:lumMod val="75000"/>
+                  </a:schemeClr>
+                </a:solidFill>
+              </a:endParaRPr>
+            </a:p>
+          </p:txBody>
+        </p:sp>
+      </p:grpSp>
+      <p:grpSp>
+        <p:nvGrpSpPr>
+          <p:cNvPr id="26" name="74 Grupo"/>
+          <p:cNvGrpSpPr/>
+          <p:nvPr/>
+        </p:nvGrpSpPr>
+        <p:grpSpPr>
+          <a:xfrm>
+            <a:off x="5857884" y="2643182"/>
+            <a:ext cx="1143008" cy="881066"/>
+            <a:chOff x="6858016" y="928669"/>
+            <a:chExt cx="1143008" cy="881066"/>
+          </a:xfrm>
+        </p:grpSpPr>
+        <p:grpSp>
+          <p:nvGrpSpPr>
+            <p:cNvPr id="30" name="20 Grupo"/>
+            <p:cNvGrpSpPr/>
+            <p:nvPr/>
+          </p:nvGrpSpPr>
+          <p:grpSpPr>
+            <a:xfrm>
+              <a:off x="7072330" y="928669"/>
+              <a:ext cx="928694" cy="500066"/>
+              <a:chOff x="1571604" y="3000372"/>
+              <a:chExt cx="1571636" cy="615466"/>
+            </a:xfrm>
+          </p:grpSpPr>
+          <p:sp>
+            <p:nvSpPr>
+              <p:cNvPr id="57" name="56 CuadroTexto"/>
+              <p:cNvSpPr txBox="1"/>
+              <p:nvPr/>
+            </p:nvSpPr>
+            <p:spPr>
+              <a:xfrm>
+                <a:off x="1643042" y="3071810"/>
+                <a:ext cx="1357322" cy="454562"/>
+              </a:xfrm>
+              <a:prstGeom prst="rect">
+                <a:avLst/>
+              </a:prstGeom>
+              <a:noFill/>
+            </p:spPr>
+            <p:txBody>
+              <a:bodyPr wrap="square" rtlCol="0">
+                <a:spAutoFit/>
+              </a:bodyPr>
+              <a:lstStyle/>
+              <a:p>
+                <a:r>
+                  <a:rPr lang="es-MX" dirty="0" smtClean="0"/>
+                  <a:t>Pagos</a:t>
+                </a:r>
+                <a:endParaRPr lang="es-MX" dirty="0"/>
+              </a:p>
+            </p:txBody>
+          </p:sp>
+          <p:sp>
+            <p:nvSpPr>
+              <p:cNvPr id="58" name="57 Rectángulo redondeado"/>
+              <p:cNvSpPr/>
+              <p:nvPr/>
+            </p:nvSpPr>
+            <p:spPr>
+              <a:xfrm>
+                <a:off x="1571604" y="3000372"/>
+                <a:ext cx="1571636" cy="615466"/>
+              </a:xfrm>
+              <a:prstGeom prst="roundRect">
+                <a:avLst/>
+              </a:prstGeom>
+              <a:noFill/>
+              <a:ln>
+                <a:solidFill>
+                  <a:schemeClr val="bg1">
+                    <a:lumMod val="75000"/>
+                  </a:schemeClr>
+                </a:solidFill>
+              </a:ln>
+            </p:spPr>
+            <p:style>
+              <a:lnRef idx="2">
+                <a:schemeClr val="accent1">
+                  <a:shade val="50000"/>
+                </a:schemeClr>
+              </a:lnRef>
+              <a:fillRef idx="1">
+                <a:schemeClr val="accent1"/>
+              </a:fillRef>
+              <a:effectRef idx="0">
+                <a:schemeClr val="accent1"/>
+              </a:effectRef>
+              <a:fontRef idx="minor">
+                <a:schemeClr val="lt1"/>
+              </a:fontRef>
+            </p:style>
+            <p:txBody>
+              <a:bodyPr rtlCol="0" anchor="ctr"/>
+              <a:lstStyle/>
+              <a:p>
+                <a:pPr algn="ctr"/>
+                <a:endParaRPr lang="es-MX"/>
+              </a:p>
+            </p:txBody>
+          </p:sp>
+        </p:grpSp>
+        <p:pic>
+          <p:nvPicPr>
+            <p:cNvPr id="62" name="Picture 8"/>
+            <p:cNvPicPr>
+              <a:picLocks noChangeAspect="1" noChangeArrowheads="1"/>
+            </p:cNvPicPr>
+            <p:nvPr/>
+          </p:nvPicPr>
+          <p:blipFill>
+            <a:blip r:embed="rId4"/>
+            <a:srcRect/>
+            <a:stretch>
+              <a:fillRect/>
+            </a:stretch>
+          </p:blipFill>
+          <p:spPr bwMode="auto">
+            <a:xfrm>
+              <a:off x="6858016" y="1285860"/>
+              <a:ext cx="495300" cy="523875"/>
+            </a:xfrm>
+            <a:prstGeom prst="rect">
+              <a:avLst/>
+            </a:prstGeom>
+            <a:noFill/>
+            <a:ln w="9525">
+              <a:noFill/>
+              <a:miter lim="800000"/>
+              <a:headEnd/>
+              <a:tailEnd/>
+            </a:ln>
+            <a:effectLst/>
+          </p:spPr>
+        </p:pic>
+      </p:grpSp>
+      <p:grpSp>
+        <p:nvGrpSpPr>
+          <p:cNvPr id="31" name="75 Grupo"/>
+          <p:cNvGrpSpPr/>
+          <p:nvPr/>
+        </p:nvGrpSpPr>
+        <p:grpSpPr>
+          <a:xfrm>
+            <a:off x="5572132" y="4071942"/>
+            <a:ext cx="1714512" cy="940600"/>
+            <a:chOff x="7429488" y="3929066"/>
+            <a:chExt cx="1714512" cy="940600"/>
+          </a:xfrm>
+        </p:grpSpPr>
+        <p:grpSp>
+          <p:nvGrpSpPr>
+            <p:cNvPr id="35" name="60 Grupo"/>
+            <p:cNvGrpSpPr/>
+            <p:nvPr/>
+          </p:nvGrpSpPr>
+          <p:grpSpPr>
+            <a:xfrm>
+              <a:off x="7715240" y="3929066"/>
+              <a:ext cx="1428760" cy="428628"/>
+              <a:chOff x="1571604" y="3000372"/>
+              <a:chExt cx="1428760" cy="685805"/>
+            </a:xfrm>
+          </p:grpSpPr>
+          <p:sp>
+            <p:nvSpPr>
+              <p:cNvPr id="60" name="59 CuadroTexto"/>
+              <p:cNvSpPr txBox="1"/>
+              <p:nvPr/>
+            </p:nvSpPr>
+            <p:spPr>
+              <a:xfrm>
+                <a:off x="1643042" y="3071810"/>
+                <a:ext cx="1357322" cy="454562"/>
+              </a:xfrm>
+              <a:prstGeom prst="rect">
+                <a:avLst/>
+              </a:prstGeom>
+              <a:noFill/>
+            </p:spPr>
+            <p:txBody>
+              <a:bodyPr wrap="square" rtlCol="0">
+                <a:spAutoFit/>
+              </a:bodyPr>
+              <a:lstStyle/>
+              <a:p>
+                <a:r>
+                  <a:rPr lang="es-MX" dirty="0" smtClean="0"/>
+                  <a:t>Mensajería</a:t>
+                </a:r>
+              </a:p>
+            </p:txBody>
+          </p:sp>
+          <p:sp>
+            <p:nvSpPr>
+              <p:cNvPr id="61" name="60 Rectángulo redondeado"/>
+              <p:cNvSpPr/>
+              <p:nvPr/>
+            </p:nvSpPr>
+            <p:spPr>
+              <a:xfrm>
+                <a:off x="1571604" y="3000372"/>
+                <a:ext cx="1285884" cy="685805"/>
+              </a:xfrm>
+              <a:prstGeom prst="roundRect">
+                <a:avLst/>
+              </a:prstGeom>
+              <a:noFill/>
+              <a:ln>
+                <a:solidFill>
+                  <a:schemeClr val="bg1">
+                    <a:lumMod val="75000"/>
+                  </a:schemeClr>
+                </a:solidFill>
+              </a:ln>
+            </p:spPr>
+            <p:style>
+              <a:lnRef idx="2">
+                <a:schemeClr val="accent1">
+                  <a:shade val="50000"/>
+                </a:schemeClr>
+              </a:lnRef>
+              <a:fillRef idx="1">
+                <a:schemeClr val="accent1"/>
+              </a:fillRef>
+              <a:effectRef idx="0">
+                <a:schemeClr val="accent1"/>
+              </a:effectRef>
+              <a:fontRef idx="minor">
+                <a:schemeClr val="lt1"/>
+              </a:fontRef>
+            </p:style>
+            <p:txBody>
+              <a:bodyPr rtlCol="0" anchor="ctr"/>
+              <a:lstStyle/>
+              <a:p>
+                <a:pPr algn="ctr"/>
+                <a:endParaRPr lang="es-MX"/>
+              </a:p>
+            </p:txBody>
+          </p:sp>
+        </p:grpSp>
+        <p:pic>
+          <p:nvPicPr>
+            <p:cNvPr id="63" name="Picture 10"/>
+            <p:cNvPicPr>
+              <a:picLocks noChangeAspect="1" noChangeArrowheads="1"/>
+            </p:cNvPicPr>
+            <p:nvPr/>
+          </p:nvPicPr>
+          <p:blipFill>
+            <a:blip r:embed="rId5"/>
+            <a:srcRect/>
+            <a:stretch>
+              <a:fillRect/>
+            </a:stretch>
+          </p:blipFill>
+          <p:spPr bwMode="auto">
+            <a:xfrm>
+              <a:off x="7429488" y="4286256"/>
+              <a:ext cx="571504" cy="583410"/>
+            </a:xfrm>
+            <a:prstGeom prst="rect">
+              <a:avLst/>
+            </a:prstGeom>
+            <a:noFill/>
+            <a:ln w="9525">
+              <a:noFill/>
+              <a:miter lim="800000"/>
+              <a:headEnd/>
+              <a:tailEnd/>
+            </a:ln>
+            <a:effectLst/>
+          </p:spPr>
+        </p:pic>
+      </p:grpSp>
+      <p:grpSp>
+        <p:nvGrpSpPr>
+          <p:cNvPr id="37" name="63 Grupo"/>
+          <p:cNvGrpSpPr/>
+          <p:nvPr/>
+        </p:nvGrpSpPr>
+        <p:grpSpPr>
+          <a:xfrm>
+            <a:off x="857224" y="2478281"/>
+            <a:ext cx="1643074" cy="307777"/>
+            <a:chOff x="3500430" y="3071810"/>
+            <a:chExt cx="1643074" cy="307777"/>
+          </a:xfrm>
+        </p:grpSpPr>
+        <p:cxnSp>
+          <p:nvCxnSpPr>
+            <p:cNvPr id="65" name="64 Conector recto de flecha"/>
+            <p:cNvCxnSpPr/>
+            <p:nvPr/>
+          </p:nvCxnSpPr>
+          <p:spPr>
+            <a:xfrm>
+              <a:off x="3571868" y="3357562"/>
+              <a:ext cx="1428760" cy="1588"/>
+            </a:xfrm>
+            <a:prstGeom prst="straightConnector1">
+              <a:avLst/>
+            </a:prstGeom>
+            <a:ln w="28575">
+              <a:headEnd type="triangle"/>
+              <a:tailEnd type="none"/>
+            </a:ln>
+          </p:spPr>
+          <p:style>
+            <a:lnRef idx="1">
+              <a:schemeClr val="accent1"/>
+            </a:lnRef>
+            <a:fillRef idx="0">
+              <a:schemeClr val="accent1"/>
+            </a:fillRef>
+            <a:effectRef idx="0">
+              <a:schemeClr val="accent1"/>
+            </a:effectRef>
+            <a:fontRef idx="minor">
+              <a:schemeClr val="tx1"/>
+            </a:fontRef>
+          </p:style>
+        </p:cxnSp>
+        <p:sp>
+          <p:nvSpPr>
+            <p:cNvPr id="66" name="65 CuadroTexto"/>
+            <p:cNvSpPr txBox="1"/>
+            <p:nvPr/>
+          </p:nvSpPr>
+          <p:spPr>
+            <a:xfrm>
+              <a:off x="3500430" y="3071810"/>
+              <a:ext cx="1643074" cy="307777"/>
+            </a:xfrm>
+            <a:prstGeom prst="rect">
+              <a:avLst/>
+            </a:prstGeom>
+            <a:noFill/>
+          </p:spPr>
+          <p:txBody>
+            <a:bodyPr wrap="square" rtlCol="0">
+              <a:spAutoFit/>
+            </a:bodyPr>
+            <a:lstStyle/>
+            <a:p>
+              <a:r>
+                <a:rPr lang="es-MX" sz="1400" i="1" dirty="0" smtClean="0">
+                  <a:solidFill>
+                    <a:schemeClr val="accent6">
+                      <a:lumMod val="75000"/>
+                    </a:schemeClr>
+                  </a:solidFill>
+                </a:rPr>
+                <a:t>Forma pago/envío</a:t>
+              </a:r>
+              <a:endParaRPr lang="es-MX" sz="1400" i="1" dirty="0">
+                <a:solidFill>
+                  <a:schemeClr val="accent6">
+                    <a:lumMod val="75000"/>
+                  </a:schemeClr>
+                </a:solidFill>
+              </a:endParaRPr>
+            </a:p>
+          </p:txBody>
+        </p:sp>
+      </p:grpSp>
+      <p:cxnSp>
+        <p:nvCxnSpPr>
+          <p:cNvPr id="67" name="66 Conector recto de flecha"/>
+          <p:cNvCxnSpPr/>
+          <p:nvPr/>
+        </p:nvCxnSpPr>
+        <p:spPr>
+          <a:xfrm>
+            <a:off x="857224" y="3214686"/>
+            <a:ext cx="1428760" cy="1588"/>
+          </a:xfrm>
+          <a:prstGeom prst="straightConnector1">
+            <a:avLst/>
+          </a:prstGeom>
+          <a:ln w="28575">
+            <a:headEnd type="none"/>
+            <a:tailEnd type="arrow"/>
+          </a:ln>
+        </p:spPr>
+        <p:style>
+          <a:lnRef idx="1">
+            <a:schemeClr val="accent1"/>
+          </a:lnRef>
+          <a:fillRef idx="0">
+            <a:schemeClr val="accent1"/>
+          </a:fillRef>
+          <a:effectRef idx="0">
+            <a:schemeClr val="accent1"/>
+          </a:effectRef>
+          <a:fontRef idx="minor">
+            <a:schemeClr val="tx1"/>
+          </a:fontRef>
+        </p:style>
+      </p:cxnSp>
+      <p:grpSp>
+        <p:nvGrpSpPr>
+          <p:cNvPr id="38" name="67 Grupo"/>
+          <p:cNvGrpSpPr/>
+          <p:nvPr/>
+        </p:nvGrpSpPr>
+        <p:grpSpPr>
+          <a:xfrm>
+            <a:off x="2571736" y="3071810"/>
+            <a:ext cx="1785950" cy="307777"/>
+            <a:chOff x="3500430" y="3071810"/>
+            <a:chExt cx="1785950" cy="307777"/>
+          </a:xfrm>
+        </p:grpSpPr>
+        <p:cxnSp>
+          <p:nvCxnSpPr>
+            <p:cNvPr id="69" name="68 Conector recto de flecha"/>
+            <p:cNvCxnSpPr/>
+            <p:nvPr/>
+          </p:nvCxnSpPr>
+          <p:spPr>
+            <a:xfrm>
+              <a:off x="3571868" y="3357562"/>
+              <a:ext cx="1428760" cy="1588"/>
+            </a:xfrm>
+            <a:prstGeom prst="straightConnector1">
+              <a:avLst/>
+            </a:prstGeom>
+            <a:ln w="28575">
+              <a:headEnd type="none"/>
+              <a:tailEnd type="arrow"/>
+            </a:ln>
+          </p:spPr>
+          <p:style>
+            <a:lnRef idx="1">
+              <a:schemeClr val="accent1"/>
+            </a:lnRef>
+            <a:fillRef idx="0">
+              <a:schemeClr val="accent1"/>
+            </a:fillRef>
+            <a:effectRef idx="0">
+              <a:schemeClr val="accent1"/>
+            </a:effectRef>
+            <a:fontRef idx="minor">
+              <a:schemeClr val="tx1"/>
+            </a:fontRef>
+          </p:style>
+        </p:cxnSp>
+        <p:sp>
+          <p:nvSpPr>
+            <p:cNvPr id="70" name="69 CuadroTexto"/>
+            <p:cNvSpPr txBox="1"/>
+            <p:nvPr/>
+          </p:nvSpPr>
+          <p:spPr>
+            <a:xfrm>
+              <a:off x="3500430" y="3071810"/>
+              <a:ext cx="1785950" cy="307777"/>
+            </a:xfrm>
+            <a:prstGeom prst="rect">
+              <a:avLst/>
+            </a:prstGeom>
+            <a:noFill/>
+          </p:spPr>
+          <p:txBody>
+            <a:bodyPr wrap="square" rtlCol="0">
+              <a:spAutoFit/>
+            </a:bodyPr>
+            <a:lstStyle/>
+            <a:p>
+              <a:r>
+                <a:rPr lang="es-MX" sz="1400" i="1" dirty="0" smtClean="0">
+                  <a:solidFill>
+                    <a:schemeClr val="accent6">
+                      <a:lumMod val="75000"/>
+                    </a:schemeClr>
+                  </a:solidFill>
+                </a:rPr>
+                <a:t>F</a:t>
+              </a:r>
+              <a:r>
+                <a:rPr lang="es-MX" sz="1400" i="1" dirty="0" smtClean="0">
+                  <a:solidFill>
+                    <a:schemeClr val="accent6">
+                      <a:lumMod val="75000"/>
+                    </a:schemeClr>
+                  </a:solidFill>
+                </a:rPr>
+                <a:t>orma de pago/envío</a:t>
+              </a:r>
+              <a:endParaRPr lang="es-MX" sz="1400" i="1" dirty="0">
+                <a:solidFill>
+                  <a:schemeClr val="accent6">
+                    <a:lumMod val="75000"/>
+                  </a:schemeClr>
+                </a:solidFill>
+              </a:endParaRPr>
+            </a:p>
+          </p:txBody>
+        </p:sp>
+      </p:grpSp>
+      <p:grpSp>
+        <p:nvGrpSpPr>
+          <p:cNvPr id="39" name="70 Grupo"/>
+          <p:cNvGrpSpPr/>
+          <p:nvPr/>
+        </p:nvGrpSpPr>
+        <p:grpSpPr>
+          <a:xfrm>
+            <a:off x="4357686" y="3286124"/>
+            <a:ext cx="1643074" cy="307777"/>
+            <a:chOff x="3500430" y="3071810"/>
+            <a:chExt cx="1643074" cy="307777"/>
+          </a:xfrm>
+        </p:grpSpPr>
+        <p:sp>
+          <p:nvSpPr>
+            <p:cNvPr id="73" name="72 CuadroTexto"/>
+            <p:cNvSpPr txBox="1"/>
+            <p:nvPr/>
+          </p:nvSpPr>
+          <p:spPr>
+            <a:xfrm>
+              <a:off x="3500430" y="3071810"/>
+              <a:ext cx="1643074" cy="307777"/>
+            </a:xfrm>
+            <a:prstGeom prst="rect">
+              <a:avLst/>
+            </a:prstGeom>
+            <a:noFill/>
+          </p:spPr>
+          <p:txBody>
+            <a:bodyPr wrap="square" rtlCol="0">
+              <a:spAutoFit/>
+            </a:bodyPr>
+            <a:lstStyle/>
+            <a:p>
+              <a:r>
+                <a:rPr lang="es-MX" sz="1400" i="1" dirty="0" smtClean="0">
+                  <a:solidFill>
+                    <a:schemeClr val="accent6">
+                      <a:lumMod val="75000"/>
+                    </a:schemeClr>
+                  </a:solidFill>
+                </a:rPr>
+                <a:t>procesa</a:t>
+              </a:r>
+              <a:endParaRPr lang="es-MX" sz="1400" i="1" dirty="0">
+                <a:solidFill>
+                  <a:schemeClr val="accent6">
+                    <a:lumMod val="75000"/>
+                  </a:schemeClr>
+                </a:solidFill>
+              </a:endParaRPr>
+            </a:p>
+          </p:txBody>
+        </p:sp>
+        <p:cxnSp>
+          <p:nvCxnSpPr>
+            <p:cNvPr id="72" name="71 Conector recto de flecha"/>
+            <p:cNvCxnSpPr/>
+            <p:nvPr/>
+          </p:nvCxnSpPr>
+          <p:spPr>
+            <a:xfrm>
+              <a:off x="3571868" y="3357562"/>
+              <a:ext cx="1428760" cy="1588"/>
+            </a:xfrm>
+            <a:prstGeom prst="straightConnector1">
+              <a:avLst/>
+            </a:prstGeom>
+            <a:ln w="28575">
+              <a:headEnd type="none"/>
+              <a:tailEnd type="arrow"/>
+            </a:ln>
+          </p:spPr>
+          <p:style>
+            <a:lnRef idx="1">
+              <a:schemeClr val="accent1"/>
+            </a:lnRef>
+            <a:fillRef idx="0">
+              <a:schemeClr val="accent1"/>
+            </a:fillRef>
+            <a:effectRef idx="0">
+              <a:schemeClr val="accent1"/>
+            </a:effectRef>
+            <a:fontRef idx="minor">
+              <a:schemeClr val="tx1"/>
+            </a:fontRef>
+          </p:style>
+        </p:cxnSp>
+      </p:grpSp>
+      <p:sp>
+        <p:nvSpPr>
+          <p:cNvPr id="74" name="73 CuadroTexto"/>
+          <p:cNvSpPr txBox="1"/>
+          <p:nvPr/>
+        </p:nvSpPr>
+        <p:spPr>
+          <a:xfrm>
+            <a:off x="785786" y="2857496"/>
+            <a:ext cx="1643074" cy="307777"/>
+          </a:xfrm>
+          <a:prstGeom prst="rect">
+            <a:avLst/>
+          </a:prstGeom>
+          <a:noFill/>
+        </p:spPr>
+        <p:txBody>
+          <a:bodyPr wrap="square" rtlCol="0">
+            <a:spAutoFit/>
+          </a:bodyPr>
+          <a:lstStyle/>
+          <a:p>
+            <a:r>
+              <a:rPr lang="es-MX" sz="1400" i="1" dirty="0" smtClean="0">
+                <a:solidFill>
+                  <a:schemeClr val="accent6">
+                    <a:lumMod val="75000"/>
+                  </a:schemeClr>
+                </a:solidFill>
+              </a:rPr>
+              <a:t>F</a:t>
+            </a:r>
+            <a:r>
+              <a:rPr lang="es-MX" sz="1400" i="1" dirty="0" smtClean="0">
+                <a:solidFill>
+                  <a:schemeClr val="accent6">
+                    <a:lumMod val="75000"/>
+                  </a:schemeClr>
+                </a:solidFill>
+              </a:rPr>
+              <a:t>orma pago/envío</a:t>
+            </a:r>
+            <a:endParaRPr lang="es-MX" sz="1400" i="1" dirty="0">
+              <a:solidFill>
+                <a:schemeClr val="accent6">
+                  <a:lumMod val="75000"/>
+                </a:schemeClr>
+              </a:solidFill>
+            </a:endParaRPr>
+          </a:p>
+        </p:txBody>
+      </p:sp>
+      <p:cxnSp>
+        <p:nvCxnSpPr>
+          <p:cNvPr id="78" name="77 Conector recto"/>
+          <p:cNvCxnSpPr/>
+          <p:nvPr/>
+        </p:nvCxnSpPr>
+        <p:spPr>
+          <a:xfrm rot="16200000" flipH="1">
+            <a:off x="6245288" y="3541663"/>
+            <a:ext cx="653952" cy="1"/>
+          </a:xfrm>
+          <a:prstGeom prst="line">
+            <a:avLst/>
+          </a:prstGeom>
+          <a:ln>
+            <a:solidFill>
+              <a:schemeClr val="tx1"/>
+            </a:solidFill>
+            <a:headEnd type="none" w="med" len="med"/>
+            <a:tailEnd type="oval" w="med" len="med"/>
+          </a:ln>
+        </p:spPr>
+        <p:style>
+          <a:lnRef idx="1">
+            <a:schemeClr val="accent1"/>
+          </a:lnRef>
+          <a:fillRef idx="0">
+            <a:schemeClr val="accent1"/>
+          </a:fillRef>
+          <a:effectRef idx="0">
+            <a:schemeClr val="accent1"/>
+          </a:effectRef>
+          <a:fontRef idx="minor">
+            <a:schemeClr val="tx1"/>
+          </a:fontRef>
+        </p:style>
+      </p:cxnSp>
+      <p:grpSp>
+        <p:nvGrpSpPr>
+          <p:cNvPr id="43" name="82 Grupo"/>
+          <p:cNvGrpSpPr/>
+          <p:nvPr/>
+        </p:nvGrpSpPr>
+        <p:grpSpPr>
+          <a:xfrm>
+            <a:off x="4357686" y="3621289"/>
+            <a:ext cx="1643074" cy="307777"/>
+            <a:chOff x="3500430" y="3049785"/>
+            <a:chExt cx="1643074" cy="307777"/>
+          </a:xfrm>
+        </p:grpSpPr>
+        <p:cxnSp>
+          <p:nvCxnSpPr>
+            <p:cNvPr id="84" name="83 Conector recto de flecha"/>
+            <p:cNvCxnSpPr/>
+            <p:nvPr/>
+          </p:nvCxnSpPr>
+          <p:spPr>
+            <a:xfrm>
+              <a:off x="3571868" y="3355974"/>
+              <a:ext cx="1428760" cy="1588"/>
+            </a:xfrm>
+            <a:prstGeom prst="straightConnector1">
+              <a:avLst/>
+            </a:prstGeom>
+            <a:ln w="28575">
+              <a:headEnd type="triangle"/>
+              <a:tailEnd type="none"/>
+            </a:ln>
+          </p:spPr>
+          <p:style>
+            <a:lnRef idx="1">
+              <a:schemeClr val="accent1"/>
+            </a:lnRef>
+            <a:fillRef idx="0">
+              <a:schemeClr val="accent1"/>
+            </a:fillRef>
+            <a:effectRef idx="0">
+              <a:schemeClr val="accent1"/>
+            </a:effectRef>
+            <a:fontRef idx="minor">
+              <a:schemeClr val="tx1"/>
+            </a:fontRef>
+          </p:style>
+        </p:cxnSp>
+        <p:sp>
+          <p:nvSpPr>
+            <p:cNvPr id="85" name="84 CuadroTexto"/>
+            <p:cNvSpPr txBox="1"/>
+            <p:nvPr/>
+          </p:nvSpPr>
+          <p:spPr>
+            <a:xfrm>
+              <a:off x="3500430" y="3049785"/>
+              <a:ext cx="1643074" cy="307777"/>
+            </a:xfrm>
+            <a:prstGeom prst="rect">
+              <a:avLst/>
+            </a:prstGeom>
+            <a:noFill/>
+          </p:spPr>
+          <p:txBody>
+            <a:bodyPr wrap="square" rtlCol="0">
+              <a:spAutoFit/>
+            </a:bodyPr>
+            <a:lstStyle/>
+            <a:p>
+              <a:r>
+                <a:rPr lang="es-MX" sz="1400" i="1" dirty="0" smtClean="0">
+                  <a:solidFill>
+                    <a:schemeClr val="accent6">
+                      <a:lumMod val="75000"/>
+                    </a:schemeClr>
+                  </a:solidFill>
+                </a:rPr>
+                <a:t>Pago exitoso</a:t>
+              </a:r>
+              <a:endParaRPr lang="es-MX" sz="1400" i="1" dirty="0">
+                <a:solidFill>
+                  <a:schemeClr val="accent6">
+                    <a:lumMod val="75000"/>
+                  </a:schemeClr>
+                </a:solidFill>
+              </a:endParaRPr>
+            </a:p>
+          </p:txBody>
+        </p:sp>
+      </p:grpSp>
+      <p:cxnSp>
+        <p:nvCxnSpPr>
+          <p:cNvPr id="87" name="86 Conector recto de flecha"/>
+          <p:cNvCxnSpPr/>
+          <p:nvPr/>
+        </p:nvCxnSpPr>
+        <p:spPr>
+          <a:xfrm>
+            <a:off x="4407382" y="5893545"/>
+            <a:ext cx="3236452" cy="35785"/>
+          </a:xfrm>
+          <a:prstGeom prst="straightConnector1">
+            <a:avLst/>
+          </a:prstGeom>
+          <a:ln w="28575">
+            <a:headEnd type="none"/>
+            <a:tailEnd type="arrow"/>
+          </a:ln>
+        </p:spPr>
+        <p:style>
+          <a:lnRef idx="1">
+            <a:schemeClr val="accent1"/>
+          </a:lnRef>
+          <a:fillRef idx="0">
+            <a:schemeClr val="accent1"/>
+          </a:fillRef>
+          <a:effectRef idx="0">
+            <a:schemeClr val="accent1"/>
+          </a:effectRef>
+          <a:fontRef idx="minor">
+            <a:schemeClr val="tx1"/>
+          </a:fontRef>
+        </p:style>
+      </p:cxnSp>
+      <p:sp>
+        <p:nvSpPr>
+          <p:cNvPr id="88" name="87 CuadroTexto"/>
+          <p:cNvSpPr txBox="1"/>
+          <p:nvPr/>
+        </p:nvSpPr>
+        <p:spPr>
+          <a:xfrm>
+            <a:off x="4286248" y="5572140"/>
+            <a:ext cx="2786082" cy="307776"/>
+          </a:xfrm>
+          <a:prstGeom prst="rect">
+            <a:avLst/>
+          </a:prstGeom>
+          <a:noFill/>
+        </p:spPr>
+        <p:txBody>
+          <a:bodyPr wrap="square" rtlCol="0">
+            <a:spAutoFit/>
+          </a:bodyPr>
+          <a:lstStyle/>
+          <a:p>
+            <a:r>
+              <a:rPr lang="es-MX" sz="1400" i="1" dirty="0" smtClean="0">
+                <a:solidFill>
+                  <a:schemeClr val="accent6">
+                    <a:lumMod val="75000"/>
+                  </a:schemeClr>
+                </a:solidFill>
+              </a:rPr>
+              <a:t>Almacena datos de pedido y envío</a:t>
+            </a:r>
+            <a:endParaRPr lang="es-MX" sz="1400" i="1" dirty="0">
+              <a:solidFill>
+                <a:schemeClr val="accent6">
+                  <a:lumMod val="75000"/>
+                </a:schemeClr>
+              </a:solidFill>
+            </a:endParaRPr>
+          </a:p>
+        </p:txBody>
+      </p:sp>
+      <p:cxnSp>
+        <p:nvCxnSpPr>
+          <p:cNvPr id="90" name="89 Conector recto"/>
+          <p:cNvCxnSpPr/>
+          <p:nvPr/>
+        </p:nvCxnSpPr>
+        <p:spPr>
+          <a:xfrm rot="5400000">
+            <a:off x="6287294" y="4999830"/>
+            <a:ext cx="714404" cy="1588"/>
+          </a:xfrm>
+          <a:prstGeom prst="line">
+            <a:avLst/>
+          </a:prstGeom>
+          <a:ln>
+            <a:solidFill>
+              <a:schemeClr val="tx1"/>
+            </a:solidFill>
+            <a:headEnd type="none" w="med" len="med"/>
+            <a:tailEnd type="oval" w="med" len="med"/>
+          </a:ln>
+        </p:spPr>
+        <p:style>
+          <a:lnRef idx="1">
+            <a:schemeClr val="accent1"/>
+          </a:lnRef>
+          <a:fillRef idx="0">
+            <a:schemeClr val="accent1"/>
+          </a:fillRef>
+          <a:effectRef idx="0">
+            <a:schemeClr val="accent1"/>
+          </a:effectRef>
+          <a:fontRef idx="minor">
+            <a:schemeClr val="tx1"/>
+          </a:fontRef>
+        </p:style>
+      </p:cxnSp>
+      <p:grpSp>
+        <p:nvGrpSpPr>
+          <p:cNvPr id="44" name="92 Grupo"/>
+          <p:cNvGrpSpPr/>
+          <p:nvPr/>
+        </p:nvGrpSpPr>
+        <p:grpSpPr>
+          <a:xfrm>
+            <a:off x="4357686" y="4786322"/>
+            <a:ext cx="1643074" cy="307777"/>
+            <a:chOff x="3500430" y="3071810"/>
+            <a:chExt cx="1643074" cy="307777"/>
+          </a:xfrm>
+        </p:grpSpPr>
+        <p:sp>
+          <p:nvSpPr>
+            <p:cNvPr id="94" name="93 CuadroTexto"/>
+            <p:cNvSpPr txBox="1"/>
+            <p:nvPr/>
+          </p:nvSpPr>
+          <p:spPr>
+            <a:xfrm>
+              <a:off x="3500430" y="3071810"/>
+              <a:ext cx="1643074" cy="307777"/>
+            </a:xfrm>
+            <a:prstGeom prst="rect">
+              <a:avLst/>
+            </a:prstGeom>
+            <a:noFill/>
+          </p:spPr>
+          <p:txBody>
+            <a:bodyPr wrap="square" rtlCol="0">
+              <a:spAutoFit/>
+            </a:bodyPr>
+            <a:lstStyle/>
+            <a:p>
+              <a:r>
+                <a:rPr lang="es-MX" sz="1400" i="1" dirty="0" smtClean="0">
+                  <a:solidFill>
+                    <a:schemeClr val="accent6">
+                      <a:lumMod val="75000"/>
+                    </a:schemeClr>
+                  </a:solidFill>
+                </a:rPr>
+                <a:t>Pide recolección</a:t>
+              </a:r>
+              <a:endParaRPr lang="es-MX" sz="1400" i="1" dirty="0">
+                <a:solidFill>
+                  <a:schemeClr val="accent6">
+                    <a:lumMod val="75000"/>
+                  </a:schemeClr>
+                </a:solidFill>
+              </a:endParaRPr>
+            </a:p>
+          </p:txBody>
+        </p:sp>
+        <p:cxnSp>
+          <p:nvCxnSpPr>
+            <p:cNvPr id="95" name="94 Conector recto de flecha"/>
+            <p:cNvCxnSpPr/>
+            <p:nvPr/>
+          </p:nvCxnSpPr>
+          <p:spPr>
+            <a:xfrm>
+              <a:off x="3571868" y="3357562"/>
+              <a:ext cx="1428760" cy="1588"/>
+            </a:xfrm>
+            <a:prstGeom prst="straightConnector1">
+              <a:avLst/>
+            </a:prstGeom>
+            <a:ln w="28575">
+              <a:headEnd type="none"/>
+              <a:tailEnd type="arrow"/>
+            </a:ln>
+          </p:spPr>
+          <p:style>
+            <a:lnRef idx="1">
+              <a:schemeClr val="accent1"/>
+            </a:lnRef>
+            <a:fillRef idx="0">
+              <a:schemeClr val="accent1"/>
+            </a:fillRef>
+            <a:effectRef idx="0">
+              <a:schemeClr val="accent1"/>
+            </a:effectRef>
+            <a:fontRef idx="minor">
+              <a:schemeClr val="tx1"/>
+            </a:fontRef>
+          </p:style>
+        </p:cxnSp>
+      </p:grpSp>
+      <p:grpSp>
+        <p:nvGrpSpPr>
+          <p:cNvPr id="47" name="95 Grupo"/>
+          <p:cNvGrpSpPr/>
+          <p:nvPr/>
+        </p:nvGrpSpPr>
+        <p:grpSpPr>
+          <a:xfrm>
+            <a:off x="4286248" y="5072074"/>
+            <a:ext cx="1643074" cy="307777"/>
+            <a:chOff x="3500430" y="3071810"/>
+            <a:chExt cx="1643074" cy="307777"/>
+          </a:xfrm>
+        </p:grpSpPr>
+        <p:cxnSp>
+          <p:nvCxnSpPr>
+            <p:cNvPr id="97" name="96 Conector recto de flecha"/>
+            <p:cNvCxnSpPr/>
+            <p:nvPr/>
+          </p:nvCxnSpPr>
+          <p:spPr>
+            <a:xfrm>
+              <a:off x="3571868" y="3357562"/>
+              <a:ext cx="1428760" cy="1588"/>
+            </a:xfrm>
+            <a:prstGeom prst="straightConnector1">
+              <a:avLst/>
+            </a:prstGeom>
+            <a:ln w="28575">
+              <a:headEnd type="triangle"/>
+              <a:tailEnd type="none"/>
+            </a:ln>
+          </p:spPr>
+          <p:style>
+            <a:lnRef idx="1">
+              <a:schemeClr val="accent1"/>
+            </a:lnRef>
+            <a:fillRef idx="0">
+              <a:schemeClr val="accent1"/>
+            </a:fillRef>
+            <a:effectRef idx="0">
+              <a:schemeClr val="accent1"/>
+            </a:effectRef>
+            <a:fontRef idx="minor">
+              <a:schemeClr val="tx1"/>
+            </a:fontRef>
+          </p:style>
+        </p:cxnSp>
+        <p:sp>
+          <p:nvSpPr>
+            <p:cNvPr id="98" name="97 CuadroTexto"/>
+            <p:cNvSpPr txBox="1"/>
+            <p:nvPr/>
+          </p:nvSpPr>
+          <p:spPr>
+            <a:xfrm>
+              <a:off x="3500430" y="3071810"/>
+              <a:ext cx="1643074" cy="307777"/>
+            </a:xfrm>
+            <a:prstGeom prst="rect">
+              <a:avLst/>
+            </a:prstGeom>
+            <a:noFill/>
+          </p:spPr>
+          <p:txBody>
+            <a:bodyPr wrap="square" rtlCol="0">
+              <a:spAutoFit/>
+            </a:bodyPr>
+            <a:lstStyle/>
+            <a:p>
+              <a:r>
+                <a:rPr lang="es-MX" sz="1400" i="1" dirty="0" smtClean="0">
+                  <a:solidFill>
+                    <a:schemeClr val="accent6">
+                      <a:lumMod val="75000"/>
+                    </a:schemeClr>
+                  </a:solidFill>
+                </a:rPr>
+                <a:t>Datos de guía</a:t>
+              </a:r>
+              <a:endParaRPr lang="es-MX" sz="1400" i="1" dirty="0">
+                <a:solidFill>
+                  <a:schemeClr val="accent6">
+                    <a:lumMod val="75000"/>
+                  </a:schemeClr>
+                </a:solidFill>
+              </a:endParaRPr>
+            </a:p>
+          </p:txBody>
+        </p:sp>
+      </p:grpSp>
+      <p:grpSp>
+        <p:nvGrpSpPr>
+          <p:cNvPr id="50" name="98 Grupo"/>
+          <p:cNvGrpSpPr/>
+          <p:nvPr/>
+        </p:nvGrpSpPr>
+        <p:grpSpPr>
+          <a:xfrm>
+            <a:off x="2571736" y="6050181"/>
+            <a:ext cx="1643074" cy="307777"/>
+            <a:chOff x="3500430" y="3071810"/>
+            <a:chExt cx="1643074" cy="307777"/>
+          </a:xfrm>
+        </p:grpSpPr>
+        <p:cxnSp>
+          <p:nvCxnSpPr>
+            <p:cNvPr id="100" name="99 Conector recto de flecha"/>
+            <p:cNvCxnSpPr/>
+            <p:nvPr/>
+          </p:nvCxnSpPr>
+          <p:spPr>
+            <a:xfrm>
+              <a:off x="3571868" y="3357562"/>
+              <a:ext cx="1428760" cy="1588"/>
+            </a:xfrm>
+            <a:prstGeom prst="straightConnector1">
+              <a:avLst/>
+            </a:prstGeom>
+            <a:ln w="28575">
+              <a:headEnd type="triangle"/>
+              <a:tailEnd type="none"/>
+            </a:ln>
+          </p:spPr>
+          <p:style>
+            <a:lnRef idx="1">
+              <a:schemeClr val="accent1"/>
+            </a:lnRef>
+            <a:fillRef idx="0">
+              <a:schemeClr val="accent1"/>
+            </a:fillRef>
+            <a:effectRef idx="0">
+              <a:schemeClr val="accent1"/>
+            </a:effectRef>
+            <a:fontRef idx="minor">
+              <a:schemeClr val="tx1"/>
+            </a:fontRef>
+          </p:style>
+        </p:cxnSp>
+        <p:sp>
+          <p:nvSpPr>
+            <p:cNvPr id="101" name="100 CuadroTexto"/>
+            <p:cNvSpPr txBox="1"/>
+            <p:nvPr/>
+          </p:nvSpPr>
+          <p:spPr>
+            <a:xfrm>
+              <a:off x="3500430" y="3071810"/>
+              <a:ext cx="1643074" cy="307777"/>
+            </a:xfrm>
+            <a:prstGeom prst="rect">
+              <a:avLst/>
+            </a:prstGeom>
+            <a:noFill/>
+          </p:spPr>
+          <p:txBody>
+            <a:bodyPr wrap="square" rtlCol="0">
+              <a:spAutoFit/>
+            </a:bodyPr>
+            <a:lstStyle/>
+            <a:p>
+              <a:r>
+                <a:rPr lang="es-MX" sz="1400" i="1" dirty="0" smtClean="0">
+                  <a:solidFill>
+                    <a:schemeClr val="accent6">
+                      <a:lumMod val="75000"/>
+                    </a:schemeClr>
+                  </a:solidFill>
+                </a:rPr>
+                <a:t>Datos de pedido</a:t>
+              </a:r>
+              <a:endParaRPr lang="es-MX" sz="1400" i="1" dirty="0">
+                <a:solidFill>
+                  <a:schemeClr val="accent6">
+                    <a:lumMod val="75000"/>
+                  </a:schemeClr>
+                </a:solidFill>
+              </a:endParaRPr>
+            </a:p>
+          </p:txBody>
+        </p:sp>
+      </p:grpSp>
+      <p:grpSp>
+        <p:nvGrpSpPr>
+          <p:cNvPr id="53" name="101 Grupo"/>
+          <p:cNvGrpSpPr/>
+          <p:nvPr/>
+        </p:nvGrpSpPr>
+        <p:grpSpPr>
+          <a:xfrm>
+            <a:off x="785786" y="6121619"/>
+            <a:ext cx="1643074" cy="307777"/>
+            <a:chOff x="3500430" y="3071810"/>
+            <a:chExt cx="1643074" cy="307777"/>
+          </a:xfrm>
+        </p:grpSpPr>
+        <p:cxnSp>
+          <p:nvCxnSpPr>
+            <p:cNvPr id="103" name="102 Conector recto de flecha"/>
+            <p:cNvCxnSpPr/>
+            <p:nvPr/>
+          </p:nvCxnSpPr>
+          <p:spPr>
+            <a:xfrm>
+              <a:off x="3571868" y="3357562"/>
+              <a:ext cx="1428760" cy="1588"/>
+            </a:xfrm>
+            <a:prstGeom prst="straightConnector1">
+              <a:avLst/>
+            </a:prstGeom>
+            <a:ln w="28575">
+              <a:headEnd type="triangle"/>
+              <a:tailEnd type="none"/>
+            </a:ln>
+          </p:spPr>
+          <p:style>
+            <a:lnRef idx="1">
+              <a:schemeClr val="accent1"/>
+            </a:lnRef>
+            <a:fillRef idx="0">
+              <a:schemeClr val="accent1"/>
+            </a:fillRef>
+            <a:effectRef idx="0">
+              <a:schemeClr val="accent1"/>
+            </a:effectRef>
+            <a:fontRef idx="minor">
+              <a:schemeClr val="tx1"/>
+            </a:fontRef>
+          </p:style>
+        </p:cxnSp>
+        <p:sp>
+          <p:nvSpPr>
+            <p:cNvPr id="104" name="103 CuadroTexto"/>
+            <p:cNvSpPr txBox="1"/>
+            <p:nvPr/>
+          </p:nvSpPr>
+          <p:spPr>
+            <a:xfrm>
+              <a:off x="3500430" y="3071810"/>
+              <a:ext cx="1643074" cy="307777"/>
+            </a:xfrm>
+            <a:prstGeom prst="rect">
+              <a:avLst/>
+            </a:prstGeom>
+            <a:noFill/>
+          </p:spPr>
+          <p:txBody>
+            <a:bodyPr wrap="square" rtlCol="0">
+              <a:spAutoFit/>
+            </a:bodyPr>
+            <a:lstStyle/>
+            <a:p>
+              <a:r>
+                <a:rPr lang="es-MX" sz="1400" i="1" dirty="0" smtClean="0">
+                  <a:solidFill>
+                    <a:schemeClr val="accent6">
+                      <a:lumMod val="75000"/>
+                    </a:schemeClr>
+                  </a:solidFill>
+                </a:rPr>
+                <a:t>Datos de pedido</a:t>
+              </a:r>
+              <a:endParaRPr lang="es-MX" sz="1400" i="1" dirty="0">
+                <a:solidFill>
+                  <a:schemeClr val="accent6">
+                    <a:lumMod val="75000"/>
+                  </a:schemeClr>
+                </a:solidFill>
+              </a:endParaRPr>
+            </a:p>
+          </p:txBody>
+        </p:sp>
+      </p:grpSp>
+      <p:cxnSp>
+        <p:nvCxnSpPr>
+          <p:cNvPr id="89" name="88 Conector recto de flecha"/>
+          <p:cNvCxnSpPr/>
+          <p:nvPr/>
+        </p:nvCxnSpPr>
+        <p:spPr>
+          <a:xfrm>
+            <a:off x="4407382" y="6250735"/>
+            <a:ext cx="3236452" cy="35785"/>
+          </a:xfrm>
+          <a:prstGeom prst="straightConnector1">
+            <a:avLst/>
+          </a:prstGeom>
+          <a:ln w="28575">
+            <a:headEnd type="none"/>
+            <a:tailEnd type="arrow"/>
+          </a:ln>
+        </p:spPr>
+        <p:style>
+          <a:lnRef idx="1">
+            <a:schemeClr val="accent1"/>
+          </a:lnRef>
+          <a:fillRef idx="0">
+            <a:schemeClr val="accent1"/>
+          </a:fillRef>
+          <a:effectRef idx="0">
+            <a:schemeClr val="accent1"/>
+          </a:effectRef>
+          <a:fontRef idx="minor">
+            <a:schemeClr val="tx1"/>
+          </a:fontRef>
+        </p:style>
+      </p:cxnSp>
+      <p:sp>
+        <p:nvSpPr>
+          <p:cNvPr id="91" name="90 CuadroTexto"/>
+          <p:cNvSpPr txBox="1"/>
+          <p:nvPr/>
+        </p:nvSpPr>
+        <p:spPr>
+          <a:xfrm>
+            <a:off x="4286248" y="5929330"/>
+            <a:ext cx="2786082" cy="307776"/>
+          </a:xfrm>
+          <a:prstGeom prst="rect">
+            <a:avLst/>
+          </a:prstGeom>
+          <a:noFill/>
+        </p:spPr>
+        <p:txBody>
+          <a:bodyPr wrap="square" rtlCol="0">
+            <a:spAutoFit/>
+          </a:bodyPr>
+          <a:lstStyle/>
+          <a:p>
+            <a:r>
+              <a:rPr lang="es-MX" sz="1400" i="1" dirty="0" err="1" smtClean="0">
+                <a:solidFill>
+                  <a:schemeClr val="accent6">
+                    <a:lumMod val="75000"/>
+                  </a:schemeClr>
+                </a:solidFill>
+              </a:rPr>
+              <a:t>Actauliza</a:t>
+            </a:r>
+            <a:r>
+              <a:rPr lang="es-MX" sz="1400" i="1" dirty="0" smtClean="0">
+                <a:solidFill>
+                  <a:schemeClr val="accent6">
+                    <a:lumMod val="75000"/>
+                  </a:schemeClr>
+                </a:solidFill>
+              </a:rPr>
+              <a:t>  existencia de productos</a:t>
+            </a:r>
+            <a:endParaRPr lang="es-MX" sz="1400" i="1" dirty="0">
+              <a:solidFill>
+                <a:schemeClr val="accent6">
+                  <a:lumMod val="75000"/>
+                </a:schemeClr>
+              </a:solidFill>
+            </a:endParaRPr>
+          </a:p>
+        </p:txBody>
+      </p:sp>
+    </p:spTree>
+  </p:cSld>
+  <p:clrMapOvr>
+    <a:masterClrMapping/>
+  </p:clrMapOvr>
+</p:sld>
+</file>
+
+<file path=ppt/slides/slide4.xml><?xml version="1.0" encoding="utf-8"?>
+<p:sld xmlns:a="http://schemas.openxmlformats.org/drawingml/2006/main" xmlns:r="http://schemas.openxmlformats.org/officeDocument/2006/relationships" xmlns:p="http://schemas.openxmlformats.org/presentationml/2006/main">
+  <p:cSld>
+    <p:spTree>
+      <p:nvGrpSpPr>
+        <p:cNvPr id="1" name=""/>
+        <p:cNvGrpSpPr/>
+        <p:nvPr/>
+      </p:nvGrpSpPr>
+      <p:grpSpPr>
+        <a:xfrm>
+          <a:off x="0" y="0"/>
+          <a:ext cx="0" cy="0"/>
+          <a:chOff x="0" y="0"/>
+          <a:chExt cx="0" cy="0"/>
+        </a:xfrm>
+      </p:grpSpPr>
+      <p:sp>
+        <p:nvSpPr>
+          <p:cNvPr id="49" name="48 CuadroTexto"/>
+          <p:cNvSpPr txBox="1"/>
+          <p:nvPr/>
+        </p:nvSpPr>
+        <p:spPr>
+          <a:xfrm>
+            <a:off x="4429124" y="1714488"/>
+            <a:ext cx="1643074" cy="307777"/>
+          </a:xfrm>
+          <a:prstGeom prst="rect">
+            <a:avLst/>
+          </a:prstGeom>
+          <a:noFill/>
+        </p:spPr>
+        <p:txBody>
+          <a:bodyPr wrap="square" rtlCol="0">
+            <a:spAutoFit/>
+          </a:bodyPr>
+          <a:lstStyle/>
+          <a:p>
+            <a:r>
+              <a:rPr lang="es-MX" sz="1400" i="1" dirty="0" smtClean="0">
+                <a:solidFill>
+                  <a:schemeClr val="accent6">
+                    <a:lumMod val="75000"/>
+                  </a:schemeClr>
+                </a:solidFill>
+              </a:rPr>
+              <a:t>Verifica existencia</a:t>
+            </a:r>
+            <a:endParaRPr lang="es-MX" sz="1400" i="1" dirty="0">
+              <a:solidFill>
+                <a:schemeClr val="accent6">
+                  <a:lumMod val="75000"/>
+                </a:schemeClr>
+              </a:solidFill>
+            </a:endParaRPr>
+          </a:p>
+        </p:txBody>
+      </p:sp>
+      <p:sp>
+        <p:nvSpPr>
+          <p:cNvPr id="52" name="51 CuadroTexto"/>
+          <p:cNvSpPr txBox="1"/>
+          <p:nvPr/>
+        </p:nvSpPr>
+        <p:spPr>
+          <a:xfrm>
+            <a:off x="4357686" y="2121091"/>
+            <a:ext cx="1643074" cy="307777"/>
+          </a:xfrm>
+          <a:prstGeom prst="rect">
+            <a:avLst/>
+          </a:prstGeom>
+          <a:noFill/>
+        </p:spPr>
+        <p:txBody>
+          <a:bodyPr wrap="square" rtlCol="0">
+            <a:spAutoFit/>
+          </a:bodyPr>
+          <a:lstStyle/>
+          <a:p>
+            <a:r>
+              <a:rPr lang="es-MX" sz="1400" i="1" dirty="0" smtClean="0">
+                <a:solidFill>
+                  <a:schemeClr val="accent6">
+                    <a:lumMod val="75000"/>
+                  </a:schemeClr>
+                </a:solidFill>
+              </a:rPr>
+              <a:t>Regresa existencia</a:t>
+            </a:r>
+            <a:endParaRPr lang="es-MX" sz="1400" i="1" dirty="0">
+              <a:solidFill>
+                <a:schemeClr val="accent6">
+                  <a:lumMod val="75000"/>
+                </a:schemeClr>
+              </a:solidFill>
+            </a:endParaRPr>
+          </a:p>
+        </p:txBody>
+      </p:sp>
+      <p:grpSp>
+        <p:nvGrpSpPr>
+          <p:cNvPr id="2" name="43 Grupo"/>
+          <p:cNvGrpSpPr/>
+          <p:nvPr/>
+        </p:nvGrpSpPr>
+        <p:grpSpPr>
+          <a:xfrm>
+            <a:off x="142844" y="357166"/>
+            <a:ext cx="1428760" cy="857256"/>
+            <a:chOff x="7358082" y="928670"/>
+            <a:chExt cx="1428760" cy="857256"/>
+          </a:xfrm>
+        </p:grpSpPr>
+        <p:sp>
+          <p:nvSpPr>
+            <p:cNvPr id="3" name="2 CuadroTexto"/>
+            <p:cNvSpPr txBox="1"/>
+            <p:nvPr/>
+          </p:nvSpPr>
+          <p:spPr>
+            <a:xfrm>
+              <a:off x="7429520" y="1357298"/>
+              <a:ext cx="1357322" cy="369332"/>
+            </a:xfrm>
+            <a:prstGeom prst="rect">
+              <a:avLst/>
+            </a:prstGeom>
+            <a:noFill/>
+          </p:spPr>
+          <p:txBody>
+            <a:bodyPr wrap="square" rtlCol="0">
+              <a:spAutoFit/>
+            </a:bodyPr>
+            <a:lstStyle/>
+            <a:p>
+              <a:r>
+                <a:rPr lang="es-MX" dirty="0" smtClean="0"/>
+                <a:t>Cliente </a:t>
+              </a:r>
+              <a:endParaRPr lang="es-MX" dirty="0"/>
+            </a:p>
+          </p:txBody>
+        </p:sp>
+        <p:sp>
+          <p:nvSpPr>
+            <p:cNvPr id="4" name="3 Rectángulo redondeado"/>
+            <p:cNvSpPr/>
+            <p:nvPr/>
+          </p:nvSpPr>
+          <p:spPr>
+            <a:xfrm>
+              <a:off x="7358082" y="1285860"/>
+              <a:ext cx="1143008" cy="500066"/>
+            </a:xfrm>
+            <a:prstGeom prst="roundRect">
+              <a:avLst/>
+            </a:prstGeom>
+            <a:noFill/>
+          </p:spPr>
+          <p:style>
+            <a:lnRef idx="2">
+              <a:schemeClr val="accent1">
+                <a:shade val="50000"/>
+              </a:schemeClr>
+            </a:lnRef>
+            <a:fillRef idx="1">
+              <a:schemeClr val="accent1"/>
+            </a:fillRef>
+            <a:effectRef idx="0">
+              <a:schemeClr val="accent1"/>
+            </a:effectRef>
+            <a:fontRef idx="minor">
+              <a:schemeClr val="lt1"/>
+            </a:fontRef>
+          </p:style>
+          <p:txBody>
+            <a:bodyPr rtlCol="0" anchor="ctr"/>
+            <a:lstStyle/>
+            <a:p>
+              <a:pPr algn="r"/>
+              <a:endParaRPr lang="es-MX" dirty="0"/>
+            </a:p>
+          </p:txBody>
+        </p:sp>
+        <p:pic>
+          <p:nvPicPr>
+            <p:cNvPr id="5" name="Picture 2"/>
+            <p:cNvPicPr>
+              <a:picLocks noChangeAspect="1" noChangeArrowheads="1"/>
+            </p:cNvPicPr>
+            <p:nvPr/>
+          </p:nvPicPr>
+          <p:blipFill>
+            <a:blip r:embed="rId2"/>
+            <a:srcRect l="49963" t="35156" r="42350" b="50195"/>
+            <a:stretch>
+              <a:fillRect/>
+            </a:stretch>
+          </p:blipFill>
+          <p:spPr bwMode="auto">
+            <a:xfrm>
+              <a:off x="8143900" y="928670"/>
+              <a:ext cx="509591" cy="545990"/>
+            </a:xfrm>
+            <a:prstGeom prst="rect">
+              <a:avLst/>
+            </a:prstGeom>
+            <a:noFill/>
+            <a:ln w="9525">
+              <a:noFill/>
+              <a:miter lim="800000"/>
+              <a:headEnd/>
+              <a:tailEnd/>
+            </a:ln>
+            <a:effectLst/>
+          </p:spPr>
+        </p:pic>
+      </p:grpSp>
+      <p:cxnSp>
+        <p:nvCxnSpPr>
+          <p:cNvPr id="6" name="5 Conector recto de flecha"/>
+          <p:cNvCxnSpPr/>
+          <p:nvPr/>
+        </p:nvCxnSpPr>
+        <p:spPr>
+          <a:xfrm>
+            <a:off x="928662" y="1643050"/>
+            <a:ext cx="1428760" cy="1588"/>
+          </a:xfrm>
+          <a:prstGeom prst="straightConnector1">
+            <a:avLst/>
+          </a:prstGeom>
+          <a:ln w="28575">
+            <a:headEnd type="none"/>
+            <a:tailEnd type="arrow"/>
+          </a:ln>
+        </p:spPr>
+        <p:style>
+          <a:lnRef idx="1">
+            <a:schemeClr val="accent1"/>
+          </a:lnRef>
+          <a:fillRef idx="0">
+            <a:schemeClr val="accent1"/>
+          </a:fillRef>
+          <a:effectRef idx="0">
+            <a:schemeClr val="accent1"/>
+          </a:effectRef>
+          <a:fontRef idx="minor">
+            <a:schemeClr val="tx1"/>
+          </a:fontRef>
+        </p:style>
+      </p:cxnSp>
+      <p:grpSp>
+        <p:nvGrpSpPr>
+          <p:cNvPr id="11" name="10 Grupo"/>
+          <p:cNvGrpSpPr/>
+          <p:nvPr/>
+        </p:nvGrpSpPr>
+        <p:grpSpPr>
+          <a:xfrm>
+            <a:off x="1643042" y="571480"/>
+            <a:ext cx="1643074" cy="852241"/>
+            <a:chOff x="3643306" y="1714488"/>
+            <a:chExt cx="1643074" cy="852241"/>
+          </a:xfrm>
+        </p:grpSpPr>
+        <p:grpSp>
+          <p:nvGrpSpPr>
+            <p:cNvPr id="7" name="6 Grupo"/>
+            <p:cNvGrpSpPr/>
+            <p:nvPr/>
+          </p:nvGrpSpPr>
+          <p:grpSpPr>
+            <a:xfrm>
+              <a:off x="3857620" y="1714488"/>
+              <a:ext cx="1428760" cy="500066"/>
+              <a:chOff x="3857620" y="1714488"/>
+              <a:chExt cx="1428760" cy="500066"/>
+            </a:xfrm>
+          </p:grpSpPr>
+          <p:sp>
+            <p:nvSpPr>
+              <p:cNvPr id="8" name="7 CuadroTexto"/>
+              <p:cNvSpPr txBox="1"/>
+              <p:nvPr/>
+            </p:nvSpPr>
+            <p:spPr>
+              <a:xfrm>
+                <a:off x="3929058" y="1714488"/>
+                <a:ext cx="1357322" cy="369332"/>
+              </a:xfrm>
+              <a:prstGeom prst="rect">
+                <a:avLst/>
+              </a:prstGeom>
+              <a:noFill/>
+            </p:spPr>
+            <p:txBody>
+              <a:bodyPr wrap="square" rtlCol="0">
+                <a:spAutoFit/>
+              </a:bodyPr>
+              <a:lstStyle/>
+              <a:p>
+                <a:r>
+                  <a:rPr lang="es-MX" dirty="0" smtClean="0"/>
+                  <a:t>Web</a:t>
+                </a:r>
+                <a:endParaRPr lang="es-MX" dirty="0"/>
+              </a:p>
+            </p:txBody>
+          </p:sp>
+          <p:sp>
+            <p:nvSpPr>
+              <p:cNvPr id="9" name="8 Rectángulo redondeado"/>
+              <p:cNvSpPr/>
+              <p:nvPr/>
+            </p:nvSpPr>
+            <p:spPr>
+              <a:xfrm>
+                <a:off x="3857620" y="1714488"/>
+                <a:ext cx="1214446" cy="500066"/>
+              </a:xfrm>
+              <a:prstGeom prst="roundRect">
+                <a:avLst/>
+              </a:prstGeom>
+              <a:noFill/>
+            </p:spPr>
+            <p:style>
+              <a:lnRef idx="2">
+                <a:schemeClr val="accent1">
+                  <a:shade val="50000"/>
+                </a:schemeClr>
+              </a:lnRef>
+              <a:fillRef idx="1">
+                <a:schemeClr val="accent1"/>
+              </a:fillRef>
+              <a:effectRef idx="0">
+                <a:schemeClr val="accent1"/>
+              </a:effectRef>
+              <a:fontRef idx="minor">
+                <a:schemeClr val="lt1"/>
+              </a:fontRef>
+            </p:style>
+            <p:txBody>
+              <a:bodyPr rtlCol="0" anchor="ctr"/>
+              <a:lstStyle/>
+              <a:p>
+                <a:pPr algn="ctr"/>
+                <a:endParaRPr lang="es-MX"/>
+              </a:p>
+            </p:txBody>
+          </p:sp>
+        </p:grpSp>
+        <p:pic>
+          <p:nvPicPr>
+            <p:cNvPr id="10" name="Picture 2"/>
+            <p:cNvPicPr>
+              <a:picLocks noChangeAspect="1" noChangeArrowheads="1"/>
+            </p:cNvPicPr>
+            <p:nvPr/>
+          </p:nvPicPr>
+          <p:blipFill>
+            <a:blip r:embed="rId3"/>
+            <a:srcRect/>
+            <a:stretch>
+              <a:fillRect/>
+            </a:stretch>
+          </p:blipFill>
+          <p:spPr bwMode="auto">
+            <a:xfrm>
+              <a:off x="3643306" y="2000240"/>
+              <a:ext cx="538165" cy="566489"/>
+            </a:xfrm>
+            <a:prstGeom prst="rect">
+              <a:avLst/>
+            </a:prstGeom>
+            <a:noFill/>
+            <a:ln w="9525">
+              <a:noFill/>
+              <a:miter lim="800000"/>
+              <a:headEnd/>
+              <a:tailEnd/>
+            </a:ln>
+            <a:effectLst/>
+          </p:spPr>
+        </p:pic>
+      </p:grpSp>
+      <p:sp>
+        <p:nvSpPr>
+          <p:cNvPr id="16" name="15 CuadroTexto"/>
+          <p:cNvSpPr txBox="1"/>
+          <p:nvPr/>
+        </p:nvSpPr>
+        <p:spPr>
+          <a:xfrm>
+            <a:off x="2071670" y="0"/>
+            <a:ext cx="3945824" cy="369332"/>
+          </a:xfrm>
+          <a:prstGeom prst="rect">
+            <a:avLst/>
+          </a:prstGeom>
+          <a:noFill/>
+        </p:spPr>
+        <p:txBody>
+          <a:bodyPr wrap="none" rtlCol="0">
+            <a:spAutoFit/>
+          </a:bodyPr>
+          <a:lstStyle/>
+          <a:p>
+            <a:r>
+              <a:rPr lang="es-MX" dirty="0" smtClean="0"/>
+              <a:t>Proceso de nuevo pedido. Error de pago</a:t>
+            </a:r>
+            <a:endParaRPr lang="es-MX" dirty="0"/>
+          </a:p>
+        </p:txBody>
+      </p:sp>
+      <p:sp>
+        <p:nvSpPr>
+          <p:cNvPr id="17" name="16 CuadroTexto"/>
+          <p:cNvSpPr txBox="1"/>
+          <p:nvPr/>
+        </p:nvSpPr>
+        <p:spPr>
+          <a:xfrm>
+            <a:off x="857224" y="1357298"/>
+            <a:ext cx="1643074" cy="307777"/>
+          </a:xfrm>
+          <a:prstGeom prst="rect">
+            <a:avLst/>
+          </a:prstGeom>
+          <a:noFill/>
+        </p:spPr>
+        <p:txBody>
+          <a:bodyPr wrap="square" rtlCol="0">
+            <a:spAutoFit/>
+          </a:bodyPr>
+          <a:lstStyle/>
+          <a:p>
+            <a:r>
+              <a:rPr lang="es-MX" sz="1400" i="1" dirty="0" smtClean="0">
+                <a:solidFill>
+                  <a:schemeClr val="accent6">
+                    <a:lumMod val="75000"/>
+                  </a:schemeClr>
+                </a:solidFill>
+              </a:rPr>
+              <a:t>Carrito</a:t>
+            </a:r>
+            <a:endParaRPr lang="es-MX" sz="1400" i="1" dirty="0">
+              <a:solidFill>
+                <a:schemeClr val="accent6">
+                  <a:lumMod val="75000"/>
+                </a:schemeClr>
+              </a:solidFill>
+            </a:endParaRPr>
+          </a:p>
+        </p:txBody>
+      </p:sp>
+      <p:grpSp>
+        <p:nvGrpSpPr>
+          <p:cNvPr id="22" name="21 Grupo"/>
+          <p:cNvGrpSpPr/>
+          <p:nvPr/>
+        </p:nvGrpSpPr>
+        <p:grpSpPr>
+          <a:xfrm>
+            <a:off x="-2571800" y="2000240"/>
+            <a:ext cx="1643074" cy="307777"/>
+            <a:chOff x="3500430" y="3071810"/>
+            <a:chExt cx="1643074" cy="307777"/>
+          </a:xfrm>
+        </p:grpSpPr>
+        <p:cxnSp>
+          <p:nvCxnSpPr>
+            <p:cNvPr id="20" name="19 Conector recto de flecha"/>
+            <p:cNvCxnSpPr/>
+            <p:nvPr/>
+          </p:nvCxnSpPr>
+          <p:spPr>
+            <a:xfrm>
+              <a:off x="3643306" y="3357562"/>
+              <a:ext cx="1428760" cy="1588"/>
+            </a:xfrm>
+            <a:prstGeom prst="straightConnector1">
+              <a:avLst/>
+            </a:prstGeom>
+            <a:ln w="28575">
+              <a:headEnd type="none"/>
+              <a:tailEnd type="arrow"/>
+            </a:ln>
+          </p:spPr>
+          <p:style>
+            <a:lnRef idx="1">
+              <a:schemeClr val="accent1"/>
+            </a:lnRef>
+            <a:fillRef idx="0">
+              <a:schemeClr val="accent1"/>
+            </a:fillRef>
+            <a:effectRef idx="0">
+              <a:schemeClr val="accent1"/>
+            </a:effectRef>
+            <a:fontRef idx="minor">
+              <a:schemeClr val="tx1"/>
+            </a:fontRef>
+          </p:style>
+        </p:cxnSp>
+        <p:sp>
+          <p:nvSpPr>
+            <p:cNvPr id="21" name="20 CuadroTexto"/>
+            <p:cNvSpPr txBox="1"/>
+            <p:nvPr/>
+          </p:nvSpPr>
+          <p:spPr>
+            <a:xfrm>
+              <a:off x="3500430" y="3071810"/>
+              <a:ext cx="1643074" cy="307777"/>
+            </a:xfrm>
+            <a:prstGeom prst="rect">
+              <a:avLst/>
+            </a:prstGeom>
+            <a:noFill/>
+          </p:spPr>
+          <p:txBody>
+            <a:bodyPr wrap="square" rtlCol="0">
+              <a:spAutoFit/>
+            </a:bodyPr>
+            <a:lstStyle/>
+            <a:p>
+              <a:r>
+                <a:rPr lang="es-MX" sz="1400" i="1" dirty="0" smtClean="0">
+                  <a:solidFill>
+                    <a:schemeClr val="accent6">
+                      <a:lumMod val="75000"/>
+                    </a:schemeClr>
+                  </a:solidFill>
+                </a:rPr>
+                <a:t>Solicita productos</a:t>
+              </a:r>
+              <a:endParaRPr lang="es-MX" sz="1400" i="1" dirty="0">
+                <a:solidFill>
+                  <a:schemeClr val="accent6">
+                    <a:lumMod val="75000"/>
+                  </a:schemeClr>
+                </a:solidFill>
+              </a:endParaRPr>
+            </a:p>
+          </p:txBody>
+        </p:sp>
+      </p:grpSp>
+      <p:grpSp>
+        <p:nvGrpSpPr>
+          <p:cNvPr id="23" name="22 Grupo"/>
+          <p:cNvGrpSpPr/>
+          <p:nvPr/>
+        </p:nvGrpSpPr>
+        <p:grpSpPr>
+          <a:xfrm>
+            <a:off x="-2571800" y="3143248"/>
+            <a:ext cx="1643074" cy="307777"/>
+            <a:chOff x="3500430" y="3071810"/>
+            <a:chExt cx="1643074" cy="307777"/>
+          </a:xfrm>
+        </p:grpSpPr>
+        <p:cxnSp>
+          <p:nvCxnSpPr>
+            <p:cNvPr id="24" name="23 Conector recto de flecha"/>
+            <p:cNvCxnSpPr/>
+            <p:nvPr/>
+          </p:nvCxnSpPr>
+          <p:spPr>
+            <a:xfrm>
+              <a:off x="3571868" y="3357562"/>
+              <a:ext cx="1428760" cy="1588"/>
+            </a:xfrm>
+            <a:prstGeom prst="straightConnector1">
+              <a:avLst/>
+            </a:prstGeom>
+            <a:ln w="28575">
+              <a:headEnd type="triangle"/>
+              <a:tailEnd type="none"/>
+            </a:ln>
+          </p:spPr>
+          <p:style>
+            <a:lnRef idx="1">
+              <a:schemeClr val="accent1"/>
+            </a:lnRef>
+            <a:fillRef idx="0">
+              <a:schemeClr val="accent1"/>
+            </a:fillRef>
+            <a:effectRef idx="0">
+              <a:schemeClr val="accent1"/>
+            </a:effectRef>
+            <a:fontRef idx="minor">
+              <a:schemeClr val="tx1"/>
+            </a:fontRef>
+          </p:style>
+        </p:cxnSp>
+        <p:sp>
+          <p:nvSpPr>
+            <p:cNvPr id="25" name="24 CuadroTexto"/>
+            <p:cNvSpPr txBox="1"/>
+            <p:nvPr/>
+          </p:nvSpPr>
+          <p:spPr>
+            <a:xfrm>
+              <a:off x="3500430" y="3071810"/>
+              <a:ext cx="1643074" cy="307777"/>
+            </a:xfrm>
+            <a:prstGeom prst="rect">
+              <a:avLst/>
+            </a:prstGeom>
+            <a:noFill/>
+          </p:spPr>
+          <p:txBody>
+            <a:bodyPr wrap="square" rtlCol="0">
+              <a:spAutoFit/>
+            </a:bodyPr>
+            <a:lstStyle/>
+            <a:p>
+              <a:r>
+                <a:rPr lang="es-MX" sz="1400" i="1" dirty="0" smtClean="0">
+                  <a:solidFill>
+                    <a:schemeClr val="accent6">
+                      <a:lumMod val="75000"/>
+                    </a:schemeClr>
+                  </a:solidFill>
+                </a:rPr>
+                <a:t>Solicita productos</a:t>
+              </a:r>
+              <a:endParaRPr lang="es-MX" sz="1400" i="1" dirty="0">
+                <a:solidFill>
+                  <a:schemeClr val="accent6">
+                    <a:lumMod val="75000"/>
+                  </a:schemeClr>
+                </a:solidFill>
+              </a:endParaRPr>
+            </a:p>
+          </p:txBody>
+        </p:sp>
+      </p:grpSp>
+      <p:grpSp>
+        <p:nvGrpSpPr>
+          <p:cNvPr id="30" name="29 Grupo"/>
+          <p:cNvGrpSpPr/>
+          <p:nvPr/>
+        </p:nvGrpSpPr>
+        <p:grpSpPr>
+          <a:xfrm>
+            <a:off x="3357554" y="571480"/>
+            <a:ext cx="1643074" cy="852241"/>
+            <a:chOff x="6357950" y="1000108"/>
+            <a:chExt cx="1643074" cy="852241"/>
+          </a:xfrm>
+        </p:grpSpPr>
+        <p:grpSp>
+          <p:nvGrpSpPr>
+            <p:cNvPr id="26" name="31 Grupo"/>
+            <p:cNvGrpSpPr/>
+            <p:nvPr/>
+          </p:nvGrpSpPr>
+          <p:grpSpPr>
+            <a:xfrm>
+              <a:off x="6572264" y="1000108"/>
+              <a:ext cx="1428760" cy="500066"/>
+              <a:chOff x="3786182" y="1785926"/>
+              <a:chExt cx="1428760" cy="697209"/>
+            </a:xfrm>
+          </p:grpSpPr>
+          <p:sp>
+            <p:nvSpPr>
+              <p:cNvPr id="27" name="26 Rectángulo redondeado"/>
+              <p:cNvSpPr/>
+              <p:nvPr/>
+            </p:nvSpPr>
+            <p:spPr>
+              <a:xfrm>
+                <a:off x="3786182" y="1785926"/>
+                <a:ext cx="1143008" cy="697209"/>
+              </a:xfrm>
+              <a:prstGeom prst="roundRect">
+                <a:avLst/>
+              </a:prstGeom>
+              <a:noFill/>
+            </p:spPr>
+            <p:style>
+              <a:lnRef idx="2">
+                <a:schemeClr val="accent1">
+                  <a:shade val="50000"/>
+                </a:schemeClr>
+              </a:lnRef>
+              <a:fillRef idx="1">
+                <a:schemeClr val="accent1"/>
+              </a:fillRef>
+              <a:effectRef idx="0">
+                <a:schemeClr val="accent1"/>
+              </a:effectRef>
+              <a:fontRef idx="minor">
+                <a:schemeClr val="lt1"/>
+              </a:fontRef>
+            </p:style>
+            <p:txBody>
+              <a:bodyPr rtlCol="0" anchor="ctr"/>
+              <a:lstStyle/>
+              <a:p>
+                <a:pPr algn="ctr"/>
+                <a:endParaRPr lang="es-MX"/>
+              </a:p>
+            </p:txBody>
+          </p:sp>
+          <p:sp>
+            <p:nvSpPr>
+              <p:cNvPr id="28" name="27 CuadroTexto"/>
+              <p:cNvSpPr txBox="1"/>
+              <p:nvPr/>
+            </p:nvSpPr>
+            <p:spPr>
+              <a:xfrm>
+                <a:off x="3857620" y="1785926"/>
+                <a:ext cx="1357322" cy="342951"/>
+              </a:xfrm>
+              <a:prstGeom prst="rect">
+                <a:avLst/>
+              </a:prstGeom>
+              <a:noFill/>
+            </p:spPr>
+            <p:txBody>
+              <a:bodyPr wrap="square" rtlCol="0">
+                <a:spAutoFit/>
+              </a:bodyPr>
+              <a:lstStyle/>
+              <a:p>
+                <a:r>
+                  <a:rPr lang="es-MX" dirty="0" smtClean="0"/>
+                  <a:t>Negocio</a:t>
+                </a:r>
+                <a:endParaRPr lang="es-MX" dirty="0"/>
+              </a:p>
+            </p:txBody>
+          </p:sp>
+        </p:grpSp>
+        <p:pic>
+          <p:nvPicPr>
+            <p:cNvPr id="29" name="Picture 2"/>
+            <p:cNvPicPr>
+              <a:picLocks noChangeAspect="1" noChangeArrowheads="1"/>
+            </p:cNvPicPr>
+            <p:nvPr/>
+          </p:nvPicPr>
+          <p:blipFill>
+            <a:blip r:embed="rId3"/>
+            <a:srcRect/>
+            <a:stretch>
+              <a:fillRect/>
+            </a:stretch>
+          </p:blipFill>
+          <p:spPr bwMode="auto">
+            <a:xfrm>
+              <a:off x="6357950" y="1285860"/>
+              <a:ext cx="538165" cy="566489"/>
+            </a:xfrm>
+            <a:prstGeom prst="rect">
+              <a:avLst/>
+            </a:prstGeom>
+            <a:noFill/>
+            <a:ln w="9525">
+              <a:noFill/>
+              <a:miter lim="800000"/>
+              <a:headEnd/>
+              <a:tailEnd/>
+            </a:ln>
+            <a:effectLst/>
+          </p:spPr>
+        </p:pic>
+      </p:grpSp>
+      <p:cxnSp>
+        <p:nvCxnSpPr>
+          <p:cNvPr id="32" name="31 Conector recto"/>
+          <p:cNvCxnSpPr/>
+          <p:nvPr/>
+        </p:nvCxnSpPr>
+        <p:spPr>
+          <a:xfrm rot="5400000">
+            <a:off x="-1892345" y="3964785"/>
+            <a:ext cx="5214180" cy="794"/>
+          </a:xfrm>
+          <a:prstGeom prst="line">
+            <a:avLst/>
+          </a:prstGeom>
+          <a:ln>
+            <a:solidFill>
+              <a:schemeClr val="tx1"/>
+            </a:solidFill>
+            <a:headEnd type="none" w="med" len="med"/>
+            <a:tailEnd type="arrow" w="med" len="med"/>
+          </a:ln>
+        </p:spPr>
+        <p:style>
+          <a:lnRef idx="1">
+            <a:schemeClr val="accent1"/>
+          </a:lnRef>
+          <a:fillRef idx="0">
+            <a:schemeClr val="accent1"/>
+          </a:fillRef>
+          <a:effectRef idx="0">
+            <a:schemeClr val="accent1"/>
+          </a:effectRef>
+          <a:fontRef idx="minor">
+            <a:schemeClr val="tx1"/>
+          </a:fontRef>
+        </p:style>
+      </p:cxnSp>
+      <p:cxnSp>
+        <p:nvCxnSpPr>
+          <p:cNvPr id="33" name="32 Conector recto"/>
+          <p:cNvCxnSpPr/>
+          <p:nvPr/>
+        </p:nvCxnSpPr>
+        <p:spPr>
+          <a:xfrm rot="5400000">
+            <a:off x="-106395" y="3963991"/>
+            <a:ext cx="5214974" cy="1588"/>
+          </a:xfrm>
+          <a:prstGeom prst="line">
+            <a:avLst/>
+          </a:prstGeom>
+          <a:ln>
+            <a:solidFill>
+              <a:schemeClr val="tx1"/>
+            </a:solidFill>
+            <a:headEnd type="none" w="med" len="med"/>
+            <a:tailEnd type="arrow" w="med" len="med"/>
+          </a:ln>
+        </p:spPr>
+        <p:style>
+          <a:lnRef idx="1">
+            <a:schemeClr val="accent1"/>
+          </a:lnRef>
+          <a:fillRef idx="0">
+            <a:schemeClr val="accent1"/>
+          </a:fillRef>
+          <a:effectRef idx="0">
+            <a:schemeClr val="accent1"/>
+          </a:effectRef>
+          <a:fontRef idx="minor">
+            <a:schemeClr val="tx1"/>
+          </a:fontRef>
+        </p:style>
+      </p:cxnSp>
+      <p:cxnSp>
+        <p:nvCxnSpPr>
+          <p:cNvPr id="34" name="33 Conector recto"/>
+          <p:cNvCxnSpPr/>
+          <p:nvPr/>
+        </p:nvCxnSpPr>
+        <p:spPr>
+          <a:xfrm rot="5400000">
+            <a:off x="1572398" y="3928272"/>
+            <a:ext cx="5286412" cy="1588"/>
+          </a:xfrm>
+          <a:prstGeom prst="line">
+            <a:avLst/>
+          </a:prstGeom>
+          <a:ln>
+            <a:solidFill>
+              <a:schemeClr val="tx1"/>
+            </a:solidFill>
+            <a:headEnd type="none" w="med" len="med"/>
+            <a:tailEnd type="arrow" w="med" len="med"/>
+          </a:ln>
+        </p:spPr>
+        <p:style>
+          <a:lnRef idx="1">
+            <a:schemeClr val="accent1"/>
+          </a:lnRef>
+          <a:fillRef idx="0">
+            <a:schemeClr val="accent1"/>
+          </a:fillRef>
+          <a:effectRef idx="0">
+            <a:schemeClr val="accent1"/>
+          </a:effectRef>
+          <a:fontRef idx="minor">
+            <a:schemeClr val="tx1"/>
+          </a:fontRef>
+        </p:style>
+      </p:cxnSp>
+      <p:cxnSp>
+        <p:nvCxnSpPr>
+          <p:cNvPr id="36" name="35 Conector recto"/>
+          <p:cNvCxnSpPr/>
+          <p:nvPr/>
+        </p:nvCxnSpPr>
+        <p:spPr>
+          <a:xfrm rot="5400000">
+            <a:off x="5108579" y="3963991"/>
+            <a:ext cx="5214974" cy="1588"/>
+          </a:xfrm>
+          <a:prstGeom prst="line">
+            <a:avLst/>
+          </a:prstGeom>
+          <a:ln>
+            <a:solidFill>
+              <a:schemeClr val="tx1"/>
+            </a:solidFill>
+            <a:headEnd type="none" w="med" len="med"/>
+            <a:tailEnd type="arrow" w="med" len="med"/>
+          </a:ln>
+        </p:spPr>
+        <p:style>
+          <a:lnRef idx="1">
+            <a:schemeClr val="accent1"/>
+          </a:lnRef>
+          <a:fillRef idx="0">
+            <a:schemeClr val="accent1"/>
+          </a:fillRef>
+          <a:effectRef idx="0">
+            <a:schemeClr val="accent1"/>
+          </a:effectRef>
+          <a:fontRef idx="minor">
+            <a:schemeClr val="tx1"/>
+          </a:fontRef>
+        </p:style>
+      </p:cxnSp>
+      <p:grpSp>
+        <p:nvGrpSpPr>
+          <p:cNvPr id="43" name="42 Grupo"/>
+          <p:cNvGrpSpPr/>
+          <p:nvPr/>
+        </p:nvGrpSpPr>
+        <p:grpSpPr>
+          <a:xfrm>
+            <a:off x="6858016" y="500042"/>
+            <a:ext cx="1571636" cy="785818"/>
+            <a:chOff x="6858016" y="1000108"/>
+            <a:chExt cx="1571636" cy="785818"/>
+          </a:xfrm>
+        </p:grpSpPr>
+        <p:grpSp>
+          <p:nvGrpSpPr>
+            <p:cNvPr id="38" name="31 Grupo"/>
+            <p:cNvGrpSpPr/>
+            <p:nvPr/>
+          </p:nvGrpSpPr>
+          <p:grpSpPr>
+            <a:xfrm>
+              <a:off x="7000892" y="1000108"/>
+              <a:ext cx="1428760" cy="500066"/>
+              <a:chOff x="3786182" y="1785926"/>
+              <a:chExt cx="1428760" cy="697209"/>
+            </a:xfrm>
+          </p:grpSpPr>
+          <p:sp>
+            <p:nvSpPr>
+              <p:cNvPr id="40" name="39 Rectángulo redondeado"/>
+              <p:cNvSpPr/>
+              <p:nvPr/>
+            </p:nvSpPr>
+            <p:spPr>
+              <a:xfrm>
+                <a:off x="3786182" y="1785926"/>
+                <a:ext cx="1143008" cy="697209"/>
+              </a:xfrm>
+              <a:prstGeom prst="roundRect">
+                <a:avLst/>
+              </a:prstGeom>
+              <a:noFill/>
+            </p:spPr>
+            <p:style>
+              <a:lnRef idx="2">
+                <a:schemeClr val="accent1">
+                  <a:shade val="50000"/>
+                </a:schemeClr>
+              </a:lnRef>
+              <a:fillRef idx="1">
+                <a:schemeClr val="accent1"/>
+              </a:fillRef>
+              <a:effectRef idx="0">
+                <a:schemeClr val="accent1"/>
+              </a:effectRef>
+              <a:fontRef idx="minor">
+                <a:schemeClr val="lt1"/>
+              </a:fontRef>
+            </p:style>
+            <p:txBody>
+              <a:bodyPr rtlCol="0" anchor="ctr"/>
+              <a:lstStyle/>
+              <a:p>
+                <a:pPr algn="ctr"/>
+                <a:endParaRPr lang="es-MX"/>
+              </a:p>
+            </p:txBody>
+          </p:sp>
+          <p:sp>
+            <p:nvSpPr>
+              <p:cNvPr id="41" name="40 CuadroTexto"/>
+              <p:cNvSpPr txBox="1"/>
+              <p:nvPr/>
+            </p:nvSpPr>
+            <p:spPr>
+              <a:xfrm>
+                <a:off x="3857620" y="1785926"/>
+                <a:ext cx="1357322" cy="514935"/>
+              </a:xfrm>
+              <a:prstGeom prst="rect">
+                <a:avLst/>
+              </a:prstGeom>
+              <a:noFill/>
+            </p:spPr>
+            <p:txBody>
+              <a:bodyPr wrap="square" rtlCol="0">
+                <a:spAutoFit/>
+              </a:bodyPr>
+              <a:lstStyle/>
+              <a:p>
+                <a:r>
+                  <a:rPr lang="es-MX" dirty="0" smtClean="0"/>
+                  <a:t>Datos</a:t>
+                </a:r>
+                <a:endParaRPr lang="es-MX" dirty="0"/>
+              </a:p>
+            </p:txBody>
+          </p:sp>
+        </p:grpSp>
+        <p:sp>
+          <p:nvSpPr>
+            <p:cNvPr id="42" name="41 Disco magnético"/>
+            <p:cNvSpPr/>
+            <p:nvPr/>
+          </p:nvSpPr>
+          <p:spPr>
+            <a:xfrm>
+              <a:off x="6858016" y="1357298"/>
+              <a:ext cx="428628" cy="428628"/>
+            </a:xfrm>
+            <a:prstGeom prst="flowChartMagneticDisk">
+              <a:avLst/>
+            </a:prstGeom>
+            <a:solidFill>
+              <a:schemeClr val="tx1"/>
+            </a:solidFill>
+            <a:ln>
+              <a:solidFill>
+                <a:schemeClr val="bg1"/>
+              </a:solidFill>
+            </a:ln>
+          </p:spPr>
+          <p:style>
+            <a:lnRef idx="2">
+              <a:schemeClr val="accent1">
+                <a:shade val="50000"/>
+              </a:schemeClr>
+            </a:lnRef>
+            <a:fillRef idx="1">
+              <a:schemeClr val="accent1"/>
+            </a:fillRef>
+            <a:effectRef idx="0">
+              <a:schemeClr val="accent1"/>
+            </a:effectRef>
+            <a:fontRef idx="minor">
+              <a:schemeClr val="lt1"/>
+            </a:fontRef>
+          </p:style>
+          <p:txBody>
+            <a:bodyPr rtlCol="0" anchor="ctr"/>
+            <a:lstStyle/>
+            <a:p>
+              <a:pPr algn="ctr"/>
+              <a:endParaRPr lang="es-MX"/>
+            </a:p>
+          </p:txBody>
+        </p:sp>
+      </p:grpSp>
+      <p:grpSp>
+        <p:nvGrpSpPr>
+          <p:cNvPr id="44" name="43 Grupo"/>
+          <p:cNvGrpSpPr/>
+          <p:nvPr/>
+        </p:nvGrpSpPr>
+        <p:grpSpPr>
+          <a:xfrm>
+            <a:off x="2643174" y="1500174"/>
+            <a:ext cx="1643074" cy="307777"/>
+            <a:chOff x="3500430" y="3071810"/>
+            <a:chExt cx="1643074" cy="307777"/>
+          </a:xfrm>
+        </p:grpSpPr>
+        <p:cxnSp>
+          <p:nvCxnSpPr>
+            <p:cNvPr id="45" name="44 Conector recto de flecha"/>
+            <p:cNvCxnSpPr/>
+            <p:nvPr/>
+          </p:nvCxnSpPr>
+          <p:spPr>
+            <a:xfrm>
+              <a:off x="3571868" y="3357562"/>
+              <a:ext cx="1428760" cy="1588"/>
+            </a:xfrm>
+            <a:prstGeom prst="straightConnector1">
+              <a:avLst/>
+            </a:prstGeom>
+            <a:ln w="28575">
+              <a:headEnd type="none"/>
+              <a:tailEnd type="arrow"/>
+            </a:ln>
+          </p:spPr>
+          <p:style>
+            <a:lnRef idx="1">
+              <a:schemeClr val="accent1"/>
+            </a:lnRef>
+            <a:fillRef idx="0">
+              <a:schemeClr val="accent1"/>
+            </a:fillRef>
+            <a:effectRef idx="0">
+              <a:schemeClr val="accent1"/>
+            </a:effectRef>
+            <a:fontRef idx="minor">
+              <a:schemeClr val="tx1"/>
+            </a:fontRef>
+          </p:style>
+        </p:cxnSp>
+        <p:sp>
+          <p:nvSpPr>
+            <p:cNvPr id="46" name="45 CuadroTexto"/>
+            <p:cNvSpPr txBox="1"/>
+            <p:nvPr/>
+          </p:nvSpPr>
+          <p:spPr>
+            <a:xfrm>
+              <a:off x="3500430" y="3071810"/>
+              <a:ext cx="1643074" cy="307777"/>
+            </a:xfrm>
+            <a:prstGeom prst="rect">
+              <a:avLst/>
+            </a:prstGeom>
+            <a:noFill/>
+          </p:spPr>
+          <p:txBody>
+            <a:bodyPr wrap="square" rtlCol="0">
+              <a:spAutoFit/>
+            </a:bodyPr>
+            <a:lstStyle/>
+            <a:p>
+              <a:r>
+                <a:rPr lang="es-MX" sz="1400" i="1" dirty="0" smtClean="0">
+                  <a:solidFill>
+                    <a:schemeClr val="accent6">
+                      <a:lumMod val="75000"/>
+                    </a:schemeClr>
+                  </a:solidFill>
+                </a:rPr>
+                <a:t>C</a:t>
+              </a:r>
+              <a:r>
+                <a:rPr lang="es-MX" sz="1400" i="1" dirty="0" smtClean="0">
+                  <a:solidFill>
+                    <a:schemeClr val="accent6">
+                      <a:lumMod val="75000"/>
+                    </a:schemeClr>
+                  </a:solidFill>
+                </a:rPr>
+                <a:t>arrito</a:t>
+              </a:r>
+              <a:endParaRPr lang="es-MX" sz="1400" i="1" dirty="0">
+                <a:solidFill>
+                  <a:schemeClr val="accent6">
+                    <a:lumMod val="75000"/>
+                  </a:schemeClr>
+                </a:solidFill>
+              </a:endParaRPr>
+            </a:p>
+          </p:txBody>
+        </p:sp>
+      </p:grpSp>
+      <p:cxnSp>
+        <p:nvCxnSpPr>
+          <p:cNvPr id="48" name="47 Conector recto de flecha"/>
+          <p:cNvCxnSpPr/>
+          <p:nvPr/>
+        </p:nvCxnSpPr>
+        <p:spPr>
+          <a:xfrm>
+            <a:off x="4500562" y="2000240"/>
+            <a:ext cx="3000396" cy="1588"/>
+          </a:xfrm>
+          <a:prstGeom prst="straightConnector1">
+            <a:avLst/>
+          </a:prstGeom>
+          <a:ln w="28575">
+            <a:headEnd type="none"/>
+            <a:tailEnd type="arrow"/>
+          </a:ln>
+        </p:spPr>
+        <p:style>
+          <a:lnRef idx="1">
+            <a:schemeClr val="accent1"/>
+          </a:lnRef>
+          <a:fillRef idx="0">
+            <a:schemeClr val="accent1"/>
+          </a:fillRef>
+          <a:effectRef idx="0">
+            <a:schemeClr val="accent1"/>
+          </a:effectRef>
+          <a:fontRef idx="minor">
+            <a:schemeClr val="tx1"/>
+          </a:fontRef>
+        </p:style>
+      </p:cxnSp>
+      <p:cxnSp>
+        <p:nvCxnSpPr>
+          <p:cNvPr id="51" name="50 Conector recto de flecha"/>
+          <p:cNvCxnSpPr/>
+          <p:nvPr/>
+        </p:nvCxnSpPr>
+        <p:spPr>
+          <a:xfrm>
+            <a:off x="4429124" y="2406843"/>
+            <a:ext cx="3071834" cy="22025"/>
+          </a:xfrm>
+          <a:prstGeom prst="straightConnector1">
+            <a:avLst/>
+          </a:prstGeom>
+          <a:ln w="28575">
+            <a:headEnd type="triangle"/>
+            <a:tailEnd type="none"/>
+          </a:ln>
+        </p:spPr>
+        <p:style>
+          <a:lnRef idx="1">
+            <a:schemeClr val="accent1"/>
+          </a:lnRef>
+          <a:fillRef idx="0">
+            <a:schemeClr val="accent1"/>
+          </a:fillRef>
+          <a:effectRef idx="0">
+            <a:schemeClr val="accent1"/>
+          </a:effectRef>
+          <a:fontRef idx="minor">
+            <a:schemeClr val="tx1"/>
+          </a:fontRef>
+        </p:style>
+      </p:cxnSp>
+      <p:grpSp>
+        <p:nvGrpSpPr>
+          <p:cNvPr id="53" name="52 Grupo"/>
+          <p:cNvGrpSpPr/>
+          <p:nvPr/>
+        </p:nvGrpSpPr>
+        <p:grpSpPr>
+          <a:xfrm>
+            <a:off x="2571736" y="2335405"/>
+            <a:ext cx="1643074" cy="307777"/>
+            <a:chOff x="3500430" y="3071810"/>
+            <a:chExt cx="1643074" cy="307777"/>
+          </a:xfrm>
+        </p:grpSpPr>
+        <p:cxnSp>
+          <p:nvCxnSpPr>
+            <p:cNvPr id="54" name="53 Conector recto de flecha"/>
+            <p:cNvCxnSpPr/>
+            <p:nvPr/>
+          </p:nvCxnSpPr>
+          <p:spPr>
+            <a:xfrm>
+              <a:off x="3571868" y="3357562"/>
+              <a:ext cx="1428760" cy="1588"/>
+            </a:xfrm>
+            <a:prstGeom prst="straightConnector1">
+              <a:avLst/>
+            </a:prstGeom>
+            <a:ln w="28575">
+              <a:headEnd type="triangle"/>
+              <a:tailEnd type="none"/>
+            </a:ln>
+          </p:spPr>
+          <p:style>
+            <a:lnRef idx="1">
+              <a:schemeClr val="accent1"/>
+            </a:lnRef>
+            <a:fillRef idx="0">
+              <a:schemeClr val="accent1"/>
+            </a:fillRef>
+            <a:effectRef idx="0">
+              <a:schemeClr val="accent1"/>
+            </a:effectRef>
+            <a:fontRef idx="minor">
+              <a:schemeClr val="tx1"/>
+            </a:fontRef>
+          </p:style>
+        </p:cxnSp>
+        <p:sp>
+          <p:nvSpPr>
+            <p:cNvPr id="55" name="54 CuadroTexto"/>
+            <p:cNvSpPr txBox="1"/>
+            <p:nvPr/>
+          </p:nvSpPr>
+          <p:spPr>
+            <a:xfrm>
+              <a:off x="3500430" y="3071810"/>
+              <a:ext cx="1643074" cy="307777"/>
+            </a:xfrm>
+            <a:prstGeom prst="rect">
+              <a:avLst/>
+            </a:prstGeom>
+            <a:noFill/>
+          </p:spPr>
+          <p:txBody>
+            <a:bodyPr wrap="square" rtlCol="0">
+              <a:spAutoFit/>
+            </a:bodyPr>
+            <a:lstStyle/>
+            <a:p>
+              <a:r>
+                <a:rPr lang="es-MX" sz="1400" i="1" dirty="0" smtClean="0">
+                  <a:solidFill>
+                    <a:schemeClr val="accent6">
+                      <a:lumMod val="75000"/>
+                    </a:schemeClr>
+                  </a:solidFill>
+                </a:rPr>
+                <a:t>F</a:t>
+              </a:r>
+              <a:r>
+                <a:rPr lang="es-MX" sz="1400" i="1" dirty="0" smtClean="0">
+                  <a:solidFill>
+                    <a:schemeClr val="accent6">
+                      <a:lumMod val="75000"/>
+                    </a:schemeClr>
+                  </a:solidFill>
+                </a:rPr>
+                <a:t>orma pago/envío</a:t>
+              </a:r>
+              <a:endParaRPr lang="es-MX" sz="1400" i="1" dirty="0">
+                <a:solidFill>
+                  <a:schemeClr val="accent6">
+                    <a:lumMod val="75000"/>
+                  </a:schemeClr>
+                </a:solidFill>
+              </a:endParaRPr>
+            </a:p>
+          </p:txBody>
+        </p:sp>
+      </p:grpSp>
+      <p:grpSp>
+        <p:nvGrpSpPr>
+          <p:cNvPr id="75" name="74 Grupo"/>
+          <p:cNvGrpSpPr/>
+          <p:nvPr/>
+        </p:nvGrpSpPr>
+        <p:grpSpPr>
+          <a:xfrm>
+            <a:off x="5857884" y="2714620"/>
+            <a:ext cx="1143008" cy="881066"/>
+            <a:chOff x="6858016" y="928669"/>
+            <a:chExt cx="1143008" cy="881066"/>
+          </a:xfrm>
+        </p:grpSpPr>
+        <p:grpSp>
+          <p:nvGrpSpPr>
+            <p:cNvPr id="56" name="20 Grupo"/>
+            <p:cNvGrpSpPr/>
+            <p:nvPr/>
+          </p:nvGrpSpPr>
+          <p:grpSpPr>
+            <a:xfrm>
+              <a:off x="7072330" y="928669"/>
+              <a:ext cx="928694" cy="500066"/>
+              <a:chOff x="1571604" y="3000372"/>
+              <a:chExt cx="1571636" cy="615466"/>
+            </a:xfrm>
+          </p:grpSpPr>
+          <p:sp>
+            <p:nvSpPr>
+              <p:cNvPr id="57" name="56 CuadroTexto"/>
+              <p:cNvSpPr txBox="1"/>
+              <p:nvPr/>
+            </p:nvSpPr>
+            <p:spPr>
+              <a:xfrm>
+                <a:off x="1643042" y="3071810"/>
+                <a:ext cx="1357322" cy="454562"/>
+              </a:xfrm>
+              <a:prstGeom prst="rect">
+                <a:avLst/>
+              </a:prstGeom>
+              <a:noFill/>
+            </p:spPr>
+            <p:txBody>
+              <a:bodyPr wrap="square" rtlCol="0">
+                <a:spAutoFit/>
+              </a:bodyPr>
+              <a:lstStyle/>
+              <a:p>
+                <a:r>
+                  <a:rPr lang="es-MX" dirty="0" smtClean="0"/>
+                  <a:t>Pagos</a:t>
+                </a:r>
+                <a:endParaRPr lang="es-MX" dirty="0"/>
+              </a:p>
+            </p:txBody>
+          </p:sp>
+          <p:sp>
+            <p:nvSpPr>
+              <p:cNvPr id="58" name="57 Rectángulo redondeado"/>
+              <p:cNvSpPr/>
+              <p:nvPr/>
+            </p:nvSpPr>
+            <p:spPr>
+              <a:xfrm>
+                <a:off x="1571604" y="3000372"/>
+                <a:ext cx="1571636" cy="615466"/>
+              </a:xfrm>
+              <a:prstGeom prst="roundRect">
+                <a:avLst/>
+              </a:prstGeom>
+              <a:noFill/>
+              <a:ln>
+                <a:solidFill>
+                  <a:schemeClr val="bg1">
+                    <a:lumMod val="75000"/>
+                  </a:schemeClr>
+                </a:solidFill>
+              </a:ln>
+            </p:spPr>
+            <p:style>
+              <a:lnRef idx="2">
+                <a:schemeClr val="accent1">
+                  <a:shade val="50000"/>
+                </a:schemeClr>
+              </a:lnRef>
+              <a:fillRef idx="1">
+                <a:schemeClr val="accent1"/>
+              </a:fillRef>
+              <a:effectRef idx="0">
+                <a:schemeClr val="accent1"/>
+              </a:effectRef>
+              <a:fontRef idx="minor">
+                <a:schemeClr val="lt1"/>
+              </a:fontRef>
+            </p:style>
+            <p:txBody>
+              <a:bodyPr rtlCol="0" anchor="ctr"/>
+              <a:lstStyle/>
+              <a:p>
+                <a:pPr algn="ctr"/>
+                <a:endParaRPr lang="es-MX"/>
+              </a:p>
+            </p:txBody>
+          </p:sp>
+        </p:grpSp>
+        <p:pic>
+          <p:nvPicPr>
+            <p:cNvPr id="62" name="Picture 8"/>
+            <p:cNvPicPr>
+              <a:picLocks noChangeAspect="1" noChangeArrowheads="1"/>
+            </p:cNvPicPr>
+            <p:nvPr/>
+          </p:nvPicPr>
+          <p:blipFill>
+            <a:blip r:embed="rId4"/>
+            <a:srcRect/>
+            <a:stretch>
+              <a:fillRect/>
+            </a:stretch>
+          </p:blipFill>
+          <p:spPr bwMode="auto">
+            <a:xfrm>
+              <a:off x="6858016" y="1285860"/>
+              <a:ext cx="495300" cy="523875"/>
+            </a:xfrm>
+            <a:prstGeom prst="rect">
+              <a:avLst/>
+            </a:prstGeom>
+            <a:noFill/>
+            <a:ln w="9525">
+              <a:noFill/>
+              <a:miter lim="800000"/>
+              <a:headEnd/>
+              <a:tailEnd/>
+            </a:ln>
+            <a:effectLst/>
+          </p:spPr>
+        </p:pic>
+      </p:grpSp>
+      <p:grpSp>
+        <p:nvGrpSpPr>
+          <p:cNvPr id="64" name="63 Grupo"/>
+          <p:cNvGrpSpPr/>
+          <p:nvPr/>
+        </p:nvGrpSpPr>
+        <p:grpSpPr>
+          <a:xfrm>
+            <a:off x="857224" y="2478281"/>
+            <a:ext cx="1643074" cy="307777"/>
+            <a:chOff x="3500430" y="3071810"/>
+            <a:chExt cx="1643074" cy="307777"/>
+          </a:xfrm>
+        </p:grpSpPr>
+        <p:cxnSp>
+          <p:nvCxnSpPr>
+            <p:cNvPr id="65" name="64 Conector recto de flecha"/>
+            <p:cNvCxnSpPr/>
+            <p:nvPr/>
+          </p:nvCxnSpPr>
+          <p:spPr>
+            <a:xfrm>
+              <a:off x="3571868" y="3357562"/>
+              <a:ext cx="1428760" cy="1588"/>
+            </a:xfrm>
+            <a:prstGeom prst="straightConnector1">
+              <a:avLst/>
+            </a:prstGeom>
+            <a:ln w="28575">
+              <a:headEnd type="triangle"/>
+              <a:tailEnd type="none"/>
+            </a:ln>
+          </p:spPr>
+          <p:style>
+            <a:lnRef idx="1">
+              <a:schemeClr val="accent1"/>
+            </a:lnRef>
+            <a:fillRef idx="0">
+              <a:schemeClr val="accent1"/>
+            </a:fillRef>
+            <a:effectRef idx="0">
+              <a:schemeClr val="accent1"/>
+            </a:effectRef>
+            <a:fontRef idx="minor">
+              <a:schemeClr val="tx1"/>
+            </a:fontRef>
+          </p:style>
+        </p:cxnSp>
+        <p:sp>
+          <p:nvSpPr>
+            <p:cNvPr id="66" name="65 CuadroTexto"/>
+            <p:cNvSpPr txBox="1"/>
+            <p:nvPr/>
+          </p:nvSpPr>
+          <p:spPr>
+            <a:xfrm>
+              <a:off x="3500430" y="3071810"/>
+              <a:ext cx="1643074" cy="307777"/>
+            </a:xfrm>
+            <a:prstGeom prst="rect">
+              <a:avLst/>
+            </a:prstGeom>
+            <a:noFill/>
+          </p:spPr>
+          <p:txBody>
+            <a:bodyPr wrap="square" rtlCol="0">
+              <a:spAutoFit/>
+            </a:bodyPr>
+            <a:lstStyle/>
+            <a:p>
+              <a:r>
+                <a:rPr lang="es-MX" sz="1400" i="1" dirty="0" smtClean="0">
+                  <a:solidFill>
+                    <a:schemeClr val="accent6">
+                      <a:lumMod val="75000"/>
+                    </a:schemeClr>
+                  </a:solidFill>
+                </a:rPr>
+                <a:t>Forma pago/envío</a:t>
+              </a:r>
+              <a:endParaRPr lang="es-MX" sz="1400" i="1" dirty="0">
+                <a:solidFill>
+                  <a:schemeClr val="accent6">
+                    <a:lumMod val="75000"/>
+                  </a:schemeClr>
+                </a:solidFill>
+              </a:endParaRPr>
+            </a:p>
+          </p:txBody>
+        </p:sp>
+      </p:grpSp>
+      <p:cxnSp>
+        <p:nvCxnSpPr>
+          <p:cNvPr id="67" name="66 Conector recto de flecha"/>
+          <p:cNvCxnSpPr/>
+          <p:nvPr/>
+        </p:nvCxnSpPr>
+        <p:spPr>
+          <a:xfrm>
+            <a:off x="857224" y="3214686"/>
+            <a:ext cx="1428760" cy="1588"/>
+          </a:xfrm>
+          <a:prstGeom prst="straightConnector1">
+            <a:avLst/>
+          </a:prstGeom>
+          <a:ln w="28575">
+            <a:headEnd type="none"/>
+            <a:tailEnd type="arrow"/>
+          </a:ln>
+        </p:spPr>
+        <p:style>
+          <a:lnRef idx="1">
+            <a:schemeClr val="accent1"/>
+          </a:lnRef>
+          <a:fillRef idx="0">
+            <a:schemeClr val="accent1"/>
+          </a:fillRef>
+          <a:effectRef idx="0">
+            <a:schemeClr val="accent1"/>
+          </a:effectRef>
+          <a:fontRef idx="minor">
+            <a:schemeClr val="tx1"/>
+          </a:fontRef>
+        </p:style>
+      </p:cxnSp>
+      <p:grpSp>
+        <p:nvGrpSpPr>
+          <p:cNvPr id="68" name="67 Grupo"/>
+          <p:cNvGrpSpPr/>
+          <p:nvPr/>
+        </p:nvGrpSpPr>
+        <p:grpSpPr>
+          <a:xfrm>
+            <a:off x="2571736" y="3071810"/>
+            <a:ext cx="1785950" cy="307777"/>
+            <a:chOff x="3500430" y="3071810"/>
+            <a:chExt cx="1785950" cy="307777"/>
+          </a:xfrm>
+        </p:grpSpPr>
+        <p:cxnSp>
+          <p:nvCxnSpPr>
+            <p:cNvPr id="69" name="68 Conector recto de flecha"/>
+            <p:cNvCxnSpPr/>
+            <p:nvPr/>
+          </p:nvCxnSpPr>
+          <p:spPr>
+            <a:xfrm>
+              <a:off x="3571868" y="3357562"/>
+              <a:ext cx="1428760" cy="1588"/>
+            </a:xfrm>
+            <a:prstGeom prst="straightConnector1">
+              <a:avLst/>
+            </a:prstGeom>
+            <a:ln w="28575">
+              <a:headEnd type="none"/>
+              <a:tailEnd type="arrow"/>
+            </a:ln>
+          </p:spPr>
+          <p:style>
+            <a:lnRef idx="1">
+              <a:schemeClr val="accent1"/>
+            </a:lnRef>
+            <a:fillRef idx="0">
+              <a:schemeClr val="accent1"/>
+            </a:fillRef>
+            <a:effectRef idx="0">
+              <a:schemeClr val="accent1"/>
+            </a:effectRef>
+            <a:fontRef idx="minor">
+              <a:schemeClr val="tx1"/>
+            </a:fontRef>
+          </p:style>
+        </p:cxnSp>
+        <p:sp>
+          <p:nvSpPr>
+            <p:cNvPr id="70" name="69 CuadroTexto"/>
+            <p:cNvSpPr txBox="1"/>
+            <p:nvPr/>
+          </p:nvSpPr>
+          <p:spPr>
+            <a:xfrm>
+              <a:off x="3500430" y="3071810"/>
+              <a:ext cx="1785950" cy="307777"/>
+            </a:xfrm>
+            <a:prstGeom prst="rect">
+              <a:avLst/>
+            </a:prstGeom>
+            <a:noFill/>
+          </p:spPr>
+          <p:txBody>
+            <a:bodyPr wrap="square" rtlCol="0">
+              <a:spAutoFit/>
+            </a:bodyPr>
+            <a:lstStyle/>
+            <a:p>
+              <a:r>
+                <a:rPr lang="es-MX" sz="1400" i="1" dirty="0" smtClean="0">
+                  <a:solidFill>
+                    <a:schemeClr val="accent6">
+                      <a:lumMod val="75000"/>
+                    </a:schemeClr>
+                  </a:solidFill>
+                </a:rPr>
+                <a:t>F</a:t>
+              </a:r>
+              <a:r>
+                <a:rPr lang="es-MX" sz="1400" i="1" dirty="0" smtClean="0">
+                  <a:solidFill>
+                    <a:schemeClr val="accent6">
+                      <a:lumMod val="75000"/>
+                    </a:schemeClr>
+                  </a:solidFill>
+                </a:rPr>
+                <a:t>orma de pago/envío</a:t>
+              </a:r>
+              <a:endParaRPr lang="es-MX" sz="1400" i="1" dirty="0">
+                <a:solidFill>
+                  <a:schemeClr val="accent6">
+                    <a:lumMod val="75000"/>
+                  </a:schemeClr>
+                </a:solidFill>
+              </a:endParaRPr>
+            </a:p>
+          </p:txBody>
+        </p:sp>
+      </p:grpSp>
+      <p:grpSp>
+        <p:nvGrpSpPr>
+          <p:cNvPr id="71" name="70 Grupo"/>
+          <p:cNvGrpSpPr/>
+          <p:nvPr/>
+        </p:nvGrpSpPr>
+        <p:grpSpPr>
+          <a:xfrm>
+            <a:off x="4357686" y="3357562"/>
+            <a:ext cx="1643074" cy="307777"/>
+            <a:chOff x="3500430" y="3071810"/>
+            <a:chExt cx="1643074" cy="307777"/>
+          </a:xfrm>
+        </p:grpSpPr>
+        <p:sp>
+          <p:nvSpPr>
+            <p:cNvPr id="73" name="72 CuadroTexto"/>
+            <p:cNvSpPr txBox="1"/>
+            <p:nvPr/>
+          </p:nvSpPr>
+          <p:spPr>
+            <a:xfrm>
+              <a:off x="3500430" y="3071810"/>
+              <a:ext cx="1643074" cy="307777"/>
+            </a:xfrm>
+            <a:prstGeom prst="rect">
+              <a:avLst/>
+            </a:prstGeom>
+            <a:noFill/>
+          </p:spPr>
+          <p:txBody>
+            <a:bodyPr wrap="square" rtlCol="0">
+              <a:spAutoFit/>
+            </a:bodyPr>
+            <a:lstStyle/>
+            <a:p>
+              <a:r>
+                <a:rPr lang="es-MX" sz="1400" i="1" dirty="0" smtClean="0">
+                  <a:solidFill>
+                    <a:schemeClr val="accent6">
+                      <a:lumMod val="75000"/>
+                    </a:schemeClr>
+                  </a:solidFill>
+                </a:rPr>
+                <a:t>procesa</a:t>
+              </a:r>
+              <a:endParaRPr lang="es-MX" sz="1400" i="1" dirty="0">
+                <a:solidFill>
+                  <a:schemeClr val="accent6">
+                    <a:lumMod val="75000"/>
+                  </a:schemeClr>
+                </a:solidFill>
+              </a:endParaRPr>
+            </a:p>
+          </p:txBody>
+        </p:sp>
+        <p:cxnSp>
+          <p:nvCxnSpPr>
+            <p:cNvPr id="72" name="71 Conector recto de flecha"/>
+            <p:cNvCxnSpPr/>
+            <p:nvPr/>
+          </p:nvCxnSpPr>
+          <p:spPr>
+            <a:xfrm>
+              <a:off x="3571868" y="3357562"/>
+              <a:ext cx="1428760" cy="1588"/>
+            </a:xfrm>
+            <a:prstGeom prst="straightConnector1">
+              <a:avLst/>
+            </a:prstGeom>
+            <a:ln w="28575">
+              <a:headEnd type="none"/>
+              <a:tailEnd type="arrow"/>
+            </a:ln>
+          </p:spPr>
+          <p:style>
+            <a:lnRef idx="1">
+              <a:schemeClr val="accent1"/>
+            </a:lnRef>
+            <a:fillRef idx="0">
+              <a:schemeClr val="accent1"/>
+            </a:fillRef>
+            <a:effectRef idx="0">
+              <a:schemeClr val="accent1"/>
+            </a:effectRef>
+            <a:fontRef idx="minor">
+              <a:schemeClr val="tx1"/>
+            </a:fontRef>
+          </p:style>
+        </p:cxnSp>
+      </p:grpSp>
+      <p:sp>
+        <p:nvSpPr>
+          <p:cNvPr id="74" name="73 CuadroTexto"/>
+          <p:cNvSpPr txBox="1"/>
+          <p:nvPr/>
+        </p:nvSpPr>
+        <p:spPr>
+          <a:xfrm>
+            <a:off x="785786" y="2857496"/>
+            <a:ext cx="1643074" cy="307777"/>
+          </a:xfrm>
+          <a:prstGeom prst="rect">
+            <a:avLst/>
+          </a:prstGeom>
+          <a:noFill/>
+        </p:spPr>
+        <p:txBody>
+          <a:bodyPr wrap="square" rtlCol="0">
+            <a:spAutoFit/>
+          </a:bodyPr>
+          <a:lstStyle/>
+          <a:p>
+            <a:r>
+              <a:rPr lang="es-MX" sz="1400" i="1" dirty="0" smtClean="0">
+                <a:solidFill>
+                  <a:schemeClr val="accent6">
+                    <a:lumMod val="75000"/>
+                  </a:schemeClr>
+                </a:solidFill>
+              </a:rPr>
+              <a:t>F</a:t>
+            </a:r>
+            <a:r>
+              <a:rPr lang="es-MX" sz="1400" i="1" dirty="0" smtClean="0">
+                <a:solidFill>
+                  <a:schemeClr val="accent6">
+                    <a:lumMod val="75000"/>
+                  </a:schemeClr>
+                </a:solidFill>
+              </a:rPr>
+              <a:t>orma pago/envío</a:t>
+            </a:r>
+            <a:endParaRPr lang="es-MX" sz="1400" i="1" dirty="0">
+              <a:solidFill>
+                <a:schemeClr val="accent6">
+                  <a:lumMod val="75000"/>
+                </a:schemeClr>
+              </a:solidFill>
+            </a:endParaRPr>
+          </a:p>
+        </p:txBody>
+      </p:sp>
+      <p:cxnSp>
+        <p:nvCxnSpPr>
+          <p:cNvPr id="78" name="77 Conector recto"/>
+          <p:cNvCxnSpPr/>
+          <p:nvPr/>
+        </p:nvCxnSpPr>
+        <p:spPr>
+          <a:xfrm rot="5400000">
+            <a:off x="6138924" y="3505150"/>
+            <a:ext cx="868269" cy="1588"/>
+          </a:xfrm>
+          <a:prstGeom prst="line">
+            <a:avLst/>
+          </a:prstGeom>
+          <a:ln>
+            <a:solidFill>
+              <a:schemeClr val="tx1"/>
+            </a:solidFill>
+            <a:headEnd type="none" w="med" len="med"/>
+            <a:tailEnd type="oval" w="med" len="med"/>
+          </a:ln>
+        </p:spPr>
+        <p:style>
+          <a:lnRef idx="1">
+            <a:schemeClr val="accent1"/>
+          </a:lnRef>
+          <a:fillRef idx="0">
+            <a:schemeClr val="accent1"/>
+          </a:fillRef>
+          <a:effectRef idx="0">
+            <a:schemeClr val="accent1"/>
+          </a:effectRef>
+          <a:fontRef idx="minor">
+            <a:schemeClr val="tx1"/>
+          </a:fontRef>
+        </p:style>
+      </p:cxnSp>
+      <p:grpSp>
+        <p:nvGrpSpPr>
+          <p:cNvPr id="83" name="82 Grupo"/>
+          <p:cNvGrpSpPr/>
+          <p:nvPr/>
+        </p:nvGrpSpPr>
+        <p:grpSpPr>
+          <a:xfrm>
+            <a:off x="4357686" y="3692727"/>
+            <a:ext cx="1643074" cy="307777"/>
+            <a:chOff x="3500430" y="3049785"/>
+            <a:chExt cx="1643074" cy="307777"/>
+          </a:xfrm>
+        </p:grpSpPr>
+        <p:cxnSp>
+          <p:nvCxnSpPr>
+            <p:cNvPr id="84" name="83 Conector recto de flecha"/>
+            <p:cNvCxnSpPr/>
+            <p:nvPr/>
+          </p:nvCxnSpPr>
+          <p:spPr>
+            <a:xfrm>
+              <a:off x="3571868" y="3355974"/>
+              <a:ext cx="1428760" cy="1588"/>
+            </a:xfrm>
+            <a:prstGeom prst="straightConnector1">
+              <a:avLst/>
+            </a:prstGeom>
+            <a:ln w="28575">
+              <a:headEnd type="triangle"/>
+              <a:tailEnd type="none"/>
+            </a:ln>
+          </p:spPr>
+          <p:style>
+            <a:lnRef idx="1">
+              <a:schemeClr val="accent1"/>
+            </a:lnRef>
+            <a:fillRef idx="0">
+              <a:schemeClr val="accent1"/>
+            </a:fillRef>
+            <a:effectRef idx="0">
+              <a:schemeClr val="accent1"/>
+            </a:effectRef>
+            <a:fontRef idx="minor">
+              <a:schemeClr val="tx1"/>
+            </a:fontRef>
+          </p:style>
+        </p:cxnSp>
+        <p:sp>
+          <p:nvSpPr>
+            <p:cNvPr id="85" name="84 CuadroTexto"/>
+            <p:cNvSpPr txBox="1"/>
+            <p:nvPr/>
+          </p:nvSpPr>
+          <p:spPr>
+            <a:xfrm>
+              <a:off x="3500430" y="3049785"/>
+              <a:ext cx="1643074" cy="307777"/>
+            </a:xfrm>
+            <a:prstGeom prst="rect">
+              <a:avLst/>
+            </a:prstGeom>
+            <a:noFill/>
+          </p:spPr>
+          <p:txBody>
+            <a:bodyPr wrap="square" rtlCol="0">
+              <a:spAutoFit/>
+            </a:bodyPr>
+            <a:lstStyle/>
+            <a:p>
+              <a:r>
+                <a:rPr lang="es-MX" sz="1400" i="1" dirty="0" smtClean="0">
+                  <a:solidFill>
+                    <a:schemeClr val="accent6">
+                      <a:lumMod val="75000"/>
+                    </a:schemeClr>
+                  </a:solidFill>
+                </a:rPr>
+                <a:t>Pago no exitoso</a:t>
+              </a:r>
+              <a:endParaRPr lang="es-MX" sz="1400" i="1" dirty="0">
+                <a:solidFill>
+                  <a:schemeClr val="accent6">
+                    <a:lumMod val="75000"/>
+                  </a:schemeClr>
+                </a:solidFill>
+              </a:endParaRPr>
+            </a:p>
+          </p:txBody>
+        </p:sp>
+      </p:grpSp>
+      <p:grpSp>
+        <p:nvGrpSpPr>
+          <p:cNvPr id="99" name="98 Grupo"/>
+          <p:cNvGrpSpPr/>
+          <p:nvPr/>
+        </p:nvGrpSpPr>
+        <p:grpSpPr>
+          <a:xfrm>
+            <a:off x="2571736" y="4000504"/>
+            <a:ext cx="1643074" cy="307777"/>
+            <a:chOff x="3500430" y="3071810"/>
+            <a:chExt cx="1643074" cy="307777"/>
+          </a:xfrm>
+        </p:grpSpPr>
+        <p:cxnSp>
+          <p:nvCxnSpPr>
+            <p:cNvPr id="100" name="99 Conector recto de flecha"/>
+            <p:cNvCxnSpPr/>
+            <p:nvPr/>
+          </p:nvCxnSpPr>
+          <p:spPr>
+            <a:xfrm>
+              <a:off x="3571868" y="3357562"/>
+              <a:ext cx="1428760" cy="1588"/>
+            </a:xfrm>
+            <a:prstGeom prst="straightConnector1">
+              <a:avLst/>
+            </a:prstGeom>
+            <a:ln w="28575">
+              <a:headEnd type="triangle"/>
+              <a:tailEnd type="none"/>
+            </a:ln>
+          </p:spPr>
+          <p:style>
+            <a:lnRef idx="1">
+              <a:schemeClr val="accent1"/>
+            </a:lnRef>
+            <a:fillRef idx="0">
+              <a:schemeClr val="accent1"/>
+            </a:fillRef>
+            <a:effectRef idx="0">
+              <a:schemeClr val="accent1"/>
+            </a:effectRef>
+            <a:fontRef idx="minor">
+              <a:schemeClr val="tx1"/>
+            </a:fontRef>
+          </p:style>
+        </p:cxnSp>
+        <p:sp>
+          <p:nvSpPr>
+            <p:cNvPr id="101" name="100 CuadroTexto"/>
+            <p:cNvSpPr txBox="1"/>
+            <p:nvPr/>
+          </p:nvSpPr>
+          <p:spPr>
+            <a:xfrm>
+              <a:off x="3500430" y="3071810"/>
+              <a:ext cx="1643074" cy="307777"/>
+            </a:xfrm>
+            <a:prstGeom prst="rect">
+              <a:avLst/>
+            </a:prstGeom>
+            <a:noFill/>
+          </p:spPr>
+          <p:txBody>
+            <a:bodyPr wrap="square" rtlCol="0">
+              <a:spAutoFit/>
+            </a:bodyPr>
+            <a:lstStyle/>
+            <a:p>
+              <a:r>
+                <a:rPr lang="es-MX" sz="1400" i="1" dirty="0" smtClean="0">
+                  <a:solidFill>
+                    <a:schemeClr val="accent6">
+                      <a:lumMod val="75000"/>
+                    </a:schemeClr>
+                  </a:solidFill>
+                </a:rPr>
+                <a:t>Error de pago</a:t>
+              </a:r>
+              <a:endParaRPr lang="es-MX" sz="1400" i="1" dirty="0">
+                <a:solidFill>
+                  <a:schemeClr val="accent6">
+                    <a:lumMod val="75000"/>
+                  </a:schemeClr>
+                </a:solidFill>
+              </a:endParaRPr>
+            </a:p>
+          </p:txBody>
+        </p:sp>
+      </p:grpSp>
+      <p:grpSp>
+        <p:nvGrpSpPr>
+          <p:cNvPr id="102" name="101 Grupo"/>
+          <p:cNvGrpSpPr/>
+          <p:nvPr/>
+        </p:nvGrpSpPr>
+        <p:grpSpPr>
+          <a:xfrm>
+            <a:off x="785786" y="4121355"/>
+            <a:ext cx="1643074" cy="307777"/>
+            <a:chOff x="3500430" y="3071810"/>
+            <a:chExt cx="1643074" cy="307777"/>
+          </a:xfrm>
+        </p:grpSpPr>
+        <p:cxnSp>
+          <p:nvCxnSpPr>
+            <p:cNvPr id="103" name="102 Conector recto de flecha"/>
+            <p:cNvCxnSpPr/>
+            <p:nvPr/>
+          </p:nvCxnSpPr>
+          <p:spPr>
+            <a:xfrm>
+              <a:off x="3571868" y="3357562"/>
+              <a:ext cx="1428760" cy="1588"/>
+            </a:xfrm>
+            <a:prstGeom prst="straightConnector1">
+              <a:avLst/>
+            </a:prstGeom>
+            <a:ln w="28575">
+              <a:headEnd type="triangle"/>
+              <a:tailEnd type="none"/>
+            </a:ln>
+          </p:spPr>
+          <p:style>
+            <a:lnRef idx="1">
+              <a:schemeClr val="accent1"/>
+            </a:lnRef>
+            <a:fillRef idx="0">
+              <a:schemeClr val="accent1"/>
+            </a:fillRef>
+            <a:effectRef idx="0">
+              <a:schemeClr val="accent1"/>
+            </a:effectRef>
+            <a:fontRef idx="minor">
+              <a:schemeClr val="tx1"/>
+            </a:fontRef>
+          </p:style>
+        </p:cxnSp>
+        <p:sp>
+          <p:nvSpPr>
+            <p:cNvPr id="104" name="103 CuadroTexto"/>
+            <p:cNvSpPr txBox="1"/>
+            <p:nvPr/>
+          </p:nvSpPr>
+          <p:spPr>
+            <a:xfrm>
+              <a:off x="3500430" y="3071810"/>
+              <a:ext cx="1643074" cy="307777"/>
+            </a:xfrm>
+            <a:prstGeom prst="rect">
+              <a:avLst/>
+            </a:prstGeom>
+            <a:noFill/>
+          </p:spPr>
+          <p:txBody>
+            <a:bodyPr wrap="square" rtlCol="0">
+              <a:spAutoFit/>
+            </a:bodyPr>
+            <a:lstStyle/>
+            <a:p>
+              <a:r>
+                <a:rPr lang="es-MX" sz="1400" i="1" dirty="0" smtClean="0">
+                  <a:solidFill>
+                    <a:schemeClr val="accent6">
+                      <a:lumMod val="75000"/>
+                    </a:schemeClr>
+                  </a:solidFill>
+                </a:rPr>
+                <a:t>Error de pago</a:t>
+              </a:r>
+              <a:endParaRPr lang="es-MX" sz="1400" i="1" dirty="0">
+                <a:solidFill>
+                  <a:schemeClr val="accent6">
+                    <a:lumMod val="75000"/>
+                  </a:schemeClr>
+                </a:solidFill>
+              </a:endParaRPr>
+            </a:p>
+          </p:txBody>
+        </p:sp>
+      </p:grpSp>
+    </p:spTree>
+  </p:cSld>
+  <p:clrMapOvr>
+    <a:masterClrMapping/>
+  </p:clrMapOvr>
+</p:sld>
+</file>
+
+<file path=ppt/slides/slide5.xml><?xml version="1.0" encoding="utf-8"?>
+<p:sld xmlns:a="http://schemas.openxmlformats.org/drawingml/2006/main" xmlns:r="http://schemas.openxmlformats.org/officeDocument/2006/relationships" xmlns:p="http://schemas.openxmlformats.org/presentationml/2006/main">
+  <p:cSld>
+    <p:spTree>
+      <p:nvGrpSpPr>
+        <p:cNvPr id="1" name=""/>
+        <p:cNvGrpSpPr/>
+        <p:nvPr/>
+      </p:nvGrpSpPr>
+      <p:grpSpPr>
+        <a:xfrm>
+          <a:off x="0" y="0"/>
+          <a:ext cx="0" cy="0"/>
+          <a:chOff x="0" y="0"/>
+          <a:chExt cx="0" cy="0"/>
+        </a:xfrm>
+      </p:grpSpPr>
+      <p:sp>
+        <p:nvSpPr>
+          <p:cNvPr id="49" name="48 CuadroTexto"/>
+          <p:cNvSpPr txBox="1"/>
+          <p:nvPr/>
+        </p:nvSpPr>
+        <p:spPr>
+          <a:xfrm>
+            <a:off x="4429124" y="1714488"/>
+            <a:ext cx="1643074" cy="307777"/>
+          </a:xfrm>
+          <a:prstGeom prst="rect">
+            <a:avLst/>
+          </a:prstGeom>
+          <a:noFill/>
+        </p:spPr>
+        <p:txBody>
+          <a:bodyPr wrap="square" rtlCol="0">
+            <a:spAutoFit/>
+          </a:bodyPr>
+          <a:lstStyle/>
+          <a:p>
+            <a:r>
+              <a:rPr lang="es-MX" sz="1400" i="1" dirty="0" smtClean="0">
+                <a:solidFill>
+                  <a:schemeClr val="accent6">
+                    <a:lumMod val="75000"/>
+                  </a:schemeClr>
+                </a:solidFill>
+              </a:rPr>
+              <a:t>Verifica existencia</a:t>
+            </a:r>
+            <a:endParaRPr lang="es-MX" sz="1400" i="1" dirty="0">
+              <a:solidFill>
+                <a:schemeClr val="accent6">
+                  <a:lumMod val="75000"/>
+                </a:schemeClr>
+              </a:solidFill>
+            </a:endParaRPr>
+          </a:p>
+        </p:txBody>
+      </p:sp>
+      <p:sp>
+        <p:nvSpPr>
+          <p:cNvPr id="52" name="51 CuadroTexto"/>
+          <p:cNvSpPr txBox="1"/>
+          <p:nvPr/>
+        </p:nvSpPr>
+        <p:spPr>
+          <a:xfrm>
+            <a:off x="4357686" y="2121091"/>
+            <a:ext cx="1643074" cy="307777"/>
+          </a:xfrm>
+          <a:prstGeom prst="rect">
+            <a:avLst/>
+          </a:prstGeom>
+          <a:noFill/>
+        </p:spPr>
+        <p:txBody>
+          <a:bodyPr wrap="square" rtlCol="0">
+            <a:spAutoFit/>
+          </a:bodyPr>
+          <a:lstStyle/>
+          <a:p>
+            <a:r>
+              <a:rPr lang="es-MX" sz="1400" i="1" dirty="0" smtClean="0">
+                <a:solidFill>
+                  <a:schemeClr val="accent6">
+                    <a:lumMod val="75000"/>
+                  </a:schemeClr>
+                </a:solidFill>
+              </a:rPr>
+              <a:t>Regresa existencia</a:t>
+            </a:r>
+            <a:endParaRPr lang="es-MX" sz="1400" i="1" dirty="0">
+              <a:solidFill>
+                <a:schemeClr val="accent6">
+                  <a:lumMod val="75000"/>
+                </a:schemeClr>
+              </a:solidFill>
+            </a:endParaRPr>
+          </a:p>
+        </p:txBody>
+      </p:sp>
+      <p:grpSp>
+        <p:nvGrpSpPr>
+          <p:cNvPr id="2" name="43 Grupo"/>
+          <p:cNvGrpSpPr/>
+          <p:nvPr/>
+        </p:nvGrpSpPr>
+        <p:grpSpPr>
+          <a:xfrm>
+            <a:off x="142844" y="357166"/>
+            <a:ext cx="1428760" cy="857256"/>
+            <a:chOff x="7358082" y="928670"/>
+            <a:chExt cx="1428760" cy="857256"/>
+          </a:xfrm>
+        </p:grpSpPr>
+        <p:sp>
+          <p:nvSpPr>
+            <p:cNvPr id="3" name="2 CuadroTexto"/>
+            <p:cNvSpPr txBox="1"/>
+            <p:nvPr/>
+          </p:nvSpPr>
+          <p:spPr>
+            <a:xfrm>
+              <a:off x="7429520" y="1357298"/>
+              <a:ext cx="1357322" cy="369332"/>
+            </a:xfrm>
+            <a:prstGeom prst="rect">
+              <a:avLst/>
+            </a:prstGeom>
+            <a:noFill/>
+          </p:spPr>
+          <p:txBody>
+            <a:bodyPr wrap="square" rtlCol="0">
+              <a:spAutoFit/>
+            </a:bodyPr>
+            <a:lstStyle/>
+            <a:p>
+              <a:r>
+                <a:rPr lang="es-MX" dirty="0" smtClean="0"/>
+                <a:t>Cliente </a:t>
+              </a:r>
+              <a:endParaRPr lang="es-MX" dirty="0"/>
+            </a:p>
+          </p:txBody>
+        </p:sp>
+        <p:sp>
+          <p:nvSpPr>
+            <p:cNvPr id="4" name="3 Rectángulo redondeado"/>
+            <p:cNvSpPr/>
+            <p:nvPr/>
+          </p:nvSpPr>
+          <p:spPr>
+            <a:xfrm>
+              <a:off x="7358082" y="1285860"/>
+              <a:ext cx="1143008" cy="500066"/>
+            </a:xfrm>
+            <a:prstGeom prst="roundRect">
+              <a:avLst/>
+            </a:prstGeom>
+            <a:noFill/>
+          </p:spPr>
+          <p:style>
+            <a:lnRef idx="2">
+              <a:schemeClr val="accent1">
+                <a:shade val="50000"/>
+              </a:schemeClr>
+            </a:lnRef>
+            <a:fillRef idx="1">
+              <a:schemeClr val="accent1"/>
+            </a:fillRef>
+            <a:effectRef idx="0">
+              <a:schemeClr val="accent1"/>
+            </a:effectRef>
+            <a:fontRef idx="minor">
+              <a:schemeClr val="lt1"/>
+            </a:fontRef>
+          </p:style>
+          <p:txBody>
+            <a:bodyPr rtlCol="0" anchor="ctr"/>
+            <a:lstStyle/>
+            <a:p>
+              <a:pPr algn="r"/>
+              <a:endParaRPr lang="es-MX" dirty="0"/>
+            </a:p>
+          </p:txBody>
+        </p:sp>
+        <p:pic>
+          <p:nvPicPr>
+            <p:cNvPr id="5" name="Picture 2"/>
+            <p:cNvPicPr>
+              <a:picLocks noChangeAspect="1" noChangeArrowheads="1"/>
+            </p:cNvPicPr>
+            <p:nvPr/>
+          </p:nvPicPr>
+          <p:blipFill>
+            <a:blip r:embed="rId2"/>
+            <a:srcRect l="49963" t="35156" r="42350" b="50195"/>
+            <a:stretch>
+              <a:fillRect/>
+            </a:stretch>
+          </p:blipFill>
+          <p:spPr bwMode="auto">
+            <a:xfrm>
+              <a:off x="8143900" y="928670"/>
+              <a:ext cx="509591" cy="545990"/>
+            </a:xfrm>
+            <a:prstGeom prst="rect">
+              <a:avLst/>
+            </a:prstGeom>
+            <a:noFill/>
+            <a:ln w="9525">
+              <a:noFill/>
+              <a:miter lim="800000"/>
+              <a:headEnd/>
+              <a:tailEnd/>
+            </a:ln>
+            <a:effectLst/>
+          </p:spPr>
+        </p:pic>
+      </p:grpSp>
+      <p:cxnSp>
+        <p:nvCxnSpPr>
+          <p:cNvPr id="6" name="5 Conector recto de flecha"/>
+          <p:cNvCxnSpPr/>
+          <p:nvPr/>
+        </p:nvCxnSpPr>
+        <p:spPr>
+          <a:xfrm>
+            <a:off x="928662" y="1643050"/>
+            <a:ext cx="1428760" cy="1588"/>
+          </a:xfrm>
+          <a:prstGeom prst="straightConnector1">
+            <a:avLst/>
+          </a:prstGeom>
+          <a:ln w="28575">
+            <a:headEnd type="none"/>
+            <a:tailEnd type="arrow"/>
+          </a:ln>
+        </p:spPr>
+        <p:style>
+          <a:lnRef idx="1">
+            <a:schemeClr val="accent1"/>
+          </a:lnRef>
+          <a:fillRef idx="0">
+            <a:schemeClr val="accent1"/>
+          </a:fillRef>
+          <a:effectRef idx="0">
+            <a:schemeClr val="accent1"/>
+          </a:effectRef>
+          <a:fontRef idx="minor">
+            <a:schemeClr val="tx1"/>
+          </a:fontRef>
+        </p:style>
+      </p:cxnSp>
+      <p:grpSp>
+        <p:nvGrpSpPr>
+          <p:cNvPr id="7" name="10 Grupo"/>
+          <p:cNvGrpSpPr/>
+          <p:nvPr/>
+        </p:nvGrpSpPr>
+        <p:grpSpPr>
+          <a:xfrm>
+            <a:off x="1643042" y="571480"/>
+            <a:ext cx="1643074" cy="852241"/>
+            <a:chOff x="3643306" y="1714488"/>
+            <a:chExt cx="1643074" cy="852241"/>
+          </a:xfrm>
+        </p:grpSpPr>
+        <p:grpSp>
+          <p:nvGrpSpPr>
+            <p:cNvPr id="11" name="6 Grupo"/>
+            <p:cNvGrpSpPr/>
+            <p:nvPr/>
+          </p:nvGrpSpPr>
+          <p:grpSpPr>
+            <a:xfrm>
+              <a:off x="3857620" y="1714488"/>
+              <a:ext cx="1428760" cy="500066"/>
+              <a:chOff x="3857620" y="1714488"/>
+              <a:chExt cx="1428760" cy="500066"/>
+            </a:xfrm>
+          </p:grpSpPr>
+          <p:sp>
+            <p:nvSpPr>
+              <p:cNvPr id="8" name="7 CuadroTexto"/>
+              <p:cNvSpPr txBox="1"/>
+              <p:nvPr/>
+            </p:nvSpPr>
+            <p:spPr>
+              <a:xfrm>
+                <a:off x="3929058" y="1714488"/>
+                <a:ext cx="1357322" cy="369332"/>
+              </a:xfrm>
+              <a:prstGeom prst="rect">
+                <a:avLst/>
+              </a:prstGeom>
+              <a:noFill/>
+            </p:spPr>
+            <p:txBody>
+              <a:bodyPr wrap="square" rtlCol="0">
+                <a:spAutoFit/>
+              </a:bodyPr>
+              <a:lstStyle/>
+              <a:p>
+                <a:r>
+                  <a:rPr lang="es-MX" dirty="0" smtClean="0"/>
+                  <a:t>Web</a:t>
+                </a:r>
+                <a:endParaRPr lang="es-MX" dirty="0"/>
+              </a:p>
+            </p:txBody>
+          </p:sp>
+          <p:sp>
+            <p:nvSpPr>
+              <p:cNvPr id="9" name="8 Rectángulo redondeado"/>
+              <p:cNvSpPr/>
+              <p:nvPr/>
+            </p:nvSpPr>
+            <p:spPr>
+              <a:xfrm>
+                <a:off x="3857620" y="1714488"/>
+                <a:ext cx="1214446" cy="500066"/>
+              </a:xfrm>
+              <a:prstGeom prst="roundRect">
+                <a:avLst/>
+              </a:prstGeom>
+              <a:noFill/>
+            </p:spPr>
+            <p:style>
+              <a:lnRef idx="2">
+                <a:schemeClr val="accent1">
+                  <a:shade val="50000"/>
+                </a:schemeClr>
+              </a:lnRef>
+              <a:fillRef idx="1">
+                <a:schemeClr val="accent1"/>
+              </a:fillRef>
+              <a:effectRef idx="0">
+                <a:schemeClr val="accent1"/>
+              </a:effectRef>
+              <a:fontRef idx="minor">
+                <a:schemeClr val="lt1"/>
+              </a:fontRef>
+            </p:style>
+            <p:txBody>
+              <a:bodyPr rtlCol="0" anchor="ctr"/>
+              <a:lstStyle/>
+              <a:p>
+                <a:pPr algn="ctr"/>
+                <a:endParaRPr lang="es-MX"/>
+              </a:p>
+            </p:txBody>
+          </p:sp>
+        </p:grpSp>
+        <p:pic>
+          <p:nvPicPr>
+            <p:cNvPr id="10" name="Picture 2"/>
+            <p:cNvPicPr>
+              <a:picLocks noChangeAspect="1" noChangeArrowheads="1"/>
+            </p:cNvPicPr>
+            <p:nvPr/>
+          </p:nvPicPr>
+          <p:blipFill>
+            <a:blip r:embed="rId3"/>
+            <a:srcRect/>
+            <a:stretch>
+              <a:fillRect/>
+            </a:stretch>
+          </p:blipFill>
+          <p:spPr bwMode="auto">
+            <a:xfrm>
+              <a:off x="3643306" y="2000240"/>
+              <a:ext cx="538165" cy="566489"/>
+            </a:xfrm>
+            <a:prstGeom prst="rect">
+              <a:avLst/>
+            </a:prstGeom>
+            <a:noFill/>
+            <a:ln w="9525">
+              <a:noFill/>
+              <a:miter lim="800000"/>
+              <a:headEnd/>
+              <a:tailEnd/>
+            </a:ln>
+            <a:effectLst/>
+          </p:spPr>
+        </p:pic>
+      </p:grpSp>
+      <p:sp>
+        <p:nvSpPr>
+          <p:cNvPr id="16" name="15 CuadroTexto"/>
+          <p:cNvSpPr txBox="1"/>
+          <p:nvPr/>
+        </p:nvSpPr>
+        <p:spPr>
+          <a:xfrm>
+            <a:off x="2285984" y="0"/>
+            <a:ext cx="4643131" cy="369332"/>
+          </a:xfrm>
+          <a:prstGeom prst="rect">
+            <a:avLst/>
+          </a:prstGeom>
+          <a:noFill/>
+        </p:spPr>
+        <p:txBody>
+          <a:bodyPr wrap="none" rtlCol="0">
+            <a:spAutoFit/>
+          </a:bodyPr>
+          <a:lstStyle/>
+          <a:p>
+            <a:r>
+              <a:rPr lang="es-MX" dirty="0" smtClean="0"/>
+              <a:t>Proceso de nuevo pedido – Error en Mensajería</a:t>
+            </a:r>
+            <a:endParaRPr lang="es-MX" dirty="0"/>
+          </a:p>
+        </p:txBody>
+      </p:sp>
+      <p:sp>
+        <p:nvSpPr>
+          <p:cNvPr id="17" name="16 CuadroTexto"/>
+          <p:cNvSpPr txBox="1"/>
+          <p:nvPr/>
+        </p:nvSpPr>
+        <p:spPr>
+          <a:xfrm>
+            <a:off x="857224" y="1357298"/>
+            <a:ext cx="1643074" cy="307777"/>
+          </a:xfrm>
+          <a:prstGeom prst="rect">
+            <a:avLst/>
+          </a:prstGeom>
+          <a:noFill/>
+        </p:spPr>
+        <p:txBody>
+          <a:bodyPr wrap="square" rtlCol="0">
+            <a:spAutoFit/>
+          </a:bodyPr>
+          <a:lstStyle/>
+          <a:p>
+            <a:r>
+              <a:rPr lang="es-MX" sz="1400" i="1" dirty="0" smtClean="0">
+                <a:solidFill>
+                  <a:schemeClr val="accent6">
+                    <a:lumMod val="75000"/>
+                  </a:schemeClr>
+                </a:solidFill>
+              </a:rPr>
+              <a:t>Carrito</a:t>
+            </a:r>
+            <a:endParaRPr lang="es-MX" sz="1400" i="1" dirty="0">
+              <a:solidFill>
+                <a:schemeClr val="accent6">
+                  <a:lumMod val="75000"/>
+                </a:schemeClr>
+              </a:solidFill>
+            </a:endParaRPr>
+          </a:p>
+        </p:txBody>
+      </p:sp>
+      <p:grpSp>
+        <p:nvGrpSpPr>
+          <p:cNvPr id="12" name="21 Grupo"/>
+          <p:cNvGrpSpPr/>
+          <p:nvPr/>
+        </p:nvGrpSpPr>
+        <p:grpSpPr>
+          <a:xfrm>
+            <a:off x="-2571800" y="2000240"/>
+            <a:ext cx="1643074" cy="307777"/>
+            <a:chOff x="3500430" y="3071810"/>
+            <a:chExt cx="1643074" cy="307777"/>
+          </a:xfrm>
+        </p:grpSpPr>
+        <p:cxnSp>
+          <p:nvCxnSpPr>
+            <p:cNvPr id="20" name="19 Conector recto de flecha"/>
+            <p:cNvCxnSpPr/>
+            <p:nvPr/>
+          </p:nvCxnSpPr>
+          <p:spPr>
+            <a:xfrm>
+              <a:off x="3643306" y="3357562"/>
+              <a:ext cx="1428760" cy="1588"/>
+            </a:xfrm>
+            <a:prstGeom prst="straightConnector1">
+              <a:avLst/>
+            </a:prstGeom>
+            <a:ln w="28575">
+              <a:headEnd type="none"/>
+              <a:tailEnd type="arrow"/>
+            </a:ln>
+          </p:spPr>
+          <p:style>
+            <a:lnRef idx="1">
+              <a:schemeClr val="accent1"/>
+            </a:lnRef>
+            <a:fillRef idx="0">
+              <a:schemeClr val="accent1"/>
+            </a:fillRef>
+            <a:effectRef idx="0">
+              <a:schemeClr val="accent1"/>
+            </a:effectRef>
+            <a:fontRef idx="minor">
+              <a:schemeClr val="tx1"/>
+            </a:fontRef>
+          </p:style>
+        </p:cxnSp>
+        <p:sp>
+          <p:nvSpPr>
+            <p:cNvPr id="21" name="20 CuadroTexto"/>
+            <p:cNvSpPr txBox="1"/>
+            <p:nvPr/>
+          </p:nvSpPr>
+          <p:spPr>
+            <a:xfrm>
+              <a:off x="3500430" y="3071810"/>
+              <a:ext cx="1643074" cy="307777"/>
+            </a:xfrm>
+            <a:prstGeom prst="rect">
+              <a:avLst/>
+            </a:prstGeom>
+            <a:noFill/>
+          </p:spPr>
+          <p:txBody>
+            <a:bodyPr wrap="square" rtlCol="0">
+              <a:spAutoFit/>
+            </a:bodyPr>
+            <a:lstStyle/>
+            <a:p>
+              <a:r>
+                <a:rPr lang="es-MX" sz="1400" i="1" dirty="0" smtClean="0">
+                  <a:solidFill>
+                    <a:schemeClr val="accent6">
+                      <a:lumMod val="75000"/>
+                    </a:schemeClr>
+                  </a:solidFill>
+                </a:rPr>
+                <a:t>Solicita productos</a:t>
+              </a:r>
+              <a:endParaRPr lang="es-MX" sz="1400" i="1" dirty="0">
+                <a:solidFill>
+                  <a:schemeClr val="accent6">
+                    <a:lumMod val="75000"/>
+                  </a:schemeClr>
+                </a:solidFill>
+              </a:endParaRPr>
+            </a:p>
+          </p:txBody>
+        </p:sp>
+      </p:grpSp>
+      <p:grpSp>
+        <p:nvGrpSpPr>
+          <p:cNvPr id="13" name="22 Grupo"/>
+          <p:cNvGrpSpPr/>
+          <p:nvPr/>
+        </p:nvGrpSpPr>
+        <p:grpSpPr>
+          <a:xfrm>
+            <a:off x="-2571800" y="3143248"/>
+            <a:ext cx="1643074" cy="307777"/>
+            <a:chOff x="3500430" y="3071810"/>
+            <a:chExt cx="1643074" cy="307777"/>
+          </a:xfrm>
+        </p:grpSpPr>
+        <p:cxnSp>
+          <p:nvCxnSpPr>
+            <p:cNvPr id="24" name="23 Conector recto de flecha"/>
+            <p:cNvCxnSpPr/>
+            <p:nvPr/>
+          </p:nvCxnSpPr>
+          <p:spPr>
+            <a:xfrm>
+              <a:off x="3571868" y="3357562"/>
+              <a:ext cx="1428760" cy="1588"/>
+            </a:xfrm>
+            <a:prstGeom prst="straightConnector1">
+              <a:avLst/>
+            </a:prstGeom>
+            <a:ln w="28575">
+              <a:headEnd type="triangle"/>
+              <a:tailEnd type="none"/>
+            </a:ln>
+          </p:spPr>
+          <p:style>
+            <a:lnRef idx="1">
+              <a:schemeClr val="accent1"/>
+            </a:lnRef>
+            <a:fillRef idx="0">
+              <a:schemeClr val="accent1"/>
+            </a:fillRef>
+            <a:effectRef idx="0">
+              <a:schemeClr val="accent1"/>
+            </a:effectRef>
+            <a:fontRef idx="minor">
+              <a:schemeClr val="tx1"/>
+            </a:fontRef>
+          </p:style>
+        </p:cxnSp>
+        <p:sp>
+          <p:nvSpPr>
+            <p:cNvPr id="25" name="24 CuadroTexto"/>
+            <p:cNvSpPr txBox="1"/>
+            <p:nvPr/>
+          </p:nvSpPr>
+          <p:spPr>
+            <a:xfrm>
+              <a:off x="3500430" y="3071810"/>
+              <a:ext cx="1643074" cy="307777"/>
+            </a:xfrm>
+            <a:prstGeom prst="rect">
+              <a:avLst/>
+            </a:prstGeom>
+            <a:noFill/>
+          </p:spPr>
+          <p:txBody>
+            <a:bodyPr wrap="square" rtlCol="0">
+              <a:spAutoFit/>
+            </a:bodyPr>
+            <a:lstStyle/>
+            <a:p>
+              <a:r>
+                <a:rPr lang="es-MX" sz="1400" i="1" dirty="0" smtClean="0">
+                  <a:solidFill>
+                    <a:schemeClr val="accent6">
+                      <a:lumMod val="75000"/>
+                    </a:schemeClr>
+                  </a:solidFill>
+                </a:rPr>
+                <a:t>Solicita productos</a:t>
+              </a:r>
+              <a:endParaRPr lang="es-MX" sz="1400" i="1" dirty="0">
+                <a:solidFill>
+                  <a:schemeClr val="accent6">
+                    <a:lumMod val="75000"/>
+                  </a:schemeClr>
+                </a:solidFill>
+              </a:endParaRPr>
+            </a:p>
+          </p:txBody>
+        </p:sp>
+      </p:grpSp>
+      <p:grpSp>
+        <p:nvGrpSpPr>
+          <p:cNvPr id="14" name="29 Grupo"/>
+          <p:cNvGrpSpPr/>
+          <p:nvPr/>
+        </p:nvGrpSpPr>
+        <p:grpSpPr>
+          <a:xfrm>
+            <a:off x="3500430" y="571480"/>
+            <a:ext cx="1643074" cy="852241"/>
+            <a:chOff x="6357950" y="1000108"/>
+            <a:chExt cx="1643074" cy="852241"/>
+          </a:xfrm>
+        </p:grpSpPr>
+        <p:grpSp>
+          <p:nvGrpSpPr>
+            <p:cNvPr id="15" name="31 Grupo"/>
+            <p:cNvGrpSpPr/>
+            <p:nvPr/>
+          </p:nvGrpSpPr>
+          <p:grpSpPr>
+            <a:xfrm>
+              <a:off x="6572264" y="1000108"/>
+              <a:ext cx="1428760" cy="500066"/>
+              <a:chOff x="3786182" y="1785926"/>
+              <a:chExt cx="1428760" cy="697209"/>
+            </a:xfrm>
+          </p:grpSpPr>
+          <p:sp>
+            <p:nvSpPr>
+              <p:cNvPr id="27" name="26 Rectángulo redondeado"/>
+              <p:cNvSpPr/>
+              <p:nvPr/>
+            </p:nvSpPr>
+            <p:spPr>
+              <a:xfrm>
+                <a:off x="3786182" y="1785926"/>
+                <a:ext cx="1143008" cy="697209"/>
+              </a:xfrm>
+              <a:prstGeom prst="roundRect">
+                <a:avLst/>
+              </a:prstGeom>
+              <a:noFill/>
+            </p:spPr>
+            <p:style>
+              <a:lnRef idx="2">
+                <a:schemeClr val="accent1">
+                  <a:shade val="50000"/>
+                </a:schemeClr>
+              </a:lnRef>
+              <a:fillRef idx="1">
+                <a:schemeClr val="accent1"/>
+              </a:fillRef>
+              <a:effectRef idx="0">
+                <a:schemeClr val="accent1"/>
+              </a:effectRef>
+              <a:fontRef idx="minor">
+                <a:schemeClr val="lt1"/>
+              </a:fontRef>
+            </p:style>
+            <p:txBody>
+              <a:bodyPr rtlCol="0" anchor="ctr"/>
+              <a:lstStyle/>
+              <a:p>
+                <a:pPr algn="ctr"/>
+                <a:endParaRPr lang="es-MX"/>
+              </a:p>
+            </p:txBody>
+          </p:sp>
+          <p:sp>
+            <p:nvSpPr>
+              <p:cNvPr id="28" name="27 CuadroTexto"/>
+              <p:cNvSpPr txBox="1"/>
+              <p:nvPr/>
+            </p:nvSpPr>
+            <p:spPr>
+              <a:xfrm>
+                <a:off x="3857620" y="1785926"/>
+                <a:ext cx="1357322" cy="342951"/>
+              </a:xfrm>
+              <a:prstGeom prst="rect">
+                <a:avLst/>
+              </a:prstGeom>
+              <a:noFill/>
+            </p:spPr>
+            <p:txBody>
+              <a:bodyPr wrap="square" rtlCol="0">
+                <a:spAutoFit/>
+              </a:bodyPr>
+              <a:lstStyle/>
+              <a:p>
+                <a:r>
+                  <a:rPr lang="es-MX" dirty="0" smtClean="0"/>
+                  <a:t>Negocio</a:t>
+                </a:r>
+                <a:endParaRPr lang="es-MX" dirty="0"/>
+              </a:p>
+            </p:txBody>
+          </p:sp>
+        </p:grpSp>
+        <p:pic>
+          <p:nvPicPr>
+            <p:cNvPr id="29" name="Picture 2"/>
+            <p:cNvPicPr>
+              <a:picLocks noChangeAspect="1" noChangeArrowheads="1"/>
+            </p:cNvPicPr>
+            <p:nvPr/>
+          </p:nvPicPr>
+          <p:blipFill>
+            <a:blip r:embed="rId3"/>
+            <a:srcRect/>
+            <a:stretch>
+              <a:fillRect/>
+            </a:stretch>
+          </p:blipFill>
+          <p:spPr bwMode="auto">
+            <a:xfrm>
+              <a:off x="6357950" y="1285860"/>
+              <a:ext cx="538165" cy="566489"/>
+            </a:xfrm>
+            <a:prstGeom prst="rect">
+              <a:avLst/>
+            </a:prstGeom>
+            <a:noFill/>
+            <a:ln w="9525">
+              <a:noFill/>
+              <a:miter lim="800000"/>
+              <a:headEnd/>
+              <a:tailEnd/>
+            </a:ln>
+            <a:effectLst/>
+          </p:spPr>
+        </p:pic>
+      </p:grpSp>
+      <p:cxnSp>
+        <p:nvCxnSpPr>
+          <p:cNvPr id="32" name="31 Conector recto"/>
+          <p:cNvCxnSpPr/>
+          <p:nvPr/>
+        </p:nvCxnSpPr>
+        <p:spPr>
+          <a:xfrm rot="5400000">
+            <a:off x="-1892345" y="3964785"/>
+            <a:ext cx="5214180" cy="794"/>
+          </a:xfrm>
+          <a:prstGeom prst="line">
+            <a:avLst/>
+          </a:prstGeom>
+          <a:ln>
+            <a:solidFill>
+              <a:schemeClr val="tx1"/>
+            </a:solidFill>
+            <a:headEnd type="none" w="med" len="med"/>
+            <a:tailEnd type="arrow" w="med" len="med"/>
+          </a:ln>
+        </p:spPr>
+        <p:style>
+          <a:lnRef idx="1">
+            <a:schemeClr val="accent1"/>
+          </a:lnRef>
+          <a:fillRef idx="0">
+            <a:schemeClr val="accent1"/>
+          </a:fillRef>
+          <a:effectRef idx="0">
+            <a:schemeClr val="accent1"/>
+          </a:effectRef>
+          <a:fontRef idx="minor">
+            <a:schemeClr val="tx1"/>
+          </a:fontRef>
+        </p:style>
+      </p:cxnSp>
+      <p:cxnSp>
+        <p:nvCxnSpPr>
+          <p:cNvPr id="33" name="32 Conector recto"/>
+          <p:cNvCxnSpPr/>
+          <p:nvPr/>
+        </p:nvCxnSpPr>
+        <p:spPr>
+          <a:xfrm rot="5400000">
+            <a:off x="-106395" y="3963991"/>
+            <a:ext cx="5214974" cy="1588"/>
+          </a:xfrm>
+          <a:prstGeom prst="line">
+            <a:avLst/>
+          </a:prstGeom>
+          <a:ln>
+            <a:solidFill>
+              <a:schemeClr val="tx1"/>
+            </a:solidFill>
+            <a:headEnd type="none" w="med" len="med"/>
+            <a:tailEnd type="arrow" w="med" len="med"/>
+          </a:ln>
+        </p:spPr>
+        <p:style>
+          <a:lnRef idx="1">
+            <a:schemeClr val="accent1"/>
+          </a:lnRef>
+          <a:fillRef idx="0">
+            <a:schemeClr val="accent1"/>
+          </a:fillRef>
+          <a:effectRef idx="0">
+            <a:schemeClr val="accent1"/>
+          </a:effectRef>
+          <a:fontRef idx="minor">
+            <a:schemeClr val="tx1"/>
+          </a:fontRef>
+        </p:style>
+      </p:cxnSp>
+      <p:cxnSp>
+        <p:nvCxnSpPr>
+          <p:cNvPr id="34" name="33 Conector recto"/>
+          <p:cNvCxnSpPr/>
+          <p:nvPr/>
+        </p:nvCxnSpPr>
+        <p:spPr>
+          <a:xfrm rot="5400000">
+            <a:off x="1572398" y="3928272"/>
+            <a:ext cx="5286412" cy="1588"/>
+          </a:xfrm>
+          <a:prstGeom prst="line">
+            <a:avLst/>
+          </a:prstGeom>
+          <a:ln>
+            <a:solidFill>
+              <a:schemeClr val="tx1"/>
+            </a:solidFill>
+            <a:headEnd type="none" w="med" len="med"/>
+            <a:tailEnd type="arrow" w="med" len="med"/>
+          </a:ln>
+        </p:spPr>
+        <p:style>
+          <a:lnRef idx="1">
+            <a:schemeClr val="accent1"/>
+          </a:lnRef>
+          <a:fillRef idx="0">
+            <a:schemeClr val="accent1"/>
+          </a:fillRef>
+          <a:effectRef idx="0">
+            <a:schemeClr val="accent1"/>
+          </a:effectRef>
+          <a:fontRef idx="minor">
+            <a:schemeClr val="tx1"/>
+          </a:fontRef>
+        </p:style>
+      </p:cxnSp>
+      <p:cxnSp>
+        <p:nvCxnSpPr>
+          <p:cNvPr id="36" name="35 Conector recto"/>
+          <p:cNvCxnSpPr/>
+          <p:nvPr/>
+        </p:nvCxnSpPr>
+        <p:spPr>
+          <a:xfrm rot="5400000">
+            <a:off x="5108579" y="3963991"/>
+            <a:ext cx="5214974" cy="1588"/>
+          </a:xfrm>
+          <a:prstGeom prst="line">
+            <a:avLst/>
+          </a:prstGeom>
+          <a:ln>
+            <a:solidFill>
+              <a:schemeClr val="tx1"/>
+            </a:solidFill>
+            <a:headEnd type="none" w="med" len="med"/>
+            <a:tailEnd type="arrow" w="med" len="med"/>
+          </a:ln>
+        </p:spPr>
+        <p:style>
+          <a:lnRef idx="1">
+            <a:schemeClr val="accent1"/>
+          </a:lnRef>
+          <a:fillRef idx="0">
+            <a:schemeClr val="accent1"/>
+          </a:fillRef>
+          <a:effectRef idx="0">
+            <a:schemeClr val="accent1"/>
+          </a:effectRef>
+          <a:fontRef idx="minor">
+            <a:schemeClr val="tx1"/>
+          </a:fontRef>
+        </p:style>
+      </p:cxnSp>
+      <p:grpSp>
+        <p:nvGrpSpPr>
+          <p:cNvPr id="18" name="42 Grupo"/>
+          <p:cNvGrpSpPr/>
+          <p:nvPr/>
+        </p:nvGrpSpPr>
+        <p:grpSpPr>
+          <a:xfrm>
+            <a:off x="6858016" y="500042"/>
+            <a:ext cx="1571636" cy="785818"/>
+            <a:chOff x="6858016" y="1000108"/>
+            <a:chExt cx="1571636" cy="785818"/>
+          </a:xfrm>
+        </p:grpSpPr>
+        <p:grpSp>
+          <p:nvGrpSpPr>
+            <p:cNvPr id="19" name="31 Grupo"/>
+            <p:cNvGrpSpPr/>
+            <p:nvPr/>
+          </p:nvGrpSpPr>
+          <p:grpSpPr>
+            <a:xfrm>
+              <a:off x="7000892" y="1000108"/>
+              <a:ext cx="1428760" cy="500066"/>
+              <a:chOff x="3786182" y="1785926"/>
+              <a:chExt cx="1428760" cy="697209"/>
+            </a:xfrm>
+          </p:grpSpPr>
+          <p:sp>
+            <p:nvSpPr>
+              <p:cNvPr id="40" name="39 Rectángulo redondeado"/>
+              <p:cNvSpPr/>
+              <p:nvPr/>
+            </p:nvSpPr>
+            <p:spPr>
+              <a:xfrm>
+                <a:off x="3786182" y="1785926"/>
+                <a:ext cx="1143008" cy="697209"/>
+              </a:xfrm>
+              <a:prstGeom prst="roundRect">
+                <a:avLst/>
+              </a:prstGeom>
+              <a:noFill/>
+            </p:spPr>
+            <p:style>
+              <a:lnRef idx="2">
+                <a:schemeClr val="accent1">
+                  <a:shade val="50000"/>
+                </a:schemeClr>
+              </a:lnRef>
+              <a:fillRef idx="1">
+                <a:schemeClr val="accent1"/>
+              </a:fillRef>
+              <a:effectRef idx="0">
+                <a:schemeClr val="accent1"/>
+              </a:effectRef>
+              <a:fontRef idx="minor">
+                <a:schemeClr val="lt1"/>
+              </a:fontRef>
+            </p:style>
+            <p:txBody>
+              <a:bodyPr rtlCol="0" anchor="ctr"/>
+              <a:lstStyle/>
+              <a:p>
+                <a:pPr algn="ctr"/>
+                <a:endParaRPr lang="es-MX"/>
+              </a:p>
+            </p:txBody>
+          </p:sp>
+          <p:sp>
+            <p:nvSpPr>
+              <p:cNvPr id="41" name="40 CuadroTexto"/>
+              <p:cNvSpPr txBox="1"/>
+              <p:nvPr/>
+            </p:nvSpPr>
+            <p:spPr>
+              <a:xfrm>
+                <a:off x="3857620" y="1785926"/>
+                <a:ext cx="1357322" cy="514935"/>
+              </a:xfrm>
+              <a:prstGeom prst="rect">
+                <a:avLst/>
+              </a:prstGeom>
+              <a:noFill/>
+            </p:spPr>
+            <p:txBody>
+              <a:bodyPr wrap="square" rtlCol="0">
+                <a:spAutoFit/>
+              </a:bodyPr>
+              <a:lstStyle/>
+              <a:p>
+                <a:r>
+                  <a:rPr lang="es-MX" dirty="0" smtClean="0"/>
+                  <a:t>Datos</a:t>
+                </a:r>
+                <a:endParaRPr lang="es-MX" dirty="0"/>
+              </a:p>
+            </p:txBody>
+          </p:sp>
+        </p:grpSp>
+        <p:sp>
+          <p:nvSpPr>
+            <p:cNvPr id="42" name="41 Disco magnético"/>
+            <p:cNvSpPr/>
+            <p:nvPr/>
+          </p:nvSpPr>
+          <p:spPr>
+            <a:xfrm>
+              <a:off x="6858016" y="1357298"/>
+              <a:ext cx="428628" cy="428628"/>
+            </a:xfrm>
+            <a:prstGeom prst="flowChartMagneticDisk">
+              <a:avLst/>
+            </a:prstGeom>
+            <a:solidFill>
+              <a:schemeClr val="tx1"/>
+            </a:solidFill>
+            <a:ln>
+              <a:solidFill>
+                <a:schemeClr val="bg1"/>
+              </a:solidFill>
+            </a:ln>
+          </p:spPr>
+          <p:style>
+            <a:lnRef idx="2">
+              <a:schemeClr val="accent1">
+                <a:shade val="50000"/>
+              </a:schemeClr>
+            </a:lnRef>
+            <a:fillRef idx="1">
+              <a:schemeClr val="accent1"/>
+            </a:fillRef>
+            <a:effectRef idx="0">
+              <a:schemeClr val="accent1"/>
+            </a:effectRef>
+            <a:fontRef idx="minor">
+              <a:schemeClr val="lt1"/>
+            </a:fontRef>
+          </p:style>
+          <p:txBody>
+            <a:bodyPr rtlCol="0" anchor="ctr"/>
+            <a:lstStyle/>
+            <a:p>
+              <a:pPr algn="ctr"/>
+              <a:endParaRPr lang="es-MX"/>
+            </a:p>
+          </p:txBody>
+        </p:sp>
+      </p:grpSp>
+      <p:grpSp>
+        <p:nvGrpSpPr>
+          <p:cNvPr id="22" name="43 Grupo"/>
+          <p:cNvGrpSpPr/>
+          <p:nvPr/>
+        </p:nvGrpSpPr>
+        <p:grpSpPr>
+          <a:xfrm>
+            <a:off x="2643174" y="1500174"/>
+            <a:ext cx="1643074" cy="307777"/>
+            <a:chOff x="3500430" y="3071810"/>
+            <a:chExt cx="1643074" cy="307777"/>
+          </a:xfrm>
+        </p:grpSpPr>
+        <p:cxnSp>
+          <p:nvCxnSpPr>
+            <p:cNvPr id="45" name="44 Conector recto de flecha"/>
+            <p:cNvCxnSpPr/>
+            <p:nvPr/>
+          </p:nvCxnSpPr>
+          <p:spPr>
+            <a:xfrm>
+              <a:off x="3571868" y="3357562"/>
+              <a:ext cx="1428760" cy="1588"/>
+            </a:xfrm>
+            <a:prstGeom prst="straightConnector1">
+              <a:avLst/>
+            </a:prstGeom>
+            <a:ln w="28575">
+              <a:headEnd type="none"/>
+              <a:tailEnd type="arrow"/>
+            </a:ln>
+          </p:spPr>
+          <p:style>
+            <a:lnRef idx="1">
+              <a:schemeClr val="accent1"/>
+            </a:lnRef>
+            <a:fillRef idx="0">
+              <a:schemeClr val="accent1"/>
+            </a:fillRef>
+            <a:effectRef idx="0">
+              <a:schemeClr val="accent1"/>
+            </a:effectRef>
+            <a:fontRef idx="minor">
+              <a:schemeClr val="tx1"/>
+            </a:fontRef>
+          </p:style>
+        </p:cxnSp>
+        <p:sp>
+          <p:nvSpPr>
+            <p:cNvPr id="46" name="45 CuadroTexto"/>
+            <p:cNvSpPr txBox="1"/>
+            <p:nvPr/>
+          </p:nvSpPr>
+          <p:spPr>
+            <a:xfrm>
+              <a:off x="3500430" y="3071810"/>
+              <a:ext cx="1643074" cy="307777"/>
+            </a:xfrm>
+            <a:prstGeom prst="rect">
+              <a:avLst/>
+            </a:prstGeom>
+            <a:noFill/>
+          </p:spPr>
+          <p:txBody>
+            <a:bodyPr wrap="square" rtlCol="0">
+              <a:spAutoFit/>
+            </a:bodyPr>
+            <a:lstStyle/>
+            <a:p>
+              <a:r>
+                <a:rPr lang="es-MX" sz="1400" i="1" dirty="0" smtClean="0">
+                  <a:solidFill>
+                    <a:schemeClr val="accent6">
+                      <a:lumMod val="75000"/>
+                    </a:schemeClr>
+                  </a:solidFill>
+                </a:rPr>
+                <a:t>C</a:t>
+              </a:r>
+              <a:r>
+                <a:rPr lang="es-MX" sz="1400" i="1" dirty="0" smtClean="0">
+                  <a:solidFill>
+                    <a:schemeClr val="accent6">
+                      <a:lumMod val="75000"/>
+                    </a:schemeClr>
+                  </a:solidFill>
+                </a:rPr>
+                <a:t>arrito</a:t>
+              </a:r>
+              <a:endParaRPr lang="es-MX" sz="1400" i="1" dirty="0">
+                <a:solidFill>
+                  <a:schemeClr val="accent6">
+                    <a:lumMod val="75000"/>
+                  </a:schemeClr>
+                </a:solidFill>
+              </a:endParaRPr>
+            </a:p>
+          </p:txBody>
+        </p:sp>
+      </p:grpSp>
+      <p:cxnSp>
+        <p:nvCxnSpPr>
+          <p:cNvPr id="48" name="47 Conector recto de flecha"/>
+          <p:cNvCxnSpPr/>
+          <p:nvPr/>
+        </p:nvCxnSpPr>
+        <p:spPr>
+          <a:xfrm>
+            <a:off x="4500562" y="2000240"/>
+            <a:ext cx="3000396" cy="1588"/>
+          </a:xfrm>
+          <a:prstGeom prst="straightConnector1">
+            <a:avLst/>
+          </a:prstGeom>
+          <a:ln w="28575">
+            <a:headEnd type="none"/>
+            <a:tailEnd type="arrow"/>
+          </a:ln>
+        </p:spPr>
+        <p:style>
+          <a:lnRef idx="1">
+            <a:schemeClr val="accent1"/>
+          </a:lnRef>
+          <a:fillRef idx="0">
+            <a:schemeClr val="accent1"/>
+          </a:fillRef>
+          <a:effectRef idx="0">
+            <a:schemeClr val="accent1"/>
+          </a:effectRef>
+          <a:fontRef idx="minor">
+            <a:schemeClr val="tx1"/>
+          </a:fontRef>
+        </p:style>
+      </p:cxnSp>
+      <p:cxnSp>
+        <p:nvCxnSpPr>
+          <p:cNvPr id="51" name="50 Conector recto de flecha"/>
+          <p:cNvCxnSpPr/>
+          <p:nvPr/>
+        </p:nvCxnSpPr>
+        <p:spPr>
+          <a:xfrm>
+            <a:off x="4429124" y="2406843"/>
+            <a:ext cx="3071834" cy="22025"/>
+          </a:xfrm>
+          <a:prstGeom prst="straightConnector1">
+            <a:avLst/>
+          </a:prstGeom>
+          <a:ln w="28575">
+            <a:headEnd type="triangle"/>
+            <a:tailEnd type="none"/>
+          </a:ln>
+        </p:spPr>
+        <p:style>
+          <a:lnRef idx="1">
+            <a:schemeClr val="accent1"/>
+          </a:lnRef>
+          <a:fillRef idx="0">
+            <a:schemeClr val="accent1"/>
+          </a:fillRef>
+          <a:effectRef idx="0">
+            <a:schemeClr val="accent1"/>
+          </a:effectRef>
+          <a:fontRef idx="minor">
+            <a:schemeClr val="tx1"/>
+          </a:fontRef>
+        </p:style>
+      </p:cxnSp>
+      <p:grpSp>
+        <p:nvGrpSpPr>
+          <p:cNvPr id="23" name="52 Grupo"/>
+          <p:cNvGrpSpPr/>
+          <p:nvPr/>
+        </p:nvGrpSpPr>
+        <p:grpSpPr>
+          <a:xfrm>
+            <a:off x="2571736" y="2335405"/>
+            <a:ext cx="1643074" cy="307777"/>
+            <a:chOff x="3500430" y="3071810"/>
+            <a:chExt cx="1643074" cy="307777"/>
+          </a:xfrm>
+        </p:grpSpPr>
+        <p:cxnSp>
+          <p:nvCxnSpPr>
+            <p:cNvPr id="54" name="53 Conector recto de flecha"/>
+            <p:cNvCxnSpPr/>
+            <p:nvPr/>
+          </p:nvCxnSpPr>
+          <p:spPr>
+            <a:xfrm>
+              <a:off x="3571868" y="3357562"/>
+              <a:ext cx="1428760" cy="1588"/>
+            </a:xfrm>
+            <a:prstGeom prst="straightConnector1">
+              <a:avLst/>
+            </a:prstGeom>
+            <a:ln w="28575">
+              <a:headEnd type="triangle"/>
+              <a:tailEnd type="none"/>
+            </a:ln>
+          </p:spPr>
+          <p:style>
+            <a:lnRef idx="1">
+              <a:schemeClr val="accent1"/>
+            </a:lnRef>
+            <a:fillRef idx="0">
+              <a:schemeClr val="accent1"/>
+            </a:fillRef>
+            <a:effectRef idx="0">
+              <a:schemeClr val="accent1"/>
+            </a:effectRef>
+            <a:fontRef idx="minor">
+              <a:schemeClr val="tx1"/>
+            </a:fontRef>
+          </p:style>
+        </p:cxnSp>
+        <p:sp>
+          <p:nvSpPr>
+            <p:cNvPr id="55" name="54 CuadroTexto"/>
+            <p:cNvSpPr txBox="1"/>
+            <p:nvPr/>
+          </p:nvSpPr>
+          <p:spPr>
+            <a:xfrm>
+              <a:off x="3500430" y="3071810"/>
+              <a:ext cx="1643074" cy="307777"/>
+            </a:xfrm>
+            <a:prstGeom prst="rect">
+              <a:avLst/>
+            </a:prstGeom>
+            <a:noFill/>
+          </p:spPr>
+          <p:txBody>
+            <a:bodyPr wrap="square" rtlCol="0">
+              <a:spAutoFit/>
+            </a:bodyPr>
+            <a:lstStyle/>
+            <a:p>
+              <a:r>
+                <a:rPr lang="es-MX" sz="1400" i="1" dirty="0" smtClean="0">
+                  <a:solidFill>
+                    <a:schemeClr val="accent6">
+                      <a:lumMod val="75000"/>
+                    </a:schemeClr>
+                  </a:solidFill>
+                </a:rPr>
+                <a:t>F</a:t>
+              </a:r>
+              <a:r>
+                <a:rPr lang="es-MX" sz="1400" i="1" dirty="0" smtClean="0">
+                  <a:solidFill>
+                    <a:schemeClr val="accent6">
+                      <a:lumMod val="75000"/>
+                    </a:schemeClr>
+                  </a:solidFill>
+                </a:rPr>
+                <a:t>orma pago/envío</a:t>
+              </a:r>
+              <a:endParaRPr lang="es-MX" sz="1400" i="1" dirty="0">
+                <a:solidFill>
+                  <a:schemeClr val="accent6">
+                    <a:lumMod val="75000"/>
+                  </a:schemeClr>
+                </a:solidFill>
+              </a:endParaRPr>
+            </a:p>
+          </p:txBody>
+        </p:sp>
+      </p:grpSp>
+      <p:grpSp>
+        <p:nvGrpSpPr>
+          <p:cNvPr id="26" name="74 Grupo"/>
+          <p:cNvGrpSpPr/>
+          <p:nvPr/>
+        </p:nvGrpSpPr>
+        <p:grpSpPr>
+          <a:xfrm>
+            <a:off x="5857884" y="2714620"/>
+            <a:ext cx="1143008" cy="881066"/>
+            <a:chOff x="6858016" y="928669"/>
+            <a:chExt cx="1143008" cy="881066"/>
+          </a:xfrm>
+        </p:grpSpPr>
+        <p:grpSp>
+          <p:nvGrpSpPr>
+            <p:cNvPr id="30" name="20 Grupo"/>
+            <p:cNvGrpSpPr/>
+            <p:nvPr/>
+          </p:nvGrpSpPr>
+          <p:grpSpPr>
+            <a:xfrm>
+              <a:off x="7072330" y="928669"/>
+              <a:ext cx="928694" cy="500066"/>
+              <a:chOff x="1571604" y="3000372"/>
+              <a:chExt cx="1571636" cy="615466"/>
+            </a:xfrm>
+          </p:grpSpPr>
+          <p:sp>
+            <p:nvSpPr>
+              <p:cNvPr id="57" name="56 CuadroTexto"/>
+              <p:cNvSpPr txBox="1"/>
+              <p:nvPr/>
+            </p:nvSpPr>
+            <p:spPr>
+              <a:xfrm>
+                <a:off x="1643042" y="3071810"/>
+                <a:ext cx="1357322" cy="454562"/>
+              </a:xfrm>
+              <a:prstGeom prst="rect">
+                <a:avLst/>
+              </a:prstGeom>
+              <a:noFill/>
+            </p:spPr>
+            <p:txBody>
+              <a:bodyPr wrap="square" rtlCol="0">
+                <a:spAutoFit/>
+              </a:bodyPr>
+              <a:lstStyle/>
+              <a:p>
+                <a:r>
+                  <a:rPr lang="es-MX" dirty="0" smtClean="0"/>
+                  <a:t>Pagos</a:t>
+                </a:r>
+                <a:endParaRPr lang="es-MX" dirty="0"/>
+              </a:p>
+            </p:txBody>
+          </p:sp>
+          <p:sp>
+            <p:nvSpPr>
+              <p:cNvPr id="58" name="57 Rectángulo redondeado"/>
+              <p:cNvSpPr/>
+              <p:nvPr/>
+            </p:nvSpPr>
+            <p:spPr>
+              <a:xfrm>
+                <a:off x="1571604" y="3000372"/>
+                <a:ext cx="1571636" cy="615466"/>
+              </a:xfrm>
+              <a:prstGeom prst="roundRect">
+                <a:avLst/>
+              </a:prstGeom>
+              <a:noFill/>
+              <a:ln>
+                <a:solidFill>
+                  <a:schemeClr val="bg1">
+                    <a:lumMod val="75000"/>
+                  </a:schemeClr>
+                </a:solidFill>
+              </a:ln>
+            </p:spPr>
+            <p:style>
+              <a:lnRef idx="2">
+                <a:schemeClr val="accent1">
+                  <a:shade val="50000"/>
+                </a:schemeClr>
+              </a:lnRef>
+              <a:fillRef idx="1">
+                <a:schemeClr val="accent1"/>
+              </a:fillRef>
+              <a:effectRef idx="0">
+                <a:schemeClr val="accent1"/>
+              </a:effectRef>
+              <a:fontRef idx="minor">
+                <a:schemeClr val="lt1"/>
+              </a:fontRef>
+            </p:style>
+            <p:txBody>
+              <a:bodyPr rtlCol="0" anchor="ctr"/>
+              <a:lstStyle/>
+              <a:p>
+                <a:pPr algn="ctr"/>
+                <a:endParaRPr lang="es-MX"/>
+              </a:p>
+            </p:txBody>
+          </p:sp>
+        </p:grpSp>
+        <p:pic>
+          <p:nvPicPr>
+            <p:cNvPr id="62" name="Picture 8"/>
+            <p:cNvPicPr>
+              <a:picLocks noChangeAspect="1" noChangeArrowheads="1"/>
+            </p:cNvPicPr>
+            <p:nvPr/>
+          </p:nvPicPr>
+          <p:blipFill>
+            <a:blip r:embed="rId4"/>
+            <a:srcRect/>
+            <a:stretch>
+              <a:fillRect/>
+            </a:stretch>
+          </p:blipFill>
+          <p:spPr bwMode="auto">
+            <a:xfrm>
+              <a:off x="6858016" y="1285860"/>
+              <a:ext cx="495300" cy="523875"/>
+            </a:xfrm>
+            <a:prstGeom prst="rect">
+              <a:avLst/>
+            </a:prstGeom>
+            <a:noFill/>
+            <a:ln w="9525">
+              <a:noFill/>
+              <a:miter lim="800000"/>
+              <a:headEnd/>
+              <a:tailEnd/>
+            </a:ln>
+            <a:effectLst/>
+          </p:spPr>
+        </p:pic>
+      </p:grpSp>
+      <p:grpSp>
+        <p:nvGrpSpPr>
+          <p:cNvPr id="31" name="75 Grupo"/>
+          <p:cNvGrpSpPr/>
+          <p:nvPr/>
+        </p:nvGrpSpPr>
+        <p:grpSpPr>
+          <a:xfrm>
+            <a:off x="5572132" y="4286256"/>
+            <a:ext cx="1714512" cy="940600"/>
+            <a:chOff x="7429488" y="3929066"/>
+            <a:chExt cx="1714512" cy="940600"/>
+          </a:xfrm>
+        </p:grpSpPr>
+        <p:grpSp>
+          <p:nvGrpSpPr>
+            <p:cNvPr id="35" name="60 Grupo"/>
+            <p:cNvGrpSpPr/>
+            <p:nvPr/>
+          </p:nvGrpSpPr>
+          <p:grpSpPr>
+            <a:xfrm>
+              <a:off x="7715240" y="3929066"/>
+              <a:ext cx="1428760" cy="428628"/>
+              <a:chOff x="1571604" y="3000372"/>
+              <a:chExt cx="1428760" cy="685805"/>
+            </a:xfrm>
+          </p:grpSpPr>
+          <p:sp>
+            <p:nvSpPr>
+              <p:cNvPr id="60" name="59 CuadroTexto"/>
+              <p:cNvSpPr txBox="1"/>
+              <p:nvPr/>
+            </p:nvSpPr>
+            <p:spPr>
+              <a:xfrm>
+                <a:off x="1643042" y="3071810"/>
+                <a:ext cx="1357322" cy="454562"/>
+              </a:xfrm>
+              <a:prstGeom prst="rect">
+                <a:avLst/>
+              </a:prstGeom>
+              <a:noFill/>
+            </p:spPr>
+            <p:txBody>
+              <a:bodyPr wrap="square" rtlCol="0">
+                <a:spAutoFit/>
+              </a:bodyPr>
+              <a:lstStyle/>
+              <a:p>
+                <a:r>
+                  <a:rPr lang="es-MX" dirty="0" smtClean="0"/>
+                  <a:t>Mensajería</a:t>
+                </a:r>
+              </a:p>
+            </p:txBody>
+          </p:sp>
+          <p:sp>
+            <p:nvSpPr>
+              <p:cNvPr id="61" name="60 Rectángulo redondeado"/>
+              <p:cNvSpPr/>
+              <p:nvPr/>
+            </p:nvSpPr>
+            <p:spPr>
+              <a:xfrm>
+                <a:off x="1571604" y="3000372"/>
+                <a:ext cx="1285884" cy="685805"/>
+              </a:xfrm>
+              <a:prstGeom prst="roundRect">
+                <a:avLst/>
+              </a:prstGeom>
+              <a:noFill/>
+              <a:ln>
+                <a:solidFill>
+                  <a:schemeClr val="bg1">
+                    <a:lumMod val="75000"/>
+                  </a:schemeClr>
+                </a:solidFill>
+              </a:ln>
+            </p:spPr>
+            <p:style>
+              <a:lnRef idx="2">
+                <a:schemeClr val="accent1">
+                  <a:shade val="50000"/>
+                </a:schemeClr>
+              </a:lnRef>
+              <a:fillRef idx="1">
+                <a:schemeClr val="accent1"/>
+              </a:fillRef>
+              <a:effectRef idx="0">
+                <a:schemeClr val="accent1"/>
+              </a:effectRef>
+              <a:fontRef idx="minor">
+                <a:schemeClr val="lt1"/>
+              </a:fontRef>
+            </p:style>
+            <p:txBody>
+              <a:bodyPr rtlCol="0" anchor="ctr"/>
+              <a:lstStyle/>
+              <a:p>
+                <a:pPr algn="ctr"/>
+                <a:endParaRPr lang="es-MX"/>
+              </a:p>
+            </p:txBody>
+          </p:sp>
+        </p:grpSp>
+        <p:pic>
+          <p:nvPicPr>
+            <p:cNvPr id="63" name="Picture 10"/>
+            <p:cNvPicPr>
+              <a:picLocks noChangeAspect="1" noChangeArrowheads="1"/>
+            </p:cNvPicPr>
+            <p:nvPr/>
+          </p:nvPicPr>
+          <p:blipFill>
+            <a:blip r:embed="rId5"/>
+            <a:srcRect/>
+            <a:stretch>
+              <a:fillRect/>
+            </a:stretch>
+          </p:blipFill>
+          <p:spPr bwMode="auto">
+            <a:xfrm>
+              <a:off x="7429488" y="4286256"/>
+              <a:ext cx="571504" cy="583410"/>
+            </a:xfrm>
+            <a:prstGeom prst="rect">
+              <a:avLst/>
+            </a:prstGeom>
+            <a:noFill/>
+            <a:ln w="9525">
+              <a:noFill/>
+              <a:miter lim="800000"/>
+              <a:headEnd/>
+              <a:tailEnd/>
+            </a:ln>
+            <a:effectLst/>
+          </p:spPr>
+        </p:pic>
+      </p:grpSp>
+      <p:grpSp>
+        <p:nvGrpSpPr>
+          <p:cNvPr id="37" name="63 Grupo"/>
+          <p:cNvGrpSpPr/>
+          <p:nvPr/>
+        </p:nvGrpSpPr>
+        <p:grpSpPr>
+          <a:xfrm>
+            <a:off x="857224" y="2478281"/>
+            <a:ext cx="1643074" cy="307777"/>
+            <a:chOff x="3500430" y="3071810"/>
+            <a:chExt cx="1643074" cy="307777"/>
+          </a:xfrm>
+        </p:grpSpPr>
+        <p:cxnSp>
+          <p:nvCxnSpPr>
+            <p:cNvPr id="65" name="64 Conector recto de flecha"/>
+            <p:cNvCxnSpPr/>
+            <p:nvPr/>
+          </p:nvCxnSpPr>
+          <p:spPr>
+            <a:xfrm>
+              <a:off x="3571868" y="3357562"/>
+              <a:ext cx="1428760" cy="1588"/>
+            </a:xfrm>
+            <a:prstGeom prst="straightConnector1">
+              <a:avLst/>
+            </a:prstGeom>
+            <a:ln w="28575">
+              <a:headEnd type="triangle"/>
+              <a:tailEnd type="none"/>
+            </a:ln>
+          </p:spPr>
+          <p:style>
+            <a:lnRef idx="1">
+              <a:schemeClr val="accent1"/>
+            </a:lnRef>
+            <a:fillRef idx="0">
+              <a:schemeClr val="accent1"/>
+            </a:fillRef>
+            <a:effectRef idx="0">
+              <a:schemeClr val="accent1"/>
+            </a:effectRef>
+            <a:fontRef idx="minor">
+              <a:schemeClr val="tx1"/>
+            </a:fontRef>
+          </p:style>
+        </p:cxnSp>
+        <p:sp>
+          <p:nvSpPr>
+            <p:cNvPr id="66" name="65 CuadroTexto"/>
+            <p:cNvSpPr txBox="1"/>
+            <p:nvPr/>
+          </p:nvSpPr>
+          <p:spPr>
+            <a:xfrm>
+              <a:off x="3500430" y="3071810"/>
+              <a:ext cx="1643074" cy="307777"/>
+            </a:xfrm>
+            <a:prstGeom prst="rect">
+              <a:avLst/>
+            </a:prstGeom>
+            <a:noFill/>
+          </p:spPr>
+          <p:txBody>
+            <a:bodyPr wrap="square" rtlCol="0">
+              <a:spAutoFit/>
+            </a:bodyPr>
+            <a:lstStyle/>
+            <a:p>
+              <a:r>
+                <a:rPr lang="es-MX" sz="1400" i="1" dirty="0" smtClean="0">
+                  <a:solidFill>
+                    <a:schemeClr val="accent6">
+                      <a:lumMod val="75000"/>
+                    </a:schemeClr>
+                  </a:solidFill>
+                </a:rPr>
+                <a:t>Forma pago/envío</a:t>
+              </a:r>
+              <a:endParaRPr lang="es-MX" sz="1400" i="1" dirty="0">
+                <a:solidFill>
+                  <a:schemeClr val="accent6">
+                    <a:lumMod val="75000"/>
+                  </a:schemeClr>
+                </a:solidFill>
+              </a:endParaRPr>
+            </a:p>
+          </p:txBody>
+        </p:sp>
+      </p:grpSp>
+      <p:cxnSp>
+        <p:nvCxnSpPr>
+          <p:cNvPr id="67" name="66 Conector recto de flecha"/>
+          <p:cNvCxnSpPr/>
+          <p:nvPr/>
+        </p:nvCxnSpPr>
+        <p:spPr>
+          <a:xfrm>
+            <a:off x="857224" y="3214686"/>
+            <a:ext cx="1428760" cy="1588"/>
+          </a:xfrm>
+          <a:prstGeom prst="straightConnector1">
+            <a:avLst/>
+          </a:prstGeom>
+          <a:ln w="28575">
+            <a:headEnd type="none"/>
+            <a:tailEnd type="arrow"/>
+          </a:ln>
+        </p:spPr>
+        <p:style>
+          <a:lnRef idx="1">
+            <a:schemeClr val="accent1"/>
+          </a:lnRef>
+          <a:fillRef idx="0">
+            <a:schemeClr val="accent1"/>
+          </a:fillRef>
+          <a:effectRef idx="0">
+            <a:schemeClr val="accent1"/>
+          </a:effectRef>
+          <a:fontRef idx="minor">
+            <a:schemeClr val="tx1"/>
+          </a:fontRef>
+        </p:style>
+      </p:cxnSp>
+      <p:grpSp>
+        <p:nvGrpSpPr>
+          <p:cNvPr id="38" name="67 Grupo"/>
+          <p:cNvGrpSpPr/>
+          <p:nvPr/>
+        </p:nvGrpSpPr>
+        <p:grpSpPr>
+          <a:xfrm>
+            <a:off x="2571736" y="3071810"/>
+            <a:ext cx="1785950" cy="307777"/>
+            <a:chOff x="3500430" y="3071810"/>
+            <a:chExt cx="1785950" cy="307777"/>
+          </a:xfrm>
+        </p:grpSpPr>
+        <p:cxnSp>
+          <p:nvCxnSpPr>
+            <p:cNvPr id="69" name="68 Conector recto de flecha"/>
+            <p:cNvCxnSpPr/>
+            <p:nvPr/>
+          </p:nvCxnSpPr>
+          <p:spPr>
+            <a:xfrm>
+              <a:off x="3571868" y="3357562"/>
+              <a:ext cx="1428760" cy="1588"/>
+            </a:xfrm>
+            <a:prstGeom prst="straightConnector1">
+              <a:avLst/>
+            </a:prstGeom>
+            <a:ln w="28575">
+              <a:headEnd type="none"/>
+              <a:tailEnd type="arrow"/>
+            </a:ln>
+          </p:spPr>
+          <p:style>
+            <a:lnRef idx="1">
+              <a:schemeClr val="accent1"/>
+            </a:lnRef>
+            <a:fillRef idx="0">
+              <a:schemeClr val="accent1"/>
+            </a:fillRef>
+            <a:effectRef idx="0">
+              <a:schemeClr val="accent1"/>
+            </a:effectRef>
+            <a:fontRef idx="minor">
+              <a:schemeClr val="tx1"/>
+            </a:fontRef>
+          </p:style>
+        </p:cxnSp>
+        <p:sp>
+          <p:nvSpPr>
+            <p:cNvPr id="70" name="69 CuadroTexto"/>
+            <p:cNvSpPr txBox="1"/>
+            <p:nvPr/>
+          </p:nvSpPr>
+          <p:spPr>
+            <a:xfrm>
+              <a:off x="3500430" y="3071810"/>
+              <a:ext cx="1785950" cy="307777"/>
+            </a:xfrm>
+            <a:prstGeom prst="rect">
+              <a:avLst/>
+            </a:prstGeom>
+            <a:noFill/>
+          </p:spPr>
+          <p:txBody>
+            <a:bodyPr wrap="square" rtlCol="0">
+              <a:spAutoFit/>
+            </a:bodyPr>
+            <a:lstStyle/>
+            <a:p>
+              <a:r>
+                <a:rPr lang="es-MX" sz="1400" i="1" dirty="0" smtClean="0">
+                  <a:solidFill>
+                    <a:schemeClr val="accent6">
+                      <a:lumMod val="75000"/>
+                    </a:schemeClr>
+                  </a:solidFill>
+                </a:rPr>
+                <a:t>F</a:t>
+              </a:r>
+              <a:r>
+                <a:rPr lang="es-MX" sz="1400" i="1" dirty="0" smtClean="0">
+                  <a:solidFill>
+                    <a:schemeClr val="accent6">
+                      <a:lumMod val="75000"/>
+                    </a:schemeClr>
+                  </a:solidFill>
+                </a:rPr>
+                <a:t>orma de pago/envío</a:t>
+              </a:r>
+              <a:endParaRPr lang="es-MX" sz="1400" i="1" dirty="0">
+                <a:solidFill>
+                  <a:schemeClr val="accent6">
+                    <a:lumMod val="75000"/>
+                  </a:schemeClr>
+                </a:solidFill>
+              </a:endParaRPr>
+            </a:p>
+          </p:txBody>
+        </p:sp>
+      </p:grpSp>
+      <p:grpSp>
+        <p:nvGrpSpPr>
+          <p:cNvPr id="39" name="70 Grupo"/>
+          <p:cNvGrpSpPr/>
+          <p:nvPr/>
+        </p:nvGrpSpPr>
+        <p:grpSpPr>
+          <a:xfrm>
+            <a:off x="4357686" y="3357562"/>
+            <a:ext cx="1643074" cy="307777"/>
+            <a:chOff x="3500430" y="3071810"/>
+            <a:chExt cx="1643074" cy="307777"/>
+          </a:xfrm>
+        </p:grpSpPr>
+        <p:sp>
+          <p:nvSpPr>
+            <p:cNvPr id="73" name="72 CuadroTexto"/>
+            <p:cNvSpPr txBox="1"/>
+            <p:nvPr/>
+          </p:nvSpPr>
+          <p:spPr>
+            <a:xfrm>
+              <a:off x="3500430" y="3071810"/>
+              <a:ext cx="1643074" cy="307777"/>
+            </a:xfrm>
+            <a:prstGeom prst="rect">
+              <a:avLst/>
+            </a:prstGeom>
+            <a:noFill/>
+          </p:spPr>
+          <p:txBody>
+            <a:bodyPr wrap="square" rtlCol="0">
+              <a:spAutoFit/>
+            </a:bodyPr>
+            <a:lstStyle/>
+            <a:p>
+              <a:r>
+                <a:rPr lang="es-MX" sz="1400" i="1" dirty="0" smtClean="0">
+                  <a:solidFill>
+                    <a:schemeClr val="accent6">
+                      <a:lumMod val="75000"/>
+                    </a:schemeClr>
+                  </a:solidFill>
+                </a:rPr>
+                <a:t>procesa</a:t>
+              </a:r>
+              <a:endParaRPr lang="es-MX" sz="1400" i="1" dirty="0">
+                <a:solidFill>
+                  <a:schemeClr val="accent6">
+                    <a:lumMod val="75000"/>
+                  </a:schemeClr>
+                </a:solidFill>
+              </a:endParaRPr>
+            </a:p>
+          </p:txBody>
+        </p:sp>
+        <p:cxnSp>
+          <p:nvCxnSpPr>
+            <p:cNvPr id="72" name="71 Conector recto de flecha"/>
+            <p:cNvCxnSpPr/>
+            <p:nvPr/>
+          </p:nvCxnSpPr>
+          <p:spPr>
+            <a:xfrm>
+              <a:off x="3571868" y="3357562"/>
+              <a:ext cx="1428760" cy="1588"/>
+            </a:xfrm>
+            <a:prstGeom prst="straightConnector1">
+              <a:avLst/>
+            </a:prstGeom>
+            <a:ln w="28575">
+              <a:headEnd type="none"/>
+              <a:tailEnd type="arrow"/>
+            </a:ln>
+          </p:spPr>
+          <p:style>
+            <a:lnRef idx="1">
+              <a:schemeClr val="accent1"/>
+            </a:lnRef>
+            <a:fillRef idx="0">
+              <a:schemeClr val="accent1"/>
+            </a:fillRef>
+            <a:effectRef idx="0">
+              <a:schemeClr val="accent1"/>
+            </a:effectRef>
+            <a:fontRef idx="minor">
+              <a:schemeClr val="tx1"/>
+            </a:fontRef>
+          </p:style>
+        </p:cxnSp>
+      </p:grpSp>
+      <p:sp>
+        <p:nvSpPr>
+          <p:cNvPr id="74" name="73 CuadroTexto"/>
+          <p:cNvSpPr txBox="1"/>
+          <p:nvPr/>
+        </p:nvSpPr>
+        <p:spPr>
+          <a:xfrm>
+            <a:off x="785786" y="2857496"/>
+            <a:ext cx="1643074" cy="307777"/>
+          </a:xfrm>
+          <a:prstGeom prst="rect">
+            <a:avLst/>
+          </a:prstGeom>
+          <a:noFill/>
+        </p:spPr>
+        <p:txBody>
+          <a:bodyPr wrap="square" rtlCol="0">
+            <a:spAutoFit/>
+          </a:bodyPr>
+          <a:lstStyle/>
+          <a:p>
+            <a:r>
+              <a:rPr lang="es-MX" sz="1400" i="1" dirty="0" smtClean="0">
+                <a:solidFill>
+                  <a:schemeClr val="accent6">
+                    <a:lumMod val="75000"/>
+                  </a:schemeClr>
+                </a:solidFill>
+              </a:rPr>
+              <a:t>F</a:t>
+            </a:r>
+            <a:r>
+              <a:rPr lang="es-MX" sz="1400" i="1" dirty="0" smtClean="0">
+                <a:solidFill>
+                  <a:schemeClr val="accent6">
+                    <a:lumMod val="75000"/>
+                  </a:schemeClr>
+                </a:solidFill>
+              </a:rPr>
+              <a:t>orma pago/envío</a:t>
+            </a:r>
+            <a:endParaRPr lang="es-MX" sz="1400" i="1" dirty="0">
+              <a:solidFill>
+                <a:schemeClr val="accent6">
+                  <a:lumMod val="75000"/>
+                </a:schemeClr>
+              </a:solidFill>
+            </a:endParaRPr>
+          </a:p>
+        </p:txBody>
+      </p:sp>
+      <p:cxnSp>
+        <p:nvCxnSpPr>
+          <p:cNvPr id="78" name="77 Conector recto"/>
+          <p:cNvCxnSpPr/>
+          <p:nvPr/>
+        </p:nvCxnSpPr>
+        <p:spPr>
+          <a:xfrm rot="5400000">
+            <a:off x="6138924" y="3505150"/>
+            <a:ext cx="868269" cy="1588"/>
+          </a:xfrm>
+          <a:prstGeom prst="line">
+            <a:avLst/>
+          </a:prstGeom>
+          <a:ln>
+            <a:solidFill>
+              <a:schemeClr val="tx1"/>
+            </a:solidFill>
+            <a:headEnd type="none" w="med" len="med"/>
+            <a:tailEnd type="oval" w="med" len="med"/>
+          </a:ln>
+        </p:spPr>
+        <p:style>
+          <a:lnRef idx="1">
+            <a:schemeClr val="accent1"/>
+          </a:lnRef>
+          <a:fillRef idx="0">
+            <a:schemeClr val="accent1"/>
+          </a:fillRef>
+          <a:effectRef idx="0">
+            <a:schemeClr val="accent1"/>
+          </a:effectRef>
+          <a:fontRef idx="minor">
+            <a:schemeClr val="tx1"/>
+          </a:fontRef>
+        </p:style>
+      </p:cxnSp>
+      <p:grpSp>
+        <p:nvGrpSpPr>
+          <p:cNvPr id="43" name="82 Grupo"/>
+          <p:cNvGrpSpPr/>
+          <p:nvPr/>
+        </p:nvGrpSpPr>
+        <p:grpSpPr>
+          <a:xfrm>
+            <a:off x="4357686" y="3692727"/>
+            <a:ext cx="1643074" cy="307777"/>
+            <a:chOff x="3500430" y="3049785"/>
+            <a:chExt cx="1643074" cy="307777"/>
+          </a:xfrm>
+        </p:grpSpPr>
+        <p:cxnSp>
+          <p:nvCxnSpPr>
+            <p:cNvPr id="84" name="83 Conector recto de flecha"/>
+            <p:cNvCxnSpPr/>
+            <p:nvPr/>
+          </p:nvCxnSpPr>
+          <p:spPr>
+            <a:xfrm>
+              <a:off x="3571868" y="3355974"/>
+              <a:ext cx="1428760" cy="1588"/>
+            </a:xfrm>
+            <a:prstGeom prst="straightConnector1">
+              <a:avLst/>
+            </a:prstGeom>
+            <a:ln w="28575">
+              <a:headEnd type="triangle"/>
+              <a:tailEnd type="none"/>
+            </a:ln>
+          </p:spPr>
+          <p:style>
+            <a:lnRef idx="1">
+              <a:schemeClr val="accent1"/>
+            </a:lnRef>
+            <a:fillRef idx="0">
+              <a:schemeClr val="accent1"/>
+            </a:fillRef>
+            <a:effectRef idx="0">
+              <a:schemeClr val="accent1"/>
+            </a:effectRef>
+            <a:fontRef idx="minor">
+              <a:schemeClr val="tx1"/>
+            </a:fontRef>
+          </p:style>
+        </p:cxnSp>
+        <p:sp>
+          <p:nvSpPr>
+            <p:cNvPr id="85" name="84 CuadroTexto"/>
+            <p:cNvSpPr txBox="1"/>
+            <p:nvPr/>
+          </p:nvSpPr>
+          <p:spPr>
+            <a:xfrm>
+              <a:off x="3500430" y="3049785"/>
+              <a:ext cx="1643074" cy="307777"/>
+            </a:xfrm>
+            <a:prstGeom prst="rect">
+              <a:avLst/>
+            </a:prstGeom>
+            <a:noFill/>
+          </p:spPr>
+          <p:txBody>
+            <a:bodyPr wrap="square" rtlCol="0">
+              <a:spAutoFit/>
+            </a:bodyPr>
+            <a:lstStyle/>
+            <a:p>
+              <a:r>
+                <a:rPr lang="es-MX" sz="1400" i="1" dirty="0" smtClean="0">
+                  <a:solidFill>
+                    <a:schemeClr val="accent6">
+                      <a:lumMod val="75000"/>
+                    </a:schemeClr>
+                  </a:solidFill>
+                </a:rPr>
+                <a:t>Pago exitoso</a:t>
+              </a:r>
+              <a:endParaRPr lang="es-MX" sz="1400" i="1" dirty="0">
+                <a:solidFill>
+                  <a:schemeClr val="accent6">
+                    <a:lumMod val="75000"/>
+                  </a:schemeClr>
+                </a:solidFill>
+              </a:endParaRPr>
+            </a:p>
+          </p:txBody>
+        </p:sp>
+      </p:grpSp>
+      <p:cxnSp>
+        <p:nvCxnSpPr>
+          <p:cNvPr id="90" name="89 Conector recto"/>
+          <p:cNvCxnSpPr/>
+          <p:nvPr/>
+        </p:nvCxnSpPr>
+        <p:spPr>
+          <a:xfrm rot="5400000">
+            <a:off x="6287294" y="5214144"/>
+            <a:ext cx="714404" cy="1588"/>
+          </a:xfrm>
+          <a:prstGeom prst="line">
+            <a:avLst/>
+          </a:prstGeom>
+          <a:ln>
+            <a:solidFill>
+              <a:schemeClr val="tx1"/>
+            </a:solidFill>
+            <a:headEnd type="none" w="med" len="med"/>
+            <a:tailEnd type="oval" w="med" len="med"/>
+          </a:ln>
+        </p:spPr>
+        <p:style>
+          <a:lnRef idx="1">
+            <a:schemeClr val="accent1"/>
+          </a:lnRef>
+          <a:fillRef idx="0">
+            <a:schemeClr val="accent1"/>
+          </a:fillRef>
+          <a:effectRef idx="0">
+            <a:schemeClr val="accent1"/>
+          </a:effectRef>
+          <a:fontRef idx="minor">
+            <a:schemeClr val="tx1"/>
+          </a:fontRef>
+        </p:style>
+      </p:cxnSp>
+      <p:grpSp>
+        <p:nvGrpSpPr>
+          <p:cNvPr id="44" name="92 Grupo"/>
+          <p:cNvGrpSpPr/>
+          <p:nvPr/>
+        </p:nvGrpSpPr>
+        <p:grpSpPr>
+          <a:xfrm>
+            <a:off x="4357686" y="5000636"/>
+            <a:ext cx="1643074" cy="307777"/>
+            <a:chOff x="3500430" y="3071810"/>
+            <a:chExt cx="1643074" cy="307777"/>
+          </a:xfrm>
+        </p:grpSpPr>
+        <p:sp>
+          <p:nvSpPr>
+            <p:cNvPr id="94" name="93 CuadroTexto"/>
+            <p:cNvSpPr txBox="1"/>
+            <p:nvPr/>
+          </p:nvSpPr>
+          <p:spPr>
+            <a:xfrm>
+              <a:off x="3500430" y="3071810"/>
+              <a:ext cx="1643074" cy="307777"/>
+            </a:xfrm>
+            <a:prstGeom prst="rect">
+              <a:avLst/>
+            </a:prstGeom>
+            <a:noFill/>
+          </p:spPr>
+          <p:txBody>
+            <a:bodyPr wrap="square" rtlCol="0">
+              <a:spAutoFit/>
+            </a:bodyPr>
+            <a:lstStyle/>
+            <a:p>
+              <a:r>
+                <a:rPr lang="es-MX" sz="1400" i="1" dirty="0" smtClean="0">
+                  <a:solidFill>
+                    <a:schemeClr val="accent6">
+                      <a:lumMod val="75000"/>
+                    </a:schemeClr>
+                  </a:solidFill>
+                </a:rPr>
+                <a:t>Pide recolección</a:t>
+              </a:r>
+              <a:endParaRPr lang="es-MX" sz="1400" i="1" dirty="0">
+                <a:solidFill>
+                  <a:schemeClr val="accent6">
+                    <a:lumMod val="75000"/>
+                  </a:schemeClr>
+                </a:solidFill>
+              </a:endParaRPr>
+            </a:p>
+          </p:txBody>
+        </p:sp>
+        <p:cxnSp>
+          <p:nvCxnSpPr>
+            <p:cNvPr id="95" name="94 Conector recto de flecha"/>
+            <p:cNvCxnSpPr/>
+            <p:nvPr/>
+          </p:nvCxnSpPr>
+          <p:spPr>
+            <a:xfrm>
+              <a:off x="3571868" y="3357562"/>
+              <a:ext cx="1428760" cy="1588"/>
+            </a:xfrm>
+            <a:prstGeom prst="straightConnector1">
+              <a:avLst/>
+            </a:prstGeom>
+            <a:ln w="28575">
+              <a:headEnd type="none"/>
+              <a:tailEnd type="arrow"/>
+            </a:ln>
+          </p:spPr>
+          <p:style>
+            <a:lnRef idx="1">
+              <a:schemeClr val="accent1"/>
+            </a:lnRef>
+            <a:fillRef idx="0">
+              <a:schemeClr val="accent1"/>
+            </a:fillRef>
+            <a:effectRef idx="0">
+              <a:schemeClr val="accent1"/>
+            </a:effectRef>
+            <a:fontRef idx="minor">
+              <a:schemeClr val="tx1"/>
+            </a:fontRef>
+          </p:style>
+        </p:cxnSp>
+      </p:grpSp>
+      <p:grpSp>
+        <p:nvGrpSpPr>
+          <p:cNvPr id="47" name="95 Grupo"/>
+          <p:cNvGrpSpPr/>
+          <p:nvPr/>
+        </p:nvGrpSpPr>
+        <p:grpSpPr>
+          <a:xfrm>
+            <a:off x="4286248" y="5286388"/>
+            <a:ext cx="1643074" cy="307777"/>
+            <a:chOff x="3500430" y="3071810"/>
+            <a:chExt cx="1643074" cy="307777"/>
+          </a:xfrm>
+        </p:grpSpPr>
+        <p:cxnSp>
+          <p:nvCxnSpPr>
+            <p:cNvPr id="97" name="96 Conector recto de flecha"/>
+            <p:cNvCxnSpPr/>
+            <p:nvPr/>
+          </p:nvCxnSpPr>
+          <p:spPr>
+            <a:xfrm>
+              <a:off x="3571868" y="3357562"/>
+              <a:ext cx="1428760" cy="1588"/>
+            </a:xfrm>
+            <a:prstGeom prst="straightConnector1">
+              <a:avLst/>
+            </a:prstGeom>
+            <a:ln w="28575">
+              <a:headEnd type="triangle"/>
+              <a:tailEnd type="none"/>
+            </a:ln>
+          </p:spPr>
+          <p:style>
+            <a:lnRef idx="1">
+              <a:schemeClr val="accent1"/>
+            </a:lnRef>
+            <a:fillRef idx="0">
+              <a:schemeClr val="accent1"/>
+            </a:fillRef>
+            <a:effectRef idx="0">
+              <a:schemeClr val="accent1"/>
+            </a:effectRef>
+            <a:fontRef idx="minor">
+              <a:schemeClr val="tx1"/>
+            </a:fontRef>
+          </p:style>
+        </p:cxnSp>
+        <p:sp>
+          <p:nvSpPr>
+            <p:cNvPr id="98" name="97 CuadroTexto"/>
+            <p:cNvSpPr txBox="1"/>
+            <p:nvPr/>
+          </p:nvSpPr>
+          <p:spPr>
+            <a:xfrm>
+              <a:off x="3500430" y="3071810"/>
+              <a:ext cx="1643074" cy="307777"/>
+            </a:xfrm>
+            <a:prstGeom prst="rect">
+              <a:avLst/>
+            </a:prstGeom>
+            <a:noFill/>
+          </p:spPr>
+          <p:txBody>
+            <a:bodyPr wrap="square" rtlCol="0">
+              <a:spAutoFit/>
+            </a:bodyPr>
+            <a:lstStyle/>
+            <a:p>
+              <a:r>
+                <a:rPr lang="es-MX" sz="1400" i="1" dirty="0" smtClean="0">
+                  <a:solidFill>
+                    <a:schemeClr val="accent6">
+                      <a:lumMod val="75000"/>
+                    </a:schemeClr>
+                  </a:solidFill>
+                </a:rPr>
+                <a:t>Error de datos</a:t>
+              </a:r>
+              <a:endParaRPr lang="es-MX" sz="1400" i="1" dirty="0">
+                <a:solidFill>
+                  <a:schemeClr val="accent6">
+                    <a:lumMod val="75000"/>
+                  </a:schemeClr>
+                </a:solidFill>
+              </a:endParaRPr>
+            </a:p>
+          </p:txBody>
+        </p:sp>
+      </p:grpSp>
+      <p:grpSp>
+        <p:nvGrpSpPr>
+          <p:cNvPr id="50" name="98 Grupo"/>
+          <p:cNvGrpSpPr/>
+          <p:nvPr/>
+        </p:nvGrpSpPr>
+        <p:grpSpPr>
+          <a:xfrm>
+            <a:off x="2571736" y="5572140"/>
+            <a:ext cx="1643074" cy="307777"/>
+            <a:chOff x="3500430" y="3071810"/>
+            <a:chExt cx="1643074" cy="307777"/>
+          </a:xfrm>
+        </p:grpSpPr>
+        <p:cxnSp>
+          <p:nvCxnSpPr>
+            <p:cNvPr id="100" name="99 Conector recto de flecha"/>
+            <p:cNvCxnSpPr/>
+            <p:nvPr/>
+          </p:nvCxnSpPr>
+          <p:spPr>
+            <a:xfrm>
+              <a:off x="3571868" y="3357562"/>
+              <a:ext cx="1428760" cy="1588"/>
+            </a:xfrm>
+            <a:prstGeom prst="straightConnector1">
+              <a:avLst/>
+            </a:prstGeom>
+            <a:ln w="28575">
+              <a:headEnd type="triangle"/>
+              <a:tailEnd type="none"/>
+            </a:ln>
+          </p:spPr>
+          <p:style>
+            <a:lnRef idx="1">
+              <a:schemeClr val="accent1"/>
+            </a:lnRef>
+            <a:fillRef idx="0">
+              <a:schemeClr val="accent1"/>
+            </a:fillRef>
+            <a:effectRef idx="0">
+              <a:schemeClr val="accent1"/>
+            </a:effectRef>
+            <a:fontRef idx="minor">
+              <a:schemeClr val="tx1"/>
+            </a:fontRef>
+          </p:style>
+        </p:cxnSp>
+        <p:sp>
+          <p:nvSpPr>
+            <p:cNvPr id="101" name="100 CuadroTexto"/>
+            <p:cNvSpPr txBox="1"/>
+            <p:nvPr/>
+          </p:nvSpPr>
+          <p:spPr>
+            <a:xfrm>
+              <a:off x="3500430" y="3071810"/>
+              <a:ext cx="1643074" cy="307777"/>
+            </a:xfrm>
+            <a:prstGeom prst="rect">
+              <a:avLst/>
+            </a:prstGeom>
+            <a:noFill/>
+          </p:spPr>
+          <p:txBody>
+            <a:bodyPr wrap="square" rtlCol="0">
+              <a:spAutoFit/>
+            </a:bodyPr>
+            <a:lstStyle/>
+            <a:p>
+              <a:r>
+                <a:rPr lang="es-MX" sz="1400" i="1" dirty="0" smtClean="0">
+                  <a:solidFill>
+                    <a:schemeClr val="accent6">
+                      <a:lumMod val="75000"/>
+                    </a:schemeClr>
+                  </a:solidFill>
+                </a:rPr>
+                <a:t>Error  Mensajería</a:t>
+              </a:r>
+              <a:endParaRPr lang="es-MX" sz="1400" i="1" dirty="0">
+                <a:solidFill>
+                  <a:schemeClr val="accent6">
+                    <a:lumMod val="75000"/>
+                  </a:schemeClr>
+                </a:solidFill>
+              </a:endParaRPr>
+            </a:p>
+          </p:txBody>
+        </p:sp>
+      </p:grpSp>
+      <p:grpSp>
+        <p:nvGrpSpPr>
+          <p:cNvPr id="53" name="101 Grupo"/>
+          <p:cNvGrpSpPr/>
+          <p:nvPr/>
+        </p:nvGrpSpPr>
+        <p:grpSpPr>
+          <a:xfrm>
+            <a:off x="785786" y="5643578"/>
+            <a:ext cx="1643074" cy="307777"/>
+            <a:chOff x="3500430" y="3071810"/>
+            <a:chExt cx="1643074" cy="307777"/>
+          </a:xfrm>
+        </p:grpSpPr>
+        <p:cxnSp>
+          <p:nvCxnSpPr>
+            <p:cNvPr id="103" name="102 Conector recto de flecha"/>
+            <p:cNvCxnSpPr/>
+            <p:nvPr/>
+          </p:nvCxnSpPr>
+          <p:spPr>
+            <a:xfrm>
+              <a:off x="3571868" y="3357562"/>
+              <a:ext cx="1428760" cy="1588"/>
+            </a:xfrm>
+            <a:prstGeom prst="straightConnector1">
+              <a:avLst/>
+            </a:prstGeom>
+            <a:ln w="28575">
+              <a:headEnd type="triangle"/>
+              <a:tailEnd type="none"/>
+            </a:ln>
+          </p:spPr>
+          <p:style>
+            <a:lnRef idx="1">
+              <a:schemeClr val="accent1"/>
+            </a:lnRef>
+            <a:fillRef idx="0">
+              <a:schemeClr val="accent1"/>
+            </a:fillRef>
+            <a:effectRef idx="0">
+              <a:schemeClr val="accent1"/>
+            </a:effectRef>
+            <a:fontRef idx="minor">
+              <a:schemeClr val="tx1"/>
+            </a:fontRef>
+          </p:style>
+        </p:cxnSp>
+        <p:sp>
+          <p:nvSpPr>
+            <p:cNvPr id="104" name="103 CuadroTexto"/>
+            <p:cNvSpPr txBox="1"/>
+            <p:nvPr/>
+          </p:nvSpPr>
+          <p:spPr>
+            <a:xfrm>
+              <a:off x="3500430" y="3071810"/>
+              <a:ext cx="1643074" cy="307777"/>
+            </a:xfrm>
+            <a:prstGeom prst="rect">
+              <a:avLst/>
+            </a:prstGeom>
+            <a:noFill/>
+          </p:spPr>
+          <p:txBody>
+            <a:bodyPr wrap="square" rtlCol="0">
+              <a:spAutoFit/>
+            </a:bodyPr>
+            <a:lstStyle/>
+            <a:p>
+              <a:r>
+                <a:rPr lang="es-MX" sz="1400" i="1" dirty="0" smtClean="0">
+                  <a:solidFill>
+                    <a:schemeClr val="accent6">
+                      <a:lumMod val="75000"/>
+                    </a:schemeClr>
+                  </a:solidFill>
+                </a:rPr>
+                <a:t>Error  Mensajería</a:t>
+              </a:r>
+              <a:endParaRPr lang="es-MX" sz="1400" i="1" dirty="0">
+                <a:solidFill>
+                  <a:schemeClr val="accent6">
+                    <a:lumMod val="75000"/>
+                  </a:schemeClr>
+                </a:solidFill>
+              </a:endParaRPr>
+            </a:p>
+          </p:txBody>
+        </p:sp>
+      </p:grpSp>
     </p:spTree>
   </p:cSld>
   <p:clrMapOvr>
